--- a/课件/第三讲： 数论.pptx
+++ b/课件/第三讲： 数论.pptx
@@ -5,10 +5,10 @@
     <p:sldMasterId id="2147483648" r:id="rId1"/>
   </p:sldMasterIdLst>
   <p:notesMasterIdLst>
-    <p:notesMasterId r:id="rId22"/>
+    <p:notesMasterId r:id="rId16"/>
   </p:notesMasterIdLst>
   <p:handoutMasterIdLst>
-    <p:handoutMasterId r:id="rId23"/>
+    <p:handoutMasterId r:id="rId17"/>
   </p:handoutMasterIdLst>
   <p:sldIdLst>
     <p:sldId id="322" r:id="rId2"/>
@@ -22,15 +22,9 @@
     <p:sldId id="405" r:id="rId10"/>
     <p:sldId id="410" r:id="rId11"/>
     <p:sldId id="411" r:id="rId12"/>
-    <p:sldId id="413" r:id="rId13"/>
-    <p:sldId id="414" r:id="rId14"/>
-    <p:sldId id="415" r:id="rId15"/>
-    <p:sldId id="416" r:id="rId16"/>
-    <p:sldId id="417" r:id="rId17"/>
-    <p:sldId id="418" r:id="rId18"/>
-    <p:sldId id="419" r:id="rId19"/>
-    <p:sldId id="401" r:id="rId20"/>
-    <p:sldId id="276" r:id="rId21"/>
+    <p:sldId id="419" r:id="rId13"/>
+    <p:sldId id="401" r:id="rId14"/>
+    <p:sldId id="276" r:id="rId15"/>
   </p:sldIdLst>
   <p:sldSz cx="9144000" cy="6858000" type="screen4x3"/>
   <p:notesSz cx="6858000" cy="9144000"/>
@@ -166,7 +160,7 @@
   </p:defaultTextStyle>
   <p:extLst>
     <p:ext uri="{EFAFB233-063F-42B5-8137-9DF3F51BA10A}">
-      <p15:sldGuideLst xmlns:p15="http://schemas.microsoft.com/office/powerpoint/2012/main" xmlns="">
+      <p15:sldGuideLst xmlns:p15="http://schemas.microsoft.com/office/powerpoint/2012/main">
         <p15:guide id="1" orient="horz" pos="2160">
           <p15:clr>
             <a:srgbClr val="A4A3A4"/>
@@ -180,7 +174,7 @@
       </p15:sldGuideLst>
     </p:ext>
     <p:ext uri="{2D200454-40CA-4A62-9FC3-DE9A4176ACB9}">
-      <p15:notesGuideLst xmlns:p15="http://schemas.microsoft.com/office/powerpoint/2012/main" xmlns="">
+      <p15:notesGuideLst xmlns:p15="http://schemas.microsoft.com/office/powerpoint/2012/main">
         <p15:guide id="1" orient="horz" pos="2880">
           <p15:clr>
             <a:srgbClr val="A4A3A4"/>
@@ -280,7 +274,7 @@
             <a:fld id="{051F21D3-01E8-4102-B608-8A6B50B6B27E}" type="datetimeFigureOut">
               <a:rPr lang="zh-CN" altLang="en-US" smtClean="0"/>
               <a:pPr/>
-              <a:t>2017/10/16</a:t>
+              <a:t>2017/11/9</a:t>
             </a:fld>
             <a:endParaRPr lang="zh-CN" altLang="en-US"/>
           </a:p>
@@ -356,7 +350,7 @@
     </p:spTree>
     <p:extLst>
       <p:ext uri="{BB962C8B-B14F-4D97-AF65-F5344CB8AC3E}">
-        <p14:creationId xmlns:p14="http://schemas.microsoft.com/office/powerpoint/2010/main" xmlns="" val="3903207085"/>
+        <p14:creationId xmlns:p14="http://schemas.microsoft.com/office/powerpoint/2010/main" val="3903207085"/>
       </p:ext>
     </p:extLst>
   </p:cSld>
@@ -447,7 +441,7 @@
             <a:fld id="{B6083D17-2EF0-43BD-97E4-BB7AF5A7BF42}" type="datetimeFigureOut">
               <a:rPr lang="zh-CN" altLang="en-US" smtClean="0"/>
               <a:pPr/>
-              <a:t>2017/10/16</a:t>
+              <a:t>2017/11/9</a:t>
             </a:fld>
             <a:endParaRPr lang="zh-CN" altLang="en-US"/>
           </a:p>
@@ -616,7 +610,7 @@
     </p:spTree>
     <p:extLst>
       <p:ext uri="{BB962C8B-B14F-4D97-AF65-F5344CB8AC3E}">
-        <p14:creationId xmlns:p14="http://schemas.microsoft.com/office/powerpoint/2010/main" xmlns="" val="80939775"/>
+        <p14:creationId xmlns:p14="http://schemas.microsoft.com/office/powerpoint/2010/main" val="80939775"/>
       </p:ext>
     </p:extLst>
   </p:cSld>
@@ -823,7 +817,7 @@
           <a:effectLst/>
           <a:extLst>
             <a:ext uri="{91240B29-F687-4F45-9708-019B960494DF}">
-              <a14:hiddenLine xmlns:a14="http://schemas.microsoft.com/office/drawing/2010/main" xmlns="" w="9525">
+              <a14:hiddenLine xmlns:a14="http://schemas.microsoft.com/office/drawing/2010/main" w="9525">
                 <a:solidFill>
                   <a:srgbClr val="000000"/>
                 </a:solidFill>
@@ -833,7 +827,7 @@
               </a14:hiddenLine>
             </a:ext>
             <a:ext uri="{AF507438-7753-43E0-B8FC-AC1667EBCBE1}">
-              <a14:hiddenEffects xmlns:a14="http://schemas.microsoft.com/office/drawing/2010/main" xmlns="">
+              <a14:hiddenEffects xmlns:a14="http://schemas.microsoft.com/office/drawing/2010/main">
                 <a:effectLst>
                   <a:outerShdw dist="76200" algn="ctr" rotWithShape="0">
                     <a:schemeClr val="bg2">
@@ -885,7 +879,7 @@
           <a:effectLst/>
           <a:extLst>
             <a:ext uri="{91240B29-F687-4F45-9708-019B960494DF}">
-              <a14:hiddenLine xmlns:a14="http://schemas.microsoft.com/office/drawing/2010/main" xmlns="" w="9525">
+              <a14:hiddenLine xmlns:a14="http://schemas.microsoft.com/office/drawing/2010/main" w="9525">
                 <a:solidFill>
                   <a:srgbClr val="000000"/>
                 </a:solidFill>
@@ -895,7 +889,7 @@
               </a14:hiddenLine>
             </a:ext>
             <a:ext uri="{AF507438-7753-43E0-B8FC-AC1667EBCBE1}">
-              <a14:hiddenEffects xmlns:a14="http://schemas.microsoft.com/office/drawing/2010/main" xmlns="">
+              <a14:hiddenEffects xmlns:a14="http://schemas.microsoft.com/office/drawing/2010/main">
                 <a:effectLst>
                   <a:outerShdw dist="35921" dir="2700000" algn="ctr" rotWithShape="0">
                     <a:schemeClr val="bg2"/>
@@ -1053,7 +1047,7 @@
           <a:effectLst/>
           <a:extLst>
             <a:ext uri="{91240B29-F687-4F45-9708-019B960494DF}">
-              <a14:hiddenLine xmlns:a14="http://schemas.microsoft.com/office/drawing/2010/main" xmlns="" w="9525">
+              <a14:hiddenLine xmlns:a14="http://schemas.microsoft.com/office/drawing/2010/main" w="9525">
                 <a:solidFill>
                   <a:srgbClr val="000000"/>
                 </a:solidFill>
@@ -1063,7 +1057,7 @@
               </a14:hiddenLine>
             </a:ext>
             <a:ext uri="{AF507438-7753-43E0-B8FC-AC1667EBCBE1}">
-              <a14:hiddenEffects xmlns:a14="http://schemas.microsoft.com/office/drawing/2010/main" xmlns="">
+              <a14:hiddenEffects xmlns:a14="http://schemas.microsoft.com/office/drawing/2010/main">
                 <a:effectLst>
                   <a:outerShdw dist="35921" dir="2700000" algn="ctr" rotWithShape="0">
                     <a:schemeClr val="bg2"/>
@@ -1279,7 +1273,7 @@
           <a:effectLst/>
           <a:extLst>
             <a:ext uri="{91240B29-F687-4F45-9708-019B960494DF}">
-              <a14:hiddenLine xmlns:a14="http://schemas.microsoft.com/office/drawing/2010/main" xmlns="" w="9525">
+              <a14:hiddenLine xmlns:a14="http://schemas.microsoft.com/office/drawing/2010/main" w="9525">
                 <a:solidFill>
                   <a:srgbClr val="000000"/>
                 </a:solidFill>
@@ -1289,7 +1283,7 @@
               </a14:hiddenLine>
             </a:ext>
             <a:ext uri="{AF507438-7753-43E0-B8FC-AC1667EBCBE1}">
-              <a14:hiddenEffects xmlns:a14="http://schemas.microsoft.com/office/drawing/2010/main" xmlns="">
+              <a14:hiddenEffects xmlns:a14="http://schemas.microsoft.com/office/drawing/2010/main">
                 <a:effectLst>
                   <a:outerShdw dist="35921" dir="2700000" algn="ctr" rotWithShape="0">
                     <a:schemeClr val="bg2"/>
@@ -1332,7 +1326,7 @@
           <a:effectLst/>
           <a:extLst>
             <a:ext uri="{91240B29-F687-4F45-9708-019B960494DF}">
-              <a14:hiddenLine xmlns:a14="http://schemas.microsoft.com/office/drawing/2010/main" xmlns="" w="9525">
+              <a14:hiddenLine xmlns:a14="http://schemas.microsoft.com/office/drawing/2010/main" w="9525">
                 <a:solidFill>
                   <a:srgbClr val="000000"/>
                 </a:solidFill>
@@ -1342,7 +1336,7 @@
               </a14:hiddenLine>
             </a:ext>
             <a:ext uri="{AF507438-7753-43E0-B8FC-AC1667EBCBE1}">
-              <a14:hiddenEffects xmlns:a14="http://schemas.microsoft.com/office/drawing/2010/main" xmlns="">
+              <a14:hiddenEffects xmlns:a14="http://schemas.microsoft.com/office/drawing/2010/main">
                 <a:effectLst>
                   <a:outerShdw dist="35921" dir="2700000" algn="ctr" rotWithShape="0">
                     <a:schemeClr val="bg2"/>
@@ -1496,14 +1490,14 @@
           <a:effectLst/>
           <a:extLst>
             <a:ext uri="{909E8E84-426E-40DD-AFC4-6F175D3DCCD1}">
-              <a14:hiddenFill xmlns:a14="http://schemas.microsoft.com/office/drawing/2010/main" xmlns="">
+              <a14:hiddenFill xmlns:a14="http://schemas.microsoft.com/office/drawing/2010/main">
                 <a:solidFill>
                   <a:schemeClr val="accent1"/>
                 </a:solidFill>
               </a14:hiddenFill>
             </a:ext>
             <a:ext uri="{91240B29-F687-4F45-9708-019B960494DF}">
-              <a14:hiddenLine xmlns:a14="http://schemas.microsoft.com/office/drawing/2010/main" xmlns="" w="9525">
+              <a14:hiddenLine xmlns:a14="http://schemas.microsoft.com/office/drawing/2010/main" w="9525">
                 <a:solidFill>
                   <a:srgbClr val="000000"/>
                 </a:solidFill>
@@ -1513,7 +1507,7 @@
               </a14:hiddenLine>
             </a:ext>
             <a:ext uri="{AF507438-7753-43E0-B8FC-AC1667EBCBE1}">
-              <a14:hiddenEffects xmlns:a14="http://schemas.microsoft.com/office/drawing/2010/main" xmlns="">
+              <a14:hiddenEffects xmlns:a14="http://schemas.microsoft.com/office/drawing/2010/main">
                 <a:effectLst>
                   <a:outerShdw dist="35921" dir="2700000" algn="ctr" rotWithShape="0">
                     <a:schemeClr val="bg2"/>
@@ -1714,7 +1708,7 @@
           <a:noFill/>
           <a:extLst>
             <a:ext uri="{909E8E84-426E-40DD-AFC4-6F175D3DCCD1}">
-              <a14:hiddenFill xmlns:a14="http://schemas.microsoft.com/office/drawing/2010/main" xmlns="">
+              <a14:hiddenFill xmlns:a14="http://schemas.microsoft.com/office/drawing/2010/main">
                 <a:solidFill>
                   <a:schemeClr val="accent1"/>
                 </a:solidFill>
@@ -1797,14 +1791,14 @@
           </a:prstGeom>
           <a:extLst>
             <a:ext uri="{909E8E84-426E-40DD-AFC4-6F175D3DCCD1}">
-              <a14:hiddenFill xmlns:a14="http://schemas.microsoft.com/office/drawing/2010/main" xmlns="">
+              <a14:hiddenFill xmlns:a14="http://schemas.microsoft.com/office/drawing/2010/main">
                 <a:solidFill>
                   <a:schemeClr val="accent1"/>
                 </a:solidFill>
               </a14:hiddenFill>
             </a:ext>
             <a:ext uri="{91240B29-F687-4F45-9708-019B960494DF}">
-              <a14:hiddenLine xmlns:a14="http://schemas.microsoft.com/office/drawing/2010/main" xmlns="" w="9525">
+              <a14:hiddenLine xmlns:a14="http://schemas.microsoft.com/office/drawing/2010/main" w="9525">
                 <a:solidFill>
                   <a:srgbClr val="000000"/>
                 </a:solidFill>
@@ -1814,7 +1808,7 @@
               </a14:hiddenLine>
             </a:ext>
             <a:ext uri="{AF507438-7753-43E0-B8FC-AC1667EBCBE1}">
-              <a14:hiddenEffects xmlns:a14="http://schemas.microsoft.com/office/drawing/2010/main" xmlns="">
+              <a14:hiddenEffects xmlns:a14="http://schemas.microsoft.com/office/drawing/2010/main">
                 <a:effectLst>
                   <a:outerShdw dist="35921" dir="2700000" algn="ctr" rotWithShape="0">
                     <a:schemeClr val="bg2"/>
@@ -1888,7 +1882,7 @@
     </p:spTree>
     <p:extLst>
       <p:ext uri="{BB962C8B-B14F-4D97-AF65-F5344CB8AC3E}">
-        <p14:creationId xmlns:p14="http://schemas.microsoft.com/office/powerpoint/2010/main" xmlns="" val="407972854"/>
+        <p14:creationId xmlns:p14="http://schemas.microsoft.com/office/powerpoint/2010/main" val="407972854"/>
       </p:ext>
     </p:extLst>
   </p:cSld>
@@ -2056,7 +2050,7 @@
     </p:spTree>
     <p:extLst>
       <p:ext uri="{BB962C8B-B14F-4D97-AF65-F5344CB8AC3E}">
-        <p14:creationId xmlns:p14="http://schemas.microsoft.com/office/powerpoint/2010/main" xmlns="" val="3057203945"/>
+        <p14:creationId xmlns:p14="http://schemas.microsoft.com/office/powerpoint/2010/main" val="3057203945"/>
       </p:ext>
     </p:extLst>
   </p:cSld>
@@ -2234,7 +2228,7 @@
     </p:spTree>
     <p:extLst>
       <p:ext uri="{BB962C8B-B14F-4D97-AF65-F5344CB8AC3E}">
-        <p14:creationId xmlns:p14="http://schemas.microsoft.com/office/powerpoint/2010/main" xmlns="" val="634261970"/>
+        <p14:creationId xmlns:p14="http://schemas.microsoft.com/office/powerpoint/2010/main" val="634261970"/>
       </p:ext>
     </p:extLst>
   </p:cSld>
@@ -2412,7 +2406,7 @@
     </p:spTree>
     <p:extLst>
       <p:ext uri="{BB962C8B-B14F-4D97-AF65-F5344CB8AC3E}">
-        <p14:creationId xmlns:p14="http://schemas.microsoft.com/office/powerpoint/2010/main" xmlns="" val="3536167397"/>
+        <p14:creationId xmlns:p14="http://schemas.microsoft.com/office/powerpoint/2010/main" val="3536167397"/>
       </p:ext>
     </p:extLst>
   </p:cSld>
@@ -2609,7 +2603,7 @@
     </p:spTree>
     <p:extLst>
       <p:ext uri="{BB962C8B-B14F-4D97-AF65-F5344CB8AC3E}">
-        <p14:creationId xmlns:p14="http://schemas.microsoft.com/office/powerpoint/2010/main" xmlns="" val="696848505"/>
+        <p14:creationId xmlns:p14="http://schemas.microsoft.com/office/powerpoint/2010/main" val="696848505"/>
       </p:ext>
     </p:extLst>
   </p:cSld>
@@ -2895,7 +2889,7 @@
     </p:spTree>
     <p:extLst>
       <p:ext uri="{BB962C8B-B14F-4D97-AF65-F5344CB8AC3E}">
-        <p14:creationId xmlns:p14="http://schemas.microsoft.com/office/powerpoint/2010/main" xmlns="" val="917298690"/>
+        <p14:creationId xmlns:p14="http://schemas.microsoft.com/office/powerpoint/2010/main" val="917298690"/>
       </p:ext>
     </p:extLst>
   </p:cSld>
@@ -3320,7 +3314,7 @@
     </p:spTree>
     <p:extLst>
       <p:ext uri="{BB962C8B-B14F-4D97-AF65-F5344CB8AC3E}">
-        <p14:creationId xmlns:p14="http://schemas.microsoft.com/office/powerpoint/2010/main" xmlns="" val="3520384131"/>
+        <p14:creationId xmlns:p14="http://schemas.microsoft.com/office/powerpoint/2010/main" val="3520384131"/>
       </p:ext>
     </p:extLst>
   </p:cSld>
@@ -3436,7 +3430,7 @@
     </p:spTree>
     <p:extLst>
       <p:ext uri="{BB962C8B-B14F-4D97-AF65-F5344CB8AC3E}">
-        <p14:creationId xmlns:p14="http://schemas.microsoft.com/office/powerpoint/2010/main" xmlns="" val="1572459753"/>
+        <p14:creationId xmlns:p14="http://schemas.microsoft.com/office/powerpoint/2010/main" val="1572459753"/>
       </p:ext>
     </p:extLst>
   </p:cSld>
@@ -3529,7 +3523,7 @@
     </p:spTree>
     <p:extLst>
       <p:ext uri="{BB962C8B-B14F-4D97-AF65-F5344CB8AC3E}">
-        <p14:creationId xmlns:p14="http://schemas.microsoft.com/office/powerpoint/2010/main" xmlns="" val="1278954621"/>
+        <p14:creationId xmlns:p14="http://schemas.microsoft.com/office/powerpoint/2010/main" val="1278954621"/>
       </p:ext>
     </p:extLst>
   </p:cSld>
@@ -3804,7 +3798,7 @@
     </p:spTree>
     <p:extLst>
       <p:ext uri="{BB962C8B-B14F-4D97-AF65-F5344CB8AC3E}">
-        <p14:creationId xmlns:p14="http://schemas.microsoft.com/office/powerpoint/2010/main" xmlns="" val="732320441"/>
+        <p14:creationId xmlns:p14="http://schemas.microsoft.com/office/powerpoint/2010/main" val="732320441"/>
       </p:ext>
     </p:extLst>
   </p:cSld>
@@ -4056,7 +4050,7 @@
     </p:spTree>
     <p:extLst>
       <p:ext uri="{BB962C8B-B14F-4D97-AF65-F5344CB8AC3E}">
-        <p14:creationId xmlns:p14="http://schemas.microsoft.com/office/powerpoint/2010/main" xmlns="" val="2413524459"/>
+        <p14:creationId xmlns:p14="http://schemas.microsoft.com/office/powerpoint/2010/main" val="2413524459"/>
       </p:ext>
     </p:extLst>
   </p:cSld>
@@ -4118,7 +4112,7 @@
           <a:effectLst/>
           <a:extLst>
             <a:ext uri="{91240B29-F687-4F45-9708-019B960494DF}">
-              <a14:hiddenLine xmlns:a14="http://schemas.microsoft.com/office/drawing/2010/main" xmlns="" w="9525">
+              <a14:hiddenLine xmlns:a14="http://schemas.microsoft.com/office/drawing/2010/main" w="9525">
                 <a:solidFill>
                   <a:srgbClr val="000000"/>
                 </a:solidFill>
@@ -4128,7 +4122,7 @@
               </a14:hiddenLine>
             </a:ext>
             <a:ext uri="{AF507438-7753-43E0-B8FC-AC1667EBCBE1}">
-              <a14:hiddenEffects xmlns:a14="http://schemas.microsoft.com/office/drawing/2010/main" xmlns="">
+              <a14:hiddenEffects xmlns:a14="http://schemas.microsoft.com/office/drawing/2010/main">
                 <a:effectLst>
                   <a:outerShdw dist="35921" dir="2700000" algn="ctr" rotWithShape="0">
                     <a:schemeClr val="bg2"/>
@@ -4344,7 +4338,7 @@
           <a:effectLst/>
           <a:extLst>
             <a:ext uri="{91240B29-F687-4F45-9708-019B960494DF}">
-              <a14:hiddenLine xmlns:a14="http://schemas.microsoft.com/office/drawing/2010/main" xmlns="" w="9525">
+              <a14:hiddenLine xmlns:a14="http://schemas.microsoft.com/office/drawing/2010/main" w="9525">
                 <a:solidFill>
                   <a:srgbClr val="000000"/>
                 </a:solidFill>
@@ -4354,7 +4348,7 @@
               </a14:hiddenLine>
             </a:ext>
             <a:ext uri="{AF507438-7753-43E0-B8FC-AC1667EBCBE1}">
-              <a14:hiddenEffects xmlns:a14="http://schemas.microsoft.com/office/drawing/2010/main" xmlns="">
+              <a14:hiddenEffects xmlns:a14="http://schemas.microsoft.com/office/drawing/2010/main">
                 <a:effectLst>
                   <a:outerShdw dist="35921" dir="2700000" algn="ctr" rotWithShape="0">
                     <a:schemeClr val="bg2"/>
@@ -4455,7 +4449,7 @@
           <a:effectLst/>
           <a:extLst>
             <a:ext uri="{91240B29-F687-4F45-9708-019B960494DF}">
-              <a14:hiddenLine xmlns:a14="http://schemas.microsoft.com/office/drawing/2010/main" xmlns="" w="9525">
+              <a14:hiddenLine xmlns:a14="http://schemas.microsoft.com/office/drawing/2010/main" w="9525">
                 <a:solidFill>
                   <a:srgbClr val="000000"/>
                 </a:solidFill>
@@ -4465,7 +4459,7 @@
               </a14:hiddenLine>
             </a:ext>
             <a:ext uri="{AF507438-7753-43E0-B8FC-AC1667EBCBE1}">
-              <a14:hiddenEffects xmlns:a14="http://schemas.microsoft.com/office/drawing/2010/main" xmlns="">
+              <a14:hiddenEffects xmlns:a14="http://schemas.microsoft.com/office/drawing/2010/main">
                 <a:effectLst>
                   <a:outerShdw dist="76200" algn="ctr" rotWithShape="0">
                     <a:schemeClr val="bg2">
@@ -4512,7 +4506,7 @@
           <a:effectLst/>
           <a:extLst>
             <a:ext uri="{91240B29-F687-4F45-9708-019B960494DF}">
-              <a14:hiddenLine xmlns:a14="http://schemas.microsoft.com/office/drawing/2010/main" xmlns="" w="9525">
+              <a14:hiddenLine xmlns:a14="http://schemas.microsoft.com/office/drawing/2010/main" w="9525">
                 <a:solidFill>
                   <a:srgbClr val="000000"/>
                 </a:solidFill>
@@ -4522,7 +4516,7 @@
               </a14:hiddenLine>
             </a:ext>
             <a:ext uri="{AF507438-7753-43E0-B8FC-AC1667EBCBE1}">
-              <a14:hiddenEffects xmlns:a14="http://schemas.microsoft.com/office/drawing/2010/main" xmlns="">
+              <a14:hiddenEffects xmlns:a14="http://schemas.microsoft.com/office/drawing/2010/main">
                 <a:effectLst>
                   <a:outerShdw dist="35921" dir="2700000" algn="ctr" rotWithShape="0">
                     <a:schemeClr val="bg2"/>
@@ -4680,7 +4674,7 @@
           <a:effectLst/>
           <a:extLst>
             <a:ext uri="{91240B29-F687-4F45-9708-019B960494DF}">
-              <a14:hiddenLine xmlns:a14="http://schemas.microsoft.com/office/drawing/2010/main" xmlns="" w="9525">
+              <a14:hiddenLine xmlns:a14="http://schemas.microsoft.com/office/drawing/2010/main" w="9525">
                 <a:solidFill>
                   <a:srgbClr val="000000"/>
                 </a:solidFill>
@@ -4690,7 +4684,7 @@
               </a14:hiddenLine>
             </a:ext>
             <a:ext uri="{AF507438-7753-43E0-B8FC-AC1667EBCBE1}">
-              <a14:hiddenEffects xmlns:a14="http://schemas.microsoft.com/office/drawing/2010/main" xmlns="">
+              <a14:hiddenEffects xmlns:a14="http://schemas.microsoft.com/office/drawing/2010/main">
                 <a:effectLst>
                   <a:outerShdw dist="35921" dir="2700000" algn="ctr" rotWithShape="0">
                     <a:schemeClr val="bg2"/>
@@ -4769,14 +4763,14 @@
           <a:effectLst/>
           <a:extLst>
             <a:ext uri="{909E8E84-426E-40DD-AFC4-6F175D3DCCD1}">
-              <a14:hiddenFill xmlns:a14="http://schemas.microsoft.com/office/drawing/2010/main" xmlns="">
+              <a14:hiddenFill xmlns:a14="http://schemas.microsoft.com/office/drawing/2010/main">
                 <a:solidFill>
                   <a:schemeClr val="accent1"/>
                 </a:solidFill>
               </a14:hiddenFill>
             </a:ext>
             <a:ext uri="{91240B29-F687-4F45-9708-019B960494DF}">
-              <a14:hiddenLine xmlns:a14="http://schemas.microsoft.com/office/drawing/2010/main" xmlns="" w="9525">
+              <a14:hiddenLine xmlns:a14="http://schemas.microsoft.com/office/drawing/2010/main" w="9525">
                 <a:solidFill>
                   <a:srgbClr val="000000"/>
                 </a:solidFill>
@@ -4786,7 +4780,7 @@
               </a14:hiddenLine>
             </a:ext>
             <a:ext uri="{AF507438-7753-43E0-B8FC-AC1667EBCBE1}">
-              <a14:hiddenEffects xmlns:a14="http://schemas.microsoft.com/office/drawing/2010/main" xmlns="">
+              <a14:hiddenEffects xmlns:a14="http://schemas.microsoft.com/office/drawing/2010/main">
                 <a:effectLst>
                   <a:outerShdw dist="35921" dir="2700000" algn="ctr" rotWithShape="0">
                     <a:schemeClr val="bg2"/>
@@ -4843,14 +4837,14 @@
           <a:effectLst/>
           <a:extLst>
             <a:ext uri="{909E8E84-426E-40DD-AFC4-6F175D3DCCD1}">
-              <a14:hiddenFill xmlns:a14="http://schemas.microsoft.com/office/drawing/2010/main" xmlns="">
+              <a14:hiddenFill xmlns:a14="http://schemas.microsoft.com/office/drawing/2010/main">
                 <a:solidFill>
                   <a:schemeClr val="accent1"/>
                 </a:solidFill>
               </a14:hiddenFill>
             </a:ext>
             <a:ext uri="{91240B29-F687-4F45-9708-019B960494DF}">
-              <a14:hiddenLine xmlns:a14="http://schemas.microsoft.com/office/drawing/2010/main" xmlns="" w="9525">
+              <a14:hiddenLine xmlns:a14="http://schemas.microsoft.com/office/drawing/2010/main" w="9525">
                 <a:solidFill>
                   <a:srgbClr val="000000"/>
                 </a:solidFill>
@@ -4860,7 +4854,7 @@
               </a14:hiddenLine>
             </a:ext>
             <a:ext uri="{AF507438-7753-43E0-B8FC-AC1667EBCBE1}">
-              <a14:hiddenEffects xmlns:a14="http://schemas.microsoft.com/office/drawing/2010/main" xmlns="">
+              <a14:hiddenEffects xmlns:a14="http://schemas.microsoft.com/office/drawing/2010/main">
                 <a:effectLst>
                   <a:outerShdw dist="35921" dir="2700000" algn="ctr" rotWithShape="0">
                     <a:schemeClr val="bg2"/>
@@ -4980,7 +4974,7 @@
           <a:effectLst/>
           <a:extLst>
             <a:ext uri="{91240B29-F687-4F45-9708-019B960494DF}">
-              <a14:hiddenLine xmlns:a14="http://schemas.microsoft.com/office/drawing/2010/main" xmlns="" w="9525">
+              <a14:hiddenLine xmlns:a14="http://schemas.microsoft.com/office/drawing/2010/main" w="9525">
                 <a:solidFill>
                   <a:srgbClr val="000000"/>
                 </a:solidFill>
@@ -4990,7 +4984,7 @@
               </a14:hiddenLine>
             </a:ext>
             <a:ext uri="{AF507438-7753-43E0-B8FC-AC1667EBCBE1}">
-              <a14:hiddenEffects xmlns:a14="http://schemas.microsoft.com/office/drawing/2010/main" xmlns="">
+              <a14:hiddenEffects xmlns:a14="http://schemas.microsoft.com/office/drawing/2010/main">
                 <a:effectLst>
                   <a:outerShdw dist="35921" dir="2700000" algn="ctr" rotWithShape="0">
                     <a:schemeClr val="bg2"/>
@@ -5033,14 +5027,14 @@
           <a:effectLst/>
           <a:extLst>
             <a:ext uri="{909E8E84-426E-40DD-AFC4-6F175D3DCCD1}">
-              <a14:hiddenFill xmlns:a14="http://schemas.microsoft.com/office/drawing/2010/main" xmlns="">
+              <a14:hiddenFill xmlns:a14="http://schemas.microsoft.com/office/drawing/2010/main">
                 <a:solidFill>
                   <a:schemeClr val="accent1"/>
                 </a:solidFill>
               </a14:hiddenFill>
             </a:ext>
             <a:ext uri="{91240B29-F687-4F45-9708-019B960494DF}">
-              <a14:hiddenLine xmlns:a14="http://schemas.microsoft.com/office/drawing/2010/main" xmlns="" w="9525">
+              <a14:hiddenLine xmlns:a14="http://schemas.microsoft.com/office/drawing/2010/main" w="9525">
                 <a:solidFill>
                   <a:srgbClr val="000000"/>
                 </a:solidFill>
@@ -5050,7 +5044,7 @@
               </a14:hiddenLine>
             </a:ext>
             <a:ext uri="{AF507438-7753-43E0-B8FC-AC1667EBCBE1}">
-              <a14:hiddenEffects xmlns:a14="http://schemas.microsoft.com/office/drawing/2010/main" xmlns="">
+              <a14:hiddenEffects xmlns:a14="http://schemas.microsoft.com/office/drawing/2010/main">
                 <a:effectLst>
                   <a:outerShdw dist="35921" dir="2700000" algn="ctr" rotWithShape="0">
                     <a:schemeClr val="bg2"/>
@@ -5099,14 +5093,14 @@
           <a:effectLst/>
           <a:extLst>
             <a:ext uri="{909E8E84-426E-40DD-AFC4-6F175D3DCCD1}">
-              <a14:hiddenFill xmlns:a14="http://schemas.microsoft.com/office/drawing/2010/main" xmlns="">
+              <a14:hiddenFill xmlns:a14="http://schemas.microsoft.com/office/drawing/2010/main">
                 <a:solidFill>
                   <a:schemeClr val="accent1"/>
                 </a:solidFill>
               </a14:hiddenFill>
             </a:ext>
             <a:ext uri="{91240B29-F687-4F45-9708-019B960494DF}">
-              <a14:hiddenLine xmlns:a14="http://schemas.microsoft.com/office/drawing/2010/main" xmlns="" w="9525">
+              <a14:hiddenLine xmlns:a14="http://schemas.microsoft.com/office/drawing/2010/main" w="9525">
                 <a:solidFill>
                   <a:srgbClr val="000000"/>
                 </a:solidFill>
@@ -5116,7 +5110,7 @@
               </a14:hiddenLine>
             </a:ext>
             <a:ext uri="{AF507438-7753-43E0-B8FC-AC1667EBCBE1}">
-              <a14:hiddenEffects xmlns:a14="http://schemas.microsoft.com/office/drawing/2010/main" xmlns="">
+              <a14:hiddenEffects xmlns:a14="http://schemas.microsoft.com/office/drawing/2010/main">
                 <a:effectLst>
                   <a:outerShdw dist="35921" dir="2700000" algn="ctr" rotWithShape="0">
                     <a:schemeClr val="bg2"/>
@@ -5725,14 +5719,14 @@
           <a:effectLst/>
           <a:extLst>
             <a:ext uri="{909E8E84-426E-40DD-AFC4-6F175D3DCCD1}">
-              <a14:hiddenFill xmlns:a14="http://schemas.microsoft.com/office/drawing/2010/main" xmlns="">
+              <a14:hiddenFill xmlns:a14="http://schemas.microsoft.com/office/drawing/2010/main">
                 <a:solidFill>
                   <a:schemeClr val="accent1"/>
                 </a:solidFill>
               </a14:hiddenFill>
             </a:ext>
             <a:ext uri="{91240B29-F687-4F45-9708-019B960494DF}">
-              <a14:hiddenLine xmlns:a14="http://schemas.microsoft.com/office/drawing/2010/main" xmlns="" w="9525">
+              <a14:hiddenLine xmlns:a14="http://schemas.microsoft.com/office/drawing/2010/main" w="9525">
                 <a:solidFill>
                   <a:srgbClr val="000000"/>
                 </a:solidFill>
@@ -5742,7 +5736,7 @@
               </a14:hiddenLine>
             </a:ext>
             <a:ext uri="{AF507438-7753-43E0-B8FC-AC1667EBCBE1}">
-              <a14:hiddenEffects xmlns:a14="http://schemas.microsoft.com/office/drawing/2010/main" xmlns="">
+              <a14:hiddenEffects xmlns:a14="http://schemas.microsoft.com/office/drawing/2010/main">
                 <a:effectLst>
                   <a:outerShdw dist="35921" dir="2700000" algn="ctr" rotWithShape="0">
                     <a:schemeClr val="bg2"/>
@@ -5965,14 +5959,14 @@
           <a:effectLst/>
           <a:extLst>
             <a:ext uri="{909E8E84-426E-40DD-AFC4-6F175D3DCCD1}">
-              <a14:hiddenFill xmlns:a14="http://schemas.microsoft.com/office/drawing/2010/main" xmlns="">
+              <a14:hiddenFill xmlns:a14="http://schemas.microsoft.com/office/drawing/2010/main">
                 <a:solidFill>
                   <a:schemeClr val="accent1"/>
                 </a:solidFill>
               </a14:hiddenFill>
             </a:ext>
             <a:ext uri="{91240B29-F687-4F45-9708-019B960494DF}">
-              <a14:hiddenLine xmlns:a14="http://schemas.microsoft.com/office/drawing/2010/main" xmlns="" w="9525">
+              <a14:hiddenLine xmlns:a14="http://schemas.microsoft.com/office/drawing/2010/main" w="9525">
                 <a:solidFill>
                   <a:srgbClr val="000000"/>
                 </a:solidFill>
@@ -5982,7 +5976,7 @@
               </a14:hiddenLine>
             </a:ext>
             <a:ext uri="{AF507438-7753-43E0-B8FC-AC1667EBCBE1}">
-              <a14:hiddenEffects xmlns:a14="http://schemas.microsoft.com/office/drawing/2010/main" xmlns="">
+              <a14:hiddenEffects xmlns:a14="http://schemas.microsoft.com/office/drawing/2010/main">
                 <a:effectLst>
                   <a:outerShdw dist="35921" dir="2700000" algn="ctr" rotWithShape="0">
                     <a:schemeClr val="bg2"/>
@@ -6152,16 +6146,13 @@
               <a:buFont typeface="Arial" pitchFamily="34" charset="0"/>
               <a:buNone/>
             </a:pPr>
-            <a:r>
-              <a:rPr lang="zh-CN" altLang="en-US" sz="3600" b="1" dirty="0">
-                <a:solidFill>
-                  <a:srgbClr val="0000FF"/>
-                </a:solidFill>
-                <a:latin typeface="Tahoma" pitchFamily="34" charset="0"/>
-                <a:ea typeface="隶书" pitchFamily="49" charset="-122"/>
-              </a:rPr>
-              <a:t>任课教师：刘超慧</a:t>
-            </a:r>
+            <a:endParaRPr lang="zh-CN" altLang="en-US" sz="3600" b="1" dirty="0">
+              <a:solidFill>
+                <a:srgbClr val="0000FF"/>
+              </a:solidFill>
+              <a:latin typeface="Tahoma" pitchFamily="34" charset="0"/>
+              <a:ea typeface="隶书" pitchFamily="49" charset="-122"/>
+            </a:endParaRPr>
           </a:p>
         </p:txBody>
       </p:sp>
@@ -6188,14 +6179,14 @@
           <a:effectLst/>
           <a:extLst>
             <a:ext uri="{909E8E84-426E-40DD-AFC4-6F175D3DCCD1}">
-              <a14:hiddenFill xmlns:a14="http://schemas.microsoft.com/office/drawing/2010/main" xmlns="">
+              <a14:hiddenFill xmlns:a14="http://schemas.microsoft.com/office/drawing/2010/main">
                 <a:solidFill>
                   <a:schemeClr val="accent1"/>
                 </a:solidFill>
               </a14:hiddenFill>
             </a:ext>
             <a:ext uri="{91240B29-F687-4F45-9708-019B960494DF}">
-              <a14:hiddenLine xmlns:a14="http://schemas.microsoft.com/office/drawing/2010/main" xmlns="" w="9525">
+              <a14:hiddenLine xmlns:a14="http://schemas.microsoft.com/office/drawing/2010/main" w="9525">
                 <a:solidFill>
                   <a:srgbClr val="000000"/>
                 </a:solidFill>
@@ -6205,7 +6196,7 @@
               </a14:hiddenLine>
             </a:ext>
             <a:ext uri="{AF507438-7753-43E0-B8FC-AC1667EBCBE1}">
-              <a14:hiddenEffects xmlns:a14="http://schemas.microsoft.com/office/drawing/2010/main" xmlns="">
+              <a14:hiddenEffects xmlns:a14="http://schemas.microsoft.com/office/drawing/2010/main">
                 <a:effectLst>
                   <a:outerShdw dist="35921" dir="2700000" algn="ctr" rotWithShape="0">
                     <a:schemeClr val="bg2"/>
@@ -6388,15 +6379,22 @@
               <a:t>E-mail: </a:t>
             </a:r>
             <a:r>
-              <a:rPr lang="en-US" altLang="zh-CN" sz="2000" b="1" dirty="0">
+              <a:rPr lang="en-US" altLang="zh-CN" sz="2000" b="1" dirty="0" smtClean="0">
                 <a:solidFill>
                   <a:srgbClr val="0000FF"/>
                 </a:solidFill>
                 <a:latin typeface="Arial" pitchFamily="34" charset="0"/>
                 <a:ea typeface="宋体" pitchFamily="2" charset="-122"/>
               </a:rPr>
-              <a:t>70552047@qq.com</a:t>
-            </a:r>
+              <a:t>279096672@qq.com</a:t>
+            </a:r>
+            <a:endParaRPr lang="en-US" altLang="zh-CN" sz="2000" b="1" dirty="0">
+              <a:solidFill>
+                <a:srgbClr val="0000FF"/>
+              </a:solidFill>
+              <a:latin typeface="Arial" pitchFamily="34" charset="0"/>
+              <a:ea typeface="宋体" pitchFamily="2" charset="-122"/>
+            </a:endParaRPr>
           </a:p>
           <a:p>
             <a:pPr eaLnBrk="1" hangingPunct="1">
@@ -6418,7 +6416,7 @@
               <a:t>Tel</a:t>
             </a:r>
             <a:r>
-              <a:rPr lang="zh-CN" altLang="en-US" sz="2000" b="1" dirty="0">
+              <a:rPr lang="zh-CN" altLang="en-US" sz="2000" b="1" dirty="0" smtClean="0">
                 <a:solidFill>
                   <a:srgbClr val="0000FF"/>
                 </a:solidFill>
@@ -6428,14 +6426,14 @@
               <a:t>：</a:t>
             </a:r>
             <a:r>
-              <a:rPr lang="en-US" altLang="zh-CN" sz="2000" b="1" dirty="0">
+              <a:rPr lang="en-US" altLang="zh-CN" sz="2000" b="1" dirty="0" smtClean="0">
                 <a:solidFill>
                   <a:srgbClr val="0000FF"/>
                 </a:solidFill>
                 <a:latin typeface="Arial" pitchFamily="34" charset="0"/>
                 <a:ea typeface="宋体" pitchFamily="2" charset="-122"/>
               </a:rPr>
-              <a:t>15036131358</a:t>
+              <a:t>13673990235</a:t>
             </a:r>
             <a:endParaRPr lang="en-US" altLang="zh-CN" sz="2000" b="1" dirty="0">
               <a:solidFill>
@@ -6459,7 +6457,7 @@
           <a:blip r:embed="rId2">
             <a:extLst>
               <a:ext uri="{28A0092B-C50C-407E-A947-70E740481C1C}">
-                <a14:useLocalDpi xmlns:a14="http://schemas.microsoft.com/office/drawing/2010/main" xmlns="" val="0"/>
+                <a14:useLocalDpi xmlns:a14="http://schemas.microsoft.com/office/drawing/2010/main" val="0"/>
               </a:ext>
             </a:extLst>
           </a:blip>
@@ -6482,14 +6480,14 @@
           </a:ln>
           <a:extLst>
             <a:ext uri="{909E8E84-426E-40DD-AFC4-6F175D3DCCD1}">
-              <a14:hiddenFill xmlns:a14="http://schemas.microsoft.com/office/drawing/2010/main" xmlns="">
+              <a14:hiddenFill xmlns:a14="http://schemas.microsoft.com/office/drawing/2010/main">
                 <a:solidFill>
                   <a:srgbClr val="FFFFFF"/>
                 </a:solidFill>
               </a14:hiddenFill>
             </a:ext>
             <a:ext uri="{91240B29-F687-4F45-9708-019B960494DF}">
-              <a14:hiddenLine xmlns:a14="http://schemas.microsoft.com/office/drawing/2010/main" xmlns="" w="9525">
+              <a14:hiddenLine xmlns:a14="http://schemas.microsoft.com/office/drawing/2010/main" w="9525">
                 <a:solidFill>
                   <a:srgbClr val="000000"/>
                 </a:solidFill>
@@ -6588,81 +6586,6 @@
             </a:r>
             <a:endParaRPr lang="en-US" altLang="zh-CN" dirty="0" smtClean="0"/>
           </a:p>
-          <a:p>
-            <a:pPr lvl="2">
-              <a:lnSpc>
-                <a:spcPct val="220000"/>
-              </a:lnSpc>
-              <a:buFont typeface="Arial" pitchFamily="34" charset="0"/>
-              <a:buChar char="•"/>
-            </a:pPr>
-            <a:r>
-              <a:rPr lang="zh-CN" altLang="en-US" dirty="0" smtClean="0"/>
-              <a:t>基本方法：                  ；</a:t>
-            </a:r>
-            <a:endParaRPr lang="en-US" altLang="zh-CN" dirty="0" smtClean="0"/>
-          </a:p>
-          <a:p>
-            <a:pPr lvl="2">
-              <a:lnSpc>
-                <a:spcPct val="220000"/>
-              </a:lnSpc>
-              <a:buFont typeface="Arial" pitchFamily="34" charset="0"/>
-              <a:buChar char="•"/>
-            </a:pPr>
-            <a:r>
-              <a:rPr lang="zh-CN" altLang="en-US" dirty="0" smtClean="0"/>
-              <a:t>快速方法：                   ；</a:t>
-            </a:r>
-            <a:endParaRPr lang="en-US" altLang="zh-CN" dirty="0" smtClean="0"/>
-          </a:p>
-          <a:p>
-            <a:pPr lvl="2">
-              <a:lnSpc>
-                <a:spcPct val="220000"/>
-              </a:lnSpc>
-              <a:buNone/>
-            </a:pPr>
-            <a:r>
-              <a:rPr lang="zh-CN" altLang="en-US" dirty="0" smtClean="0">
-                <a:solidFill>
-                  <a:srgbClr val="FF0000"/>
-                </a:solidFill>
-              </a:rPr>
-              <a:t>例：计算   。</a:t>
-            </a:r>
-            <a:endParaRPr lang="en-US" altLang="zh-CN" dirty="0" smtClean="0">
-              <a:solidFill>
-                <a:srgbClr val="FF0000"/>
-              </a:solidFill>
-            </a:endParaRPr>
-          </a:p>
-          <a:p>
-            <a:pPr lvl="2">
-              <a:lnSpc>
-                <a:spcPct val="150000"/>
-              </a:lnSpc>
-              <a:buNone/>
-            </a:pPr>
-            <a:r>
-              <a:rPr lang="en-US" altLang="zh-CN" dirty="0" smtClean="0">
-                <a:solidFill>
-                  <a:srgbClr val="FF0000"/>
-                </a:solidFill>
-              </a:rPr>
-              <a:t>    </a:t>
-            </a:r>
-          </a:p>
-          <a:p>
-            <a:pPr>
-              <a:buNone/>
-            </a:pPr>
-            <a:r>
-              <a:rPr lang="zh-CN" altLang="en-US" sz="2400" dirty="0" smtClean="0"/>
-              <a:t>  </a:t>
-            </a:r>
-            <a:endParaRPr lang="zh-CN" altLang="en-US" sz="2200" dirty="0" smtClean="0"/>
-          </a:p>
         </p:txBody>
       </p:sp>
       <p:sp>
@@ -6755,92 +6678,126 @@
         </p:xfrm>
         <a:graphic>
           <a:graphicData uri="http://schemas.openxmlformats.org/presentationml/2006/ole">
-            <p:oleObj spid="_x0000_s44034" name="Equation" r:id="rId3" imgW="164880" imgH="203040" progId="Equation.DSMT4">
-              <p:embed/>
-            </p:oleObj>
+            <mc:AlternateContent xmlns:mc="http://schemas.openxmlformats.org/markup-compatibility/2006">
+              <mc:Choice xmlns:v="urn:schemas-microsoft-com:vml" Requires="v">
+                <p:oleObj spid="_x0000_s44056" name="Equation" r:id="rId3" imgW="164880" imgH="203040" progId="Equation.DSMT4">
+                  <p:embed/>
+                </p:oleObj>
+              </mc:Choice>
+              <mc:Fallback>
+                <p:oleObj name="Equation" r:id="rId3" imgW="164880" imgH="203040" progId="Equation.DSMT4">
+                  <p:embed/>
+                  <p:pic>
+                    <p:nvPicPr>
+                      <p:cNvPr id="0" name="Object 6"/>
+                      <p:cNvPicPr>
+                        <a:picLocks noChangeAspect="1" noChangeArrowheads="1"/>
+                      </p:cNvPicPr>
+                      <p:nvPr/>
+                    </p:nvPicPr>
+                    <p:blipFill>
+                      <a:blip r:embed="rId4">
+                        <a:extLst>
+                          <a:ext uri="{28A0092B-C50C-407E-A947-70E740481C1C}">
+                            <a14:useLocalDpi xmlns:a14="http://schemas.microsoft.com/office/drawing/2010/main" val="0"/>
+                          </a:ext>
+                        </a:extLst>
+                      </a:blip>
+                      <a:srcRect/>
+                      <a:stretch>
+                        <a:fillRect/>
+                      </a:stretch>
+                    </p:blipFill>
+                    <p:spPr bwMode="auto">
+                      <a:xfrm>
+                        <a:off x="2714612" y="1266813"/>
+                        <a:ext cx="444500" cy="519113"/>
+                      </a:xfrm>
+                      <a:prstGeom prst="rect">
+                        <a:avLst/>
+                      </a:prstGeom>
+                      <a:noFill/>
+                      <a:extLst>
+                        <a:ext uri="{909E8E84-426E-40DD-AFC4-6F175D3DCCD1}">
+                          <a14:hiddenFill xmlns:a14="http://schemas.microsoft.com/office/drawing/2010/main">
+                            <a:solidFill>
+                              <a:srgbClr val="FFFFFF"/>
+                            </a:solidFill>
+                          </a14:hiddenFill>
+                        </a:ext>
+                      </a:extLst>
+                    </p:spPr>
+                  </p:pic>
+                </p:oleObj>
+              </mc:Fallback>
+            </mc:AlternateContent>
           </a:graphicData>
         </a:graphic>
       </p:graphicFrame>
-      <p:graphicFrame>
-        <p:nvGraphicFramePr>
-          <p:cNvPr id="22543" name="Object 6"/>
-          <p:cNvGraphicFramePr>
-            <a:graphicFrameLocks noChangeAspect="1"/>
-          </p:cNvGraphicFramePr>
+      <p:pic>
+        <p:nvPicPr>
+          <p:cNvPr id="11" name="Picture 2" descr="http://img.blog.csdn.net/20151206100428551?watermark/2/text/aHR0cDovL2Jsb2cuY3Nkbi5uZXQv/font/5a6L5L2T/fontsize/400/fill/I0JBQkFCMA==/dissolve/70/gravity/Center"/>
+          <p:cNvPicPr>
+            <a:picLocks noChangeAspect="1" noChangeArrowheads="1"/>
+          </p:cNvPicPr>
           <p:nvPr/>
-        </p:nvGraphicFramePr>
-        <p:xfrm>
-          <a:off x="3143241" y="2170476"/>
-          <a:ext cx="2714644" cy="901334"/>
-        </p:xfrm>
-        <a:graphic>
-          <a:graphicData uri="http://schemas.openxmlformats.org/presentationml/2006/ole">
-            <p:oleObj spid="_x0000_s44035" name="Equation" r:id="rId4" imgW="1054080" imgH="368280" progId="Equation.DSMT4">
-              <p:embed/>
-            </p:oleObj>
-          </a:graphicData>
-        </a:graphic>
-      </p:graphicFrame>
-      <p:graphicFrame>
-        <p:nvGraphicFramePr>
-          <p:cNvPr id="22544" name="Object 16"/>
-          <p:cNvGraphicFramePr>
-            <a:graphicFrameLocks noChangeAspect="1"/>
-          </p:cNvGraphicFramePr>
-          <p:nvPr/>
-        </p:nvGraphicFramePr>
-        <p:xfrm>
-          <a:off x="3063885" y="2919414"/>
-          <a:ext cx="3008313" cy="652462"/>
-        </p:xfrm>
-        <a:graphic>
-          <a:graphicData uri="http://schemas.openxmlformats.org/presentationml/2006/ole">
-            <p:oleObj spid="_x0000_s44036" name="Equation" r:id="rId5" imgW="1168200" imgH="266400" progId="Equation.DSMT4">
-              <p:embed/>
-            </p:oleObj>
-          </a:graphicData>
-        </a:graphic>
-      </p:graphicFrame>
-      <p:graphicFrame>
-        <p:nvGraphicFramePr>
-          <p:cNvPr id="44038" name="Object 16"/>
-          <p:cNvGraphicFramePr>
-            <a:graphicFrameLocks noChangeAspect="1"/>
-          </p:cNvGraphicFramePr>
-          <p:nvPr/>
-        </p:nvGraphicFramePr>
-        <p:xfrm>
-          <a:off x="2643175" y="3954826"/>
-          <a:ext cx="500065" cy="474305"/>
-        </p:xfrm>
-        <a:graphic>
-          <a:graphicData uri="http://schemas.openxmlformats.org/presentationml/2006/ole">
-            <p:oleObj spid="_x0000_s44038" name="Equation" r:id="rId6" imgW="203040" imgH="203040" progId="Equation.DSMT4">
-              <p:embed/>
-            </p:oleObj>
-          </a:graphicData>
-        </a:graphic>
-      </p:graphicFrame>
-      <p:graphicFrame>
-        <p:nvGraphicFramePr>
-          <p:cNvPr id="44040" name="Object 16"/>
-          <p:cNvGraphicFramePr>
-            <a:graphicFrameLocks noChangeAspect="1"/>
-          </p:cNvGraphicFramePr>
-          <p:nvPr/>
-        </p:nvGraphicFramePr>
-        <p:xfrm>
-          <a:off x="2071670" y="4473575"/>
-          <a:ext cx="3994150" cy="558800"/>
-        </p:xfrm>
-        <a:graphic>
-          <a:graphicData uri="http://schemas.openxmlformats.org/presentationml/2006/ole">
-            <p:oleObj spid="_x0000_s44040" name="Equation" r:id="rId7" imgW="1549080" imgH="228600" progId="Equation.DSMT4">
-              <p:embed/>
-            </p:oleObj>
-          </a:graphicData>
-        </a:graphic>
-      </p:graphicFrame>
+        </p:nvPicPr>
+        <p:blipFill>
+          <a:blip r:embed="rId5">
+            <a:extLst>
+              <a:ext uri="{28A0092B-C50C-407E-A947-70E740481C1C}">
+                <a14:useLocalDpi xmlns:a14="http://schemas.microsoft.com/office/drawing/2010/main" val="0"/>
+              </a:ext>
+            </a:extLst>
+          </a:blip>
+          <a:srcRect/>
+          <a:stretch>
+            <a:fillRect/>
+          </a:stretch>
+        </p:blipFill>
+        <p:spPr bwMode="auto">
+          <a:xfrm>
+            <a:off x="1403648" y="1844824"/>
+            <a:ext cx="6624736" cy="4479776"/>
+          </a:xfrm>
+          <a:prstGeom prst="rect">
+            <a:avLst/>
+          </a:prstGeom>
+          <a:noFill/>
+          <a:ln>
+            <a:noFill/>
+          </a:ln>
+          <a:effectLst/>
+          <a:extLst>
+            <a:ext uri="{909E8E84-426E-40DD-AFC4-6F175D3DCCD1}">
+              <a14:hiddenFill xmlns:a14="http://schemas.microsoft.com/office/drawing/2010/main">
+                <a:solidFill>
+                  <a:srgbClr val="FFFFFF"/>
+                </a:solidFill>
+              </a14:hiddenFill>
+            </a:ext>
+            <a:ext uri="{91240B29-F687-4F45-9708-019B960494DF}">
+              <a14:hiddenLine xmlns:a14="http://schemas.microsoft.com/office/drawing/2010/main" w="9525">
+                <a:solidFill>
+                  <a:srgbClr val="000000"/>
+                </a:solidFill>
+                <a:miter lim="800000"/>
+                <a:headEnd/>
+                <a:tailEnd/>
+              </a14:hiddenLine>
+            </a:ext>
+            <a:ext uri="{AF507438-7753-43E0-B8FC-AC1667EBCBE1}">
+              <a14:hiddenEffects xmlns:a14="http://schemas.microsoft.com/office/drawing/2010/main">
+                <a:effectLst>
+                  <a:outerShdw dist="35921" dir="2700000" algn="ctr" rotWithShape="0">
+                    <a:schemeClr val="bg2"/>
+                  </a:outerShdw>
+                </a:effectLst>
+              </a14:hiddenEffects>
+            </a:ext>
+          </a:extLst>
+        </p:spPr>
+      </p:pic>
     </p:spTree>
   </p:cSld>
   <p:clrMapOvr>
@@ -7207,9 +7164,59 @@
         </p:xfrm>
         <a:graphic>
           <a:graphicData uri="http://schemas.openxmlformats.org/presentationml/2006/ole">
-            <p:oleObj spid="_x0000_s45062" name="Equation" r:id="rId3" imgW="672840" imgH="203040" progId="Equation.DSMT4">
-              <p:embed/>
-            </p:oleObj>
+            <mc:AlternateContent xmlns:mc="http://schemas.openxmlformats.org/markup-compatibility/2006">
+              <mc:Choice xmlns:v="urn:schemas-microsoft-com:vml" Requires="v">
+                <p:oleObj spid="_x0000_s45078" name="Equation" r:id="rId3" imgW="672840" imgH="203040" progId="Equation.DSMT4">
+                  <p:embed/>
+                </p:oleObj>
+              </mc:Choice>
+              <mc:Fallback>
+                <p:oleObj name="Equation" r:id="rId3" imgW="672840" imgH="203040" progId="Equation.DSMT4">
+                  <p:embed/>
+                  <p:pic>
+                    <p:nvPicPr>
+                      <p:cNvPr id="0" name="Object 16"/>
+                      <p:cNvPicPr>
+                        <a:picLocks noChangeAspect="1" noChangeArrowheads="1"/>
+                      </p:cNvPicPr>
+                      <p:nvPr/>
+                    </p:nvPicPr>
+                    <p:blipFill>
+                      <a:blip r:embed="rId4">
+                        <a:extLst>
+                          <a:ext uri="{28A0092B-C50C-407E-A947-70E740481C1C}">
+                            <a14:useLocalDpi xmlns:a14="http://schemas.microsoft.com/office/drawing/2010/main" val="0"/>
+                          </a:ext>
+                        </a:extLst>
+                      </a:blip>
+                      <a:srcRect/>
+                      <a:stretch>
+                        <a:fillRect/>
+                      </a:stretch>
+                    </p:blipFill>
+                    <p:spPr bwMode="auto">
+                      <a:xfrm>
+                        <a:off x="3786182" y="2669546"/>
+                        <a:ext cx="1643074" cy="470523"/>
+                      </a:xfrm>
+                      <a:prstGeom prst="rect">
+                        <a:avLst/>
+                      </a:prstGeom>
+                      <a:noFill/>
+                      <a:extLst>
+                        <a:ext uri="{909E8E84-426E-40DD-AFC4-6F175D3DCCD1}">
+                          <a14:hiddenFill xmlns:a14="http://schemas.microsoft.com/office/drawing/2010/main">
+                            <a:solidFill>
+                              <a:srgbClr val="FFFFFF"/>
+                            </a:solidFill>
+                          </a14:hiddenFill>
+                        </a:ext>
+                      </a:extLst>
+                    </p:spPr>
+                  </p:pic>
+                </p:oleObj>
+              </mc:Fallback>
+            </mc:AlternateContent>
           </a:graphicData>
         </a:graphic>
       </p:graphicFrame>
@@ -7227,9 +7234,59 @@
         </p:xfrm>
         <a:graphic>
           <a:graphicData uri="http://schemas.openxmlformats.org/presentationml/2006/ole">
-            <p:oleObj spid="_x0000_s45063" name="Equation" r:id="rId4" imgW="126720" imgH="139680" progId="Equation.DSMT4">
-              <p:embed/>
-            </p:oleObj>
+            <mc:AlternateContent xmlns:mc="http://schemas.openxmlformats.org/markup-compatibility/2006">
+              <mc:Choice xmlns:v="urn:schemas-microsoft-com:vml" Requires="v">
+                <p:oleObj spid="_x0000_s45079" name="Equation" r:id="rId5" imgW="126720" imgH="139680" progId="Equation.DSMT4">
+                  <p:embed/>
+                </p:oleObj>
+              </mc:Choice>
+              <mc:Fallback>
+                <p:oleObj name="Equation" r:id="rId5" imgW="126720" imgH="139680" progId="Equation.DSMT4">
+                  <p:embed/>
+                  <p:pic>
+                    <p:nvPicPr>
+                      <p:cNvPr id="0" name="Picture 7"/>
+                      <p:cNvPicPr>
+                        <a:picLocks noChangeAspect="1" noChangeArrowheads="1"/>
+                      </p:cNvPicPr>
+                      <p:nvPr/>
+                    </p:nvPicPr>
+                    <p:blipFill>
+                      <a:blip r:embed="rId6">
+                        <a:extLst>
+                          <a:ext uri="{28A0092B-C50C-407E-A947-70E740481C1C}">
+                            <a14:useLocalDpi xmlns:a14="http://schemas.microsoft.com/office/drawing/2010/main" val="0"/>
+                          </a:ext>
+                        </a:extLst>
+                      </a:blip>
+                      <a:srcRect/>
+                      <a:stretch>
+                        <a:fillRect/>
+                      </a:stretch>
+                    </p:blipFill>
+                    <p:spPr bwMode="auto">
+                      <a:xfrm>
+                        <a:off x="4762504" y="5821381"/>
+                        <a:ext cx="309562" cy="322263"/>
+                      </a:xfrm>
+                      <a:prstGeom prst="rect">
+                        <a:avLst/>
+                      </a:prstGeom>
+                      <a:noFill/>
+                      <a:extLst>
+                        <a:ext uri="{909E8E84-426E-40DD-AFC4-6F175D3DCCD1}">
+                          <a14:hiddenFill xmlns:a14="http://schemas.microsoft.com/office/drawing/2010/main">
+                            <a:solidFill>
+                              <a:srgbClr val="FFFFFF"/>
+                            </a:solidFill>
+                          </a14:hiddenFill>
+                        </a:ext>
+                      </a:extLst>
+                    </p:spPr>
+                  </p:pic>
+                </p:oleObj>
+              </mc:Fallback>
+            </mc:AlternateContent>
           </a:graphicData>
         </a:graphic>
       </p:graphicFrame>
@@ -7301,8 +7358,8 @@
         </p:nvSpPr>
         <p:spPr>
           <a:xfrm>
-            <a:off x="457200" y="1076325"/>
-            <a:ext cx="8329642" cy="5248275"/>
+            <a:off x="357158" y="1076325"/>
+            <a:ext cx="8786842" cy="5248275"/>
           </a:xfrm>
         </p:spPr>
         <p:txBody>
@@ -7315,50 +7372,22 @@
               </a:lnSpc>
             </a:pPr>
             <a:r>
-              <a:rPr lang="zh-CN" altLang="en-US" dirty="0" smtClean="0"/>
-              <a:t>例：给定</a:t>
-            </a:r>
-            <a:r>
-              <a:rPr lang="en-US" dirty="0" smtClean="0"/>
-              <a:t>(</a:t>
-            </a:r>
-            <a:r>
-              <a:rPr lang="zh-CN" altLang="en-US" dirty="0" smtClean="0"/>
-              <a:t>正</a:t>
-            </a:r>
-            <a:r>
-              <a:rPr lang="en-US" dirty="0" smtClean="0"/>
-              <a:t>)</a:t>
-            </a:r>
-            <a:r>
-              <a:rPr lang="zh-CN" altLang="en-US" dirty="0" smtClean="0"/>
-              <a:t>整数</a:t>
-            </a:r>
-            <a:r>
-              <a:rPr lang="en-US" dirty="0" smtClean="0"/>
-              <a:t>  </a:t>
-            </a:r>
-            <a:r>
-              <a:rPr lang="zh-CN" altLang="en-US" dirty="0" smtClean="0"/>
-              <a:t>、</a:t>
-            </a:r>
-            <a:r>
-              <a:rPr lang="en-US" altLang="zh-CN" dirty="0" smtClean="0"/>
-              <a:t> </a:t>
-            </a:r>
-            <a:r>
-              <a:rPr lang="zh-CN" altLang="en-US" dirty="0" smtClean="0"/>
-              <a:t>、</a:t>
-            </a:r>
-            <a:r>
-              <a:rPr lang="en-US" altLang="zh-CN" dirty="0" smtClean="0"/>
-              <a:t> </a:t>
-            </a:r>
-            <a:r>
-              <a:rPr lang="zh-CN" altLang="en-US" dirty="0" smtClean="0"/>
-              <a:t>，求二元一次方程           有多少组不同的正整数解。</a:t>
-            </a:r>
-            <a:endParaRPr lang="en-US" altLang="zh-CN" dirty="0" smtClean="0"/>
+              <a:rPr lang="zh-CN" altLang="en-US" sz="2400" dirty="0" smtClean="0"/>
+              <a:t>例：利用素数筛法求正整数集合               中的素数。</a:t>
+            </a:r>
+            <a:endParaRPr lang="en-US" altLang="zh-CN" sz="2400" dirty="0" smtClean="0"/>
+          </a:p>
+          <a:p>
+            <a:pPr marL="180000" algn="just">
+              <a:lnSpc>
+                <a:spcPts val="3400"/>
+              </a:lnSpc>
+              <a:buNone/>
+            </a:pPr>
+            <a:r>
+              <a:rPr lang="zh-CN" altLang="en-US" sz="2400" dirty="0" smtClean="0"/>
+              <a:t>  相关算法：</a:t>
+            </a:r>
           </a:p>
           <a:p>
             <a:pPr marL="180000">
@@ -7367,6 +7396,15 @@
               </a:lnSpc>
               <a:buNone/>
             </a:pPr>
+            <a:endParaRPr lang="en-US" altLang="zh-CN" sz="2400" dirty="0" smtClean="0"/>
+          </a:p>
+          <a:p>
+            <a:pPr marL="180000">
+              <a:lnSpc>
+                <a:spcPct val="150000"/>
+              </a:lnSpc>
+              <a:buNone/>
+            </a:pPr>
             <a:r>
               <a:rPr lang="en-US" sz="2400" dirty="0" smtClean="0">
                 <a:solidFill>
@@ -7374,14 +7412,6 @@
                 </a:solidFill>
               </a:rPr>
               <a:t>  </a:t>
-            </a:r>
-            <a:r>
-              <a:rPr lang="en-US" sz="2400" u="sng" dirty="0" smtClean="0">
-                <a:solidFill>
-                  <a:srgbClr val="0000FF"/>
-                </a:solidFill>
-              </a:rPr>
-              <a:t>http://acm.hdu.edu.cn/showproblem.php?pid=4993</a:t>
             </a:r>
             <a:endParaRPr lang="en-US" altLang="zh-CN" sz="2400" dirty="0" smtClean="0">
               <a:solidFill>
@@ -7479,2779 +7509,6 @@
       </p:sp>
       <p:graphicFrame>
         <p:nvGraphicFramePr>
-          <p:cNvPr id="44040" name="Object 16"/>
-          <p:cNvGraphicFramePr>
-            <a:graphicFrameLocks noChangeAspect="1"/>
-          </p:cNvGraphicFramePr>
-          <p:nvPr/>
-        </p:nvGraphicFramePr>
-        <p:xfrm>
-          <a:off x="4214810" y="1357298"/>
-          <a:ext cx="409717" cy="428628"/>
-        </p:xfrm>
-        <a:graphic>
-          <a:graphicData uri="http://schemas.openxmlformats.org/presentationml/2006/ole">
-            <p:oleObj spid="_x0000_s47106" name="Equation" r:id="rId3" imgW="126720" imgH="139680" progId="Equation.DSMT4">
-              <p:embed/>
-            </p:oleObj>
-          </a:graphicData>
-        </a:graphic>
-      </p:graphicFrame>
-      <p:graphicFrame>
-        <p:nvGraphicFramePr>
-          <p:cNvPr id="46084" name="Object 16"/>
-          <p:cNvGraphicFramePr>
-            <a:graphicFrameLocks noChangeAspect="1"/>
-          </p:cNvGraphicFramePr>
-          <p:nvPr/>
-        </p:nvGraphicFramePr>
-        <p:xfrm>
-          <a:off x="4786314" y="1285860"/>
-          <a:ext cx="409575" cy="546100"/>
-        </p:xfrm>
-        <a:graphic>
-          <a:graphicData uri="http://schemas.openxmlformats.org/presentationml/2006/ole">
-            <p:oleObj spid="_x0000_s47107" name="Equation" r:id="rId4" imgW="126720" imgH="177480" progId="Equation.DSMT4">
-              <p:embed/>
-            </p:oleObj>
-          </a:graphicData>
-        </a:graphic>
-      </p:graphicFrame>
-      <p:graphicFrame>
-        <p:nvGraphicFramePr>
-          <p:cNvPr id="46085" name="Object 16"/>
-          <p:cNvGraphicFramePr>
-            <a:graphicFrameLocks noChangeAspect="1"/>
-          </p:cNvGraphicFramePr>
-          <p:nvPr/>
-        </p:nvGraphicFramePr>
-        <p:xfrm>
-          <a:off x="5429256" y="1357298"/>
-          <a:ext cx="368300" cy="428625"/>
-        </p:xfrm>
-        <a:graphic>
-          <a:graphicData uri="http://schemas.openxmlformats.org/presentationml/2006/ole">
-            <p:oleObj spid="_x0000_s47108" name="Equation" r:id="rId5" imgW="114120" imgH="139680" progId="Equation.DSMT4">
-              <p:embed/>
-            </p:oleObj>
-          </a:graphicData>
-        </a:graphic>
-      </p:graphicFrame>
-      <p:graphicFrame>
-        <p:nvGraphicFramePr>
-          <p:cNvPr id="46086" name="Object 16"/>
-          <p:cNvGraphicFramePr>
-            <a:graphicFrameLocks noChangeAspect="1"/>
-          </p:cNvGraphicFramePr>
-          <p:nvPr/>
-        </p:nvGraphicFramePr>
-        <p:xfrm>
-          <a:off x="1142976" y="1947856"/>
-          <a:ext cx="2252663" cy="623888"/>
-        </p:xfrm>
-        <a:graphic>
-          <a:graphicData uri="http://schemas.openxmlformats.org/presentationml/2006/ole">
-            <p:oleObj spid="_x0000_s47109" name="Equation" r:id="rId6" imgW="698400" imgH="203040" progId="Equation.DSMT4">
-              <p:embed/>
-            </p:oleObj>
-          </a:graphicData>
-        </a:graphic>
-      </p:graphicFrame>
-    </p:spTree>
-  </p:cSld>
-  <p:clrMapOvr>
-    <a:masterClrMapping/>
-  </p:clrMapOvr>
-  <p:timing>
-    <p:tnLst>
-      <p:par>
-        <p:cTn id="1" dur="indefinite" restart="never" nodeType="tmRoot"/>
-      </p:par>
-    </p:tnLst>
-  </p:timing>
-</p:sld>
-</file>
-
-<file path=ppt/slides/slide13.xml><?xml version="1.0" encoding="utf-8"?>
-<p:sld xmlns:a="http://schemas.openxmlformats.org/drawingml/2006/main" xmlns:r="http://schemas.openxmlformats.org/officeDocument/2006/relationships" xmlns:p="http://schemas.openxmlformats.org/presentationml/2006/main">
-  <p:cSld>
-    <p:spTree>
-      <p:nvGrpSpPr>
-        <p:cNvPr id="1" name=""/>
-        <p:cNvGrpSpPr/>
-        <p:nvPr/>
-      </p:nvGrpSpPr>
-      <p:grpSpPr>
-        <a:xfrm>
-          <a:off x="0" y="0"/>
-          <a:ext cx="0" cy="0"/>
-          <a:chOff x="0" y="0"/>
-          <a:chExt cx="0" cy="0"/>
-        </a:xfrm>
-      </p:grpSpPr>
-      <p:sp>
-        <p:nvSpPr>
-          <p:cNvPr id="4098" name="标题 1"/>
-          <p:cNvSpPr>
-            <a:spLocks noGrp="1"/>
-          </p:cNvSpPr>
-          <p:nvPr>
-            <p:ph type="title"/>
-          </p:nvPr>
-        </p:nvSpPr>
-        <p:spPr/>
-        <p:txBody>
-          <a:bodyPr/>
-          <a:lstStyle/>
-          <a:p>
-            <a:r>
-              <a:rPr lang="zh-CN" altLang="en-US" dirty="0" smtClean="0">
-                <a:ea typeface="宋体" pitchFamily="2" charset="-122"/>
-              </a:rPr>
-              <a:t>三、例题</a:t>
-            </a:r>
-          </a:p>
-        </p:txBody>
-      </p:sp>
-      <p:sp>
-        <p:nvSpPr>
-          <p:cNvPr id="4099" name="内容占位符 2"/>
-          <p:cNvSpPr>
-            <a:spLocks noGrp="1"/>
-          </p:cNvSpPr>
-          <p:nvPr>
-            <p:ph idx="1"/>
-          </p:nvPr>
-        </p:nvSpPr>
-        <p:spPr>
-          <a:xfrm>
-            <a:off x="457200" y="1076325"/>
-            <a:ext cx="8329642" cy="5248275"/>
-          </a:xfrm>
-        </p:spPr>
-        <p:txBody>
-          <a:bodyPr/>
-          <a:lstStyle/>
-          <a:p>
-            <a:pPr marL="180000">
-              <a:lnSpc>
-                <a:spcPct val="150000"/>
-              </a:lnSpc>
-            </a:pPr>
-            <a:r>
-              <a:rPr lang="zh-CN" altLang="en-US" sz="2400" dirty="0" smtClean="0"/>
-              <a:t>例：给定</a:t>
-            </a:r>
-            <a:r>
-              <a:rPr lang="en-US" sz="2400" dirty="0" smtClean="0"/>
-              <a:t>(</a:t>
-            </a:r>
-            <a:r>
-              <a:rPr lang="zh-CN" altLang="en-US" sz="2400" dirty="0" smtClean="0"/>
-              <a:t>正</a:t>
-            </a:r>
-            <a:r>
-              <a:rPr lang="en-US" sz="2400" dirty="0" smtClean="0"/>
-              <a:t>)</a:t>
-            </a:r>
-            <a:r>
-              <a:rPr lang="zh-CN" altLang="en-US" sz="2400" dirty="0" smtClean="0"/>
-              <a:t>整数</a:t>
-            </a:r>
-            <a:r>
-              <a:rPr lang="en-US" sz="2400" dirty="0" smtClean="0"/>
-              <a:t>  </a:t>
-            </a:r>
-            <a:r>
-              <a:rPr lang="zh-CN" altLang="en-US" sz="2400" dirty="0" smtClean="0"/>
-              <a:t>、</a:t>
-            </a:r>
-            <a:r>
-              <a:rPr lang="en-US" altLang="zh-CN" sz="2400" dirty="0" smtClean="0"/>
-              <a:t> </a:t>
-            </a:r>
-            <a:r>
-              <a:rPr lang="zh-CN" altLang="en-US" sz="2400" dirty="0" smtClean="0"/>
-              <a:t>、</a:t>
-            </a:r>
-            <a:r>
-              <a:rPr lang="en-US" altLang="zh-CN" sz="2400" dirty="0" smtClean="0"/>
-              <a:t> </a:t>
-            </a:r>
-            <a:r>
-              <a:rPr lang="zh-CN" altLang="en-US" sz="2400" dirty="0" smtClean="0"/>
-              <a:t>，求二元一次方程           有多少组不同的正整数解。</a:t>
-            </a:r>
-            <a:endParaRPr lang="en-US" altLang="zh-CN" sz="2400" dirty="0" smtClean="0"/>
-          </a:p>
-          <a:p>
-            <a:pPr marL="180000">
-              <a:lnSpc>
-                <a:spcPts val="3400"/>
-              </a:lnSpc>
-              <a:buNone/>
-            </a:pPr>
-            <a:r>
-              <a:rPr lang="zh-CN" altLang="en-US" sz="2400" dirty="0" smtClean="0"/>
-              <a:t> 解题思路：可以通过暴力破解的方式得到本题的答案。具 体地，在</a:t>
-            </a:r>
-            <a:r>
-              <a:rPr lang="en-US" sz="2400" dirty="0" smtClean="0"/>
-              <a:t>       </a:t>
-            </a:r>
-            <a:r>
-              <a:rPr lang="zh-CN" altLang="en-US" sz="2400" dirty="0" smtClean="0"/>
-              <a:t>和</a:t>
-            </a:r>
-            <a:r>
-              <a:rPr lang="en-US" sz="2400" dirty="0" smtClean="0"/>
-              <a:t>      </a:t>
-            </a:r>
-            <a:r>
-              <a:rPr lang="zh-CN" altLang="en-US" sz="2400" dirty="0" smtClean="0"/>
-              <a:t>的情况下，遍历             </a:t>
-            </a:r>
-            <a:r>
-              <a:rPr lang="en-US" sz="2400" dirty="0" smtClean="0"/>
-              <a:t>             </a:t>
-            </a:r>
-          </a:p>
-          <a:p>
-            <a:pPr marL="180000">
-              <a:lnSpc>
-                <a:spcPts val="3400"/>
-              </a:lnSpc>
-              <a:buNone/>
-            </a:pPr>
-            <a:r>
-              <a:rPr lang="en-US" altLang="zh-CN" sz="2400" dirty="0" smtClean="0"/>
-              <a:t>    </a:t>
-            </a:r>
-            <a:r>
-              <a:rPr lang="zh-CN" altLang="en-US" sz="2400" dirty="0" smtClean="0"/>
-              <a:t>的可能。</a:t>
-            </a:r>
-            <a:endParaRPr lang="en-US" altLang="zh-CN" sz="2400" dirty="0" smtClean="0"/>
-          </a:p>
-          <a:p>
-            <a:pPr marL="180000">
-              <a:lnSpc>
-                <a:spcPts val="3400"/>
-              </a:lnSpc>
-              <a:buNone/>
-            </a:pPr>
-            <a:endParaRPr lang="en-US" altLang="zh-CN" sz="2400" dirty="0" smtClean="0"/>
-          </a:p>
-          <a:p>
-            <a:pPr marL="180000">
-              <a:lnSpc>
-                <a:spcPct val="150000"/>
-              </a:lnSpc>
-              <a:buNone/>
-            </a:pPr>
-            <a:endParaRPr lang="en-US" altLang="zh-CN" sz="2400" dirty="0" smtClean="0"/>
-          </a:p>
-          <a:p>
-            <a:pPr marL="180000">
-              <a:lnSpc>
-                <a:spcPct val="150000"/>
-              </a:lnSpc>
-              <a:buNone/>
-            </a:pPr>
-            <a:r>
-              <a:rPr lang="en-US" sz="2400" dirty="0" smtClean="0">
-                <a:solidFill>
-                  <a:srgbClr val="0000FF"/>
-                </a:solidFill>
-              </a:rPr>
-              <a:t>  </a:t>
-            </a:r>
-            <a:endParaRPr lang="en-US" altLang="zh-CN" sz="2400" dirty="0" smtClean="0">
-              <a:solidFill>
-                <a:srgbClr val="0000FF"/>
-              </a:solidFill>
-            </a:endParaRPr>
-          </a:p>
-          <a:p>
-            <a:pPr>
-              <a:buNone/>
-            </a:pPr>
-            <a:r>
-              <a:rPr lang="zh-CN" altLang="en-US" sz="2400" dirty="0" smtClean="0"/>
-              <a:t>  </a:t>
-            </a:r>
-            <a:endParaRPr lang="zh-CN" altLang="en-US" sz="2200" dirty="0" smtClean="0"/>
-          </a:p>
-        </p:txBody>
-      </p:sp>
-      <p:sp>
-        <p:nvSpPr>
-          <p:cNvPr id="1026" name="Rectangle 2"/>
-          <p:cNvSpPr>
-            <a:spLocks noChangeArrowheads="1"/>
-          </p:cNvSpPr>
-          <p:nvPr/>
-        </p:nvSpPr>
-        <p:spPr bwMode="auto">
-          <a:xfrm>
-            <a:off x="0" y="0"/>
-            <a:ext cx="9144000" cy="0"/>
-          </a:xfrm>
-          <a:prstGeom prst="rect">
-            <a:avLst/>
-          </a:prstGeom>
-          <a:noFill/>
-          <a:ln w="9525">
-            <a:noFill/>
-            <a:miter lim="800000"/>
-            <a:headEnd/>
-            <a:tailEnd/>
-          </a:ln>
-          <a:effectLst/>
-        </p:spPr>
-        <p:txBody>
-          <a:bodyPr vert="horz" wrap="none" lIns="91440" tIns="45720" rIns="91440" bIns="45720" numCol="1" anchor="ctr" anchorCtr="0" compatLnSpc="1">
-            <a:prstTxWarp prst="textNoShape">
-              <a:avLst/>
-            </a:prstTxWarp>
-            <a:spAutoFit/>
-          </a:bodyPr>
-          <a:lstStyle/>
-          <a:p>
-            <a:endParaRPr lang="zh-CN" altLang="en-US"/>
-          </a:p>
-        </p:txBody>
-      </p:sp>
-      <p:sp>
-        <p:nvSpPr>
-          <p:cNvPr id="1028" name="Rectangle 4"/>
-          <p:cNvSpPr>
-            <a:spLocks noChangeArrowheads="1"/>
-          </p:cNvSpPr>
-          <p:nvPr/>
-        </p:nvSpPr>
-        <p:spPr bwMode="auto">
-          <a:xfrm>
-            <a:off x="0" y="0"/>
-            <a:ext cx="9144000" cy="0"/>
-          </a:xfrm>
-          <a:prstGeom prst="rect">
-            <a:avLst/>
-          </a:prstGeom>
-          <a:noFill/>
-          <a:ln w="9525">
-            <a:noFill/>
-            <a:miter lim="800000"/>
-            <a:headEnd/>
-            <a:tailEnd/>
-          </a:ln>
-          <a:effectLst/>
-        </p:spPr>
-        <p:txBody>
-          <a:bodyPr vert="horz" wrap="none" lIns="91440" tIns="45720" rIns="91440" bIns="45720" numCol="1" anchor="ctr" anchorCtr="0" compatLnSpc="1">
-            <a:prstTxWarp prst="textNoShape">
-              <a:avLst/>
-            </a:prstTxWarp>
-            <a:spAutoFit/>
-          </a:bodyPr>
-          <a:lstStyle/>
-          <a:p>
-            <a:endParaRPr lang="zh-CN" altLang="en-US"/>
-          </a:p>
-        </p:txBody>
-      </p:sp>
-      <p:graphicFrame>
-        <p:nvGraphicFramePr>
-          <p:cNvPr id="46084" name="Object 16"/>
-          <p:cNvGraphicFramePr>
-            <a:graphicFrameLocks noChangeAspect="1"/>
-          </p:cNvGraphicFramePr>
-          <p:nvPr/>
-        </p:nvGraphicFramePr>
-        <p:xfrm>
-          <a:off x="3786182" y="1238235"/>
-          <a:ext cx="303611" cy="404815"/>
-        </p:xfrm>
-        <a:graphic>
-          <a:graphicData uri="http://schemas.openxmlformats.org/presentationml/2006/ole">
-            <p:oleObj spid="_x0000_s48131" name="Equation" r:id="rId3" imgW="126720" imgH="177480" progId="Equation.DSMT4">
-              <p:embed/>
-            </p:oleObj>
-          </a:graphicData>
-        </a:graphic>
-      </p:graphicFrame>
-      <p:graphicFrame>
-        <p:nvGraphicFramePr>
-          <p:cNvPr id="46085" name="Object 16"/>
-          <p:cNvGraphicFramePr>
-            <a:graphicFrameLocks noChangeAspect="1"/>
-          </p:cNvGraphicFramePr>
-          <p:nvPr/>
-        </p:nvGraphicFramePr>
-        <p:xfrm>
-          <a:off x="4214810" y="1310494"/>
-          <a:ext cx="285752" cy="332556"/>
-        </p:xfrm>
-        <a:graphic>
-          <a:graphicData uri="http://schemas.openxmlformats.org/presentationml/2006/ole">
-            <p:oleObj spid="_x0000_s48132" name="Equation" r:id="rId4" imgW="114120" imgH="139680" progId="Equation.DSMT4">
-              <p:embed/>
-            </p:oleObj>
-          </a:graphicData>
-        </a:graphic>
-      </p:graphicFrame>
-      <p:graphicFrame>
-        <p:nvGraphicFramePr>
-          <p:cNvPr id="46086" name="Object 16"/>
-          <p:cNvGraphicFramePr>
-            <a:graphicFrameLocks noChangeAspect="1"/>
-          </p:cNvGraphicFramePr>
-          <p:nvPr/>
-        </p:nvGraphicFramePr>
-        <p:xfrm>
-          <a:off x="7000892" y="1214422"/>
-          <a:ext cx="1714512" cy="474844"/>
-        </p:xfrm>
-        <a:graphic>
-          <a:graphicData uri="http://schemas.openxmlformats.org/presentationml/2006/ole">
-            <p:oleObj spid="_x0000_s48133" name="Equation" r:id="rId5" imgW="698400" imgH="203040" progId="Equation.DSMT4">
-              <p:embed/>
-            </p:oleObj>
-          </a:graphicData>
-        </a:graphic>
-      </p:graphicFrame>
-      <p:graphicFrame>
-        <p:nvGraphicFramePr>
-          <p:cNvPr id="48134" name="Object 6"/>
-          <p:cNvGraphicFramePr>
-            <a:graphicFrameLocks noChangeAspect="1"/>
-          </p:cNvGraphicFramePr>
-          <p:nvPr/>
-        </p:nvGraphicFramePr>
-        <p:xfrm>
-          <a:off x="3357554" y="1317613"/>
-          <a:ext cx="312737" cy="325437"/>
-        </p:xfrm>
-        <a:graphic>
-          <a:graphicData uri="http://schemas.openxmlformats.org/presentationml/2006/ole">
-            <p:oleObj spid="_x0000_s48134" name="Equation" r:id="rId6" imgW="126720" imgH="139680" progId="Equation.DSMT4">
-              <p:embed/>
-            </p:oleObj>
-          </a:graphicData>
-        </a:graphic>
-      </p:graphicFrame>
-      <p:graphicFrame>
-        <p:nvGraphicFramePr>
-          <p:cNvPr id="48143" name="Object 6"/>
-          <p:cNvGraphicFramePr>
-            <a:graphicFrameLocks noChangeAspect="1"/>
-          </p:cNvGraphicFramePr>
-          <p:nvPr/>
-        </p:nvGraphicFramePr>
-        <p:xfrm>
-          <a:off x="2000232" y="2757486"/>
-          <a:ext cx="1028700" cy="385762"/>
-        </p:xfrm>
-        <a:graphic>
-          <a:graphicData uri="http://schemas.openxmlformats.org/presentationml/2006/ole">
-            <p:oleObj spid="_x0000_s48143" name="Equation" r:id="rId7" imgW="419040" imgH="164880" progId="Equation.DSMT4">
-              <p:embed/>
-            </p:oleObj>
-          </a:graphicData>
-        </a:graphic>
-      </p:graphicFrame>
-      <p:graphicFrame>
-        <p:nvGraphicFramePr>
-          <p:cNvPr id="48144" name="Object 6"/>
-          <p:cNvGraphicFramePr>
-            <a:graphicFrameLocks noChangeAspect="1"/>
-          </p:cNvGraphicFramePr>
-          <p:nvPr/>
-        </p:nvGraphicFramePr>
-        <p:xfrm>
-          <a:off x="3319460" y="2714620"/>
-          <a:ext cx="966788" cy="415925"/>
-        </p:xfrm>
-        <a:graphic>
-          <a:graphicData uri="http://schemas.openxmlformats.org/presentationml/2006/ole">
-            <p:oleObj spid="_x0000_s48144" name="Equation" r:id="rId8" imgW="393480" imgH="177480" progId="Equation.DSMT4">
-              <p:embed/>
-            </p:oleObj>
-          </a:graphicData>
-        </a:graphic>
-      </p:graphicFrame>
-      <p:graphicFrame>
-        <p:nvGraphicFramePr>
-          <p:cNvPr id="48145" name="Object 6"/>
-          <p:cNvGraphicFramePr>
-            <a:graphicFrameLocks noChangeAspect="1"/>
-          </p:cNvGraphicFramePr>
-          <p:nvPr/>
-        </p:nvGraphicFramePr>
-        <p:xfrm>
-          <a:off x="6429388" y="2714625"/>
-          <a:ext cx="2182812" cy="474663"/>
-        </p:xfrm>
-        <a:graphic>
-          <a:graphicData uri="http://schemas.openxmlformats.org/presentationml/2006/ole">
-            <p:oleObj spid="_x0000_s48145" name="Equation" r:id="rId9" imgW="888840" imgH="203040" progId="Equation.DSMT4">
-              <p:embed/>
-            </p:oleObj>
-          </a:graphicData>
-        </a:graphic>
-      </p:graphicFrame>
-      <p:graphicFrame>
-        <p:nvGraphicFramePr>
-          <p:cNvPr id="48146" name="Object 6"/>
-          <p:cNvGraphicFramePr>
-            <a:graphicFrameLocks noChangeAspect="1"/>
-          </p:cNvGraphicFramePr>
-          <p:nvPr/>
-        </p:nvGraphicFramePr>
-        <p:xfrm>
-          <a:off x="642910" y="3227389"/>
-          <a:ext cx="592137" cy="415925"/>
-        </p:xfrm>
-        <a:graphic>
-          <a:graphicData uri="http://schemas.openxmlformats.org/presentationml/2006/ole">
-            <p:oleObj spid="_x0000_s48146" name="Equation" r:id="rId10" imgW="241200" imgH="177480" progId="Equation.DSMT4">
-              <p:embed/>
-            </p:oleObj>
-          </a:graphicData>
-        </a:graphic>
-      </p:graphicFrame>
-    </p:spTree>
-  </p:cSld>
-  <p:clrMapOvr>
-    <a:masterClrMapping/>
-  </p:clrMapOvr>
-  <p:timing>
-    <p:tnLst>
-      <p:par>
-        <p:cTn id="1" dur="indefinite" restart="never" nodeType="tmRoot"/>
-      </p:par>
-    </p:tnLst>
-  </p:timing>
-</p:sld>
-</file>
-
-<file path=ppt/slides/slide14.xml><?xml version="1.0" encoding="utf-8"?>
-<p:sld xmlns:a="http://schemas.openxmlformats.org/drawingml/2006/main" xmlns:r="http://schemas.openxmlformats.org/officeDocument/2006/relationships" xmlns:p="http://schemas.openxmlformats.org/presentationml/2006/main">
-  <p:cSld>
-    <p:spTree>
-      <p:nvGrpSpPr>
-        <p:cNvPr id="1" name=""/>
-        <p:cNvGrpSpPr/>
-        <p:nvPr/>
-      </p:nvGrpSpPr>
-      <p:grpSpPr>
-        <a:xfrm>
-          <a:off x="0" y="0"/>
-          <a:ext cx="0" cy="0"/>
-          <a:chOff x="0" y="0"/>
-          <a:chExt cx="0" cy="0"/>
-        </a:xfrm>
-      </p:grpSpPr>
-      <p:sp>
-        <p:nvSpPr>
-          <p:cNvPr id="4098" name="标题 1"/>
-          <p:cNvSpPr>
-            <a:spLocks noGrp="1"/>
-          </p:cNvSpPr>
-          <p:nvPr>
-            <p:ph type="title"/>
-          </p:nvPr>
-        </p:nvSpPr>
-        <p:spPr/>
-        <p:txBody>
-          <a:bodyPr/>
-          <a:lstStyle/>
-          <a:p>
-            <a:r>
-              <a:rPr lang="zh-CN" altLang="en-US" dirty="0" smtClean="0">
-                <a:ea typeface="宋体" pitchFamily="2" charset="-122"/>
-              </a:rPr>
-              <a:t>三、例题</a:t>
-            </a:r>
-          </a:p>
-        </p:txBody>
-      </p:sp>
-      <p:sp>
-        <p:nvSpPr>
-          <p:cNvPr id="4099" name="内容占位符 2"/>
-          <p:cNvSpPr>
-            <a:spLocks noGrp="1"/>
-          </p:cNvSpPr>
-          <p:nvPr>
-            <p:ph idx="1"/>
-          </p:nvPr>
-        </p:nvSpPr>
-        <p:spPr>
-          <a:xfrm>
-            <a:off x="457200" y="1076325"/>
-            <a:ext cx="8329642" cy="5248275"/>
-          </a:xfrm>
-        </p:spPr>
-        <p:txBody>
-          <a:bodyPr/>
-          <a:lstStyle/>
-          <a:p>
-            <a:pPr marL="180000">
-              <a:lnSpc>
-                <a:spcPct val="150000"/>
-              </a:lnSpc>
-            </a:pPr>
-            <a:r>
-              <a:rPr lang="zh-CN" altLang="en-US" sz="2400" dirty="0" smtClean="0"/>
-              <a:t>例：给定</a:t>
-            </a:r>
-            <a:r>
-              <a:rPr lang="en-US" sz="2400" dirty="0" smtClean="0"/>
-              <a:t>(</a:t>
-            </a:r>
-            <a:r>
-              <a:rPr lang="zh-CN" altLang="en-US" sz="2400" dirty="0" smtClean="0"/>
-              <a:t>正</a:t>
-            </a:r>
-            <a:r>
-              <a:rPr lang="en-US" sz="2400" dirty="0" smtClean="0"/>
-              <a:t>)</a:t>
-            </a:r>
-            <a:r>
-              <a:rPr lang="zh-CN" altLang="en-US" sz="2400" dirty="0" smtClean="0"/>
-              <a:t>整数</a:t>
-            </a:r>
-            <a:r>
-              <a:rPr lang="en-US" sz="2400" dirty="0" smtClean="0"/>
-              <a:t>  </a:t>
-            </a:r>
-            <a:r>
-              <a:rPr lang="zh-CN" altLang="en-US" sz="2400" dirty="0" smtClean="0"/>
-              <a:t>、</a:t>
-            </a:r>
-            <a:r>
-              <a:rPr lang="en-US" altLang="zh-CN" sz="2400" dirty="0" smtClean="0"/>
-              <a:t> </a:t>
-            </a:r>
-            <a:r>
-              <a:rPr lang="zh-CN" altLang="en-US" sz="2400" dirty="0" smtClean="0"/>
-              <a:t>、</a:t>
-            </a:r>
-            <a:r>
-              <a:rPr lang="en-US" altLang="zh-CN" sz="2400" dirty="0" smtClean="0"/>
-              <a:t> </a:t>
-            </a:r>
-            <a:r>
-              <a:rPr lang="zh-CN" altLang="en-US" sz="2400" dirty="0" smtClean="0"/>
-              <a:t>，求二元一次方程           有多少组不同的正整数解。</a:t>
-            </a:r>
-            <a:endParaRPr lang="en-US" altLang="zh-CN" sz="2400" dirty="0" smtClean="0"/>
-          </a:p>
-          <a:p>
-            <a:pPr marL="180000">
-              <a:lnSpc>
-                <a:spcPts val="3400"/>
-              </a:lnSpc>
-              <a:buNone/>
-            </a:pPr>
-            <a:r>
-              <a:rPr lang="zh-CN" altLang="en-US" sz="2400" dirty="0" smtClean="0"/>
-              <a:t> 解题思路：</a:t>
-            </a:r>
-            <a:r>
-              <a:rPr lang="en-US" altLang="zh-CN" sz="2400" dirty="0" smtClean="0"/>
-              <a:t>(1</a:t>
-            </a:r>
-            <a:r>
-              <a:rPr lang="en-US" altLang="zh-CN" sz="2400" dirty="0" smtClean="0">
-                <a:sym typeface="Wingdings" pitchFamily="2" charset="2"/>
-              </a:rPr>
-              <a:t>)</a:t>
-            </a:r>
-            <a:r>
-              <a:rPr lang="zh-CN" altLang="en-US" sz="2400" dirty="0" smtClean="0"/>
-              <a:t>可以通过暴力破解的方式得到本题的答案。具体地，在</a:t>
-            </a:r>
-            <a:r>
-              <a:rPr lang="en-US" sz="2400" dirty="0" smtClean="0"/>
-              <a:t>      </a:t>
-            </a:r>
-            <a:r>
-              <a:rPr lang="zh-CN" altLang="en-US" sz="2400" dirty="0" smtClean="0"/>
-              <a:t>和</a:t>
-            </a:r>
-            <a:r>
-              <a:rPr lang="en-US" sz="2400" dirty="0" smtClean="0"/>
-              <a:t>      </a:t>
-            </a:r>
-            <a:r>
-              <a:rPr lang="zh-CN" altLang="en-US" sz="2400" dirty="0" smtClean="0"/>
-              <a:t>的情况下，遍历             </a:t>
-            </a:r>
-            <a:r>
-              <a:rPr lang="en-US" sz="2400" dirty="0" smtClean="0"/>
-              <a:t>             </a:t>
-            </a:r>
-          </a:p>
-          <a:p>
-            <a:pPr marL="180000">
-              <a:lnSpc>
-                <a:spcPts val="3400"/>
-              </a:lnSpc>
-              <a:buNone/>
-            </a:pPr>
-            <a:r>
-              <a:rPr lang="en-US" altLang="zh-CN" sz="2400" dirty="0" smtClean="0"/>
-              <a:t>    </a:t>
-            </a:r>
-            <a:r>
-              <a:rPr lang="zh-CN" altLang="en-US" sz="2400" dirty="0" smtClean="0"/>
-              <a:t>的可能。</a:t>
-            </a:r>
-            <a:endParaRPr lang="en-US" altLang="zh-CN" sz="2400" dirty="0" smtClean="0"/>
-          </a:p>
-          <a:p>
-            <a:pPr marL="180000">
-              <a:lnSpc>
-                <a:spcPts val="3400"/>
-              </a:lnSpc>
-              <a:buNone/>
-            </a:pPr>
-            <a:endParaRPr lang="en-US" altLang="zh-CN" sz="2400" dirty="0" smtClean="0"/>
-          </a:p>
-          <a:p>
-            <a:pPr marL="180000">
-              <a:lnSpc>
-                <a:spcPct val="150000"/>
-              </a:lnSpc>
-              <a:buNone/>
-            </a:pPr>
-            <a:endParaRPr lang="en-US" altLang="zh-CN" sz="2400" dirty="0" smtClean="0"/>
-          </a:p>
-          <a:p>
-            <a:pPr marL="180000">
-              <a:lnSpc>
-                <a:spcPct val="150000"/>
-              </a:lnSpc>
-              <a:buNone/>
-            </a:pPr>
-            <a:r>
-              <a:rPr lang="en-US" sz="2400" dirty="0" smtClean="0">
-                <a:solidFill>
-                  <a:srgbClr val="0000FF"/>
-                </a:solidFill>
-              </a:rPr>
-              <a:t>  </a:t>
-            </a:r>
-            <a:endParaRPr lang="en-US" altLang="zh-CN" sz="2400" dirty="0" smtClean="0">
-              <a:solidFill>
-                <a:srgbClr val="0000FF"/>
-              </a:solidFill>
-            </a:endParaRPr>
-          </a:p>
-          <a:p>
-            <a:pPr>
-              <a:buNone/>
-            </a:pPr>
-            <a:r>
-              <a:rPr lang="zh-CN" altLang="en-US" sz="2400" dirty="0" smtClean="0"/>
-              <a:t>  </a:t>
-            </a:r>
-            <a:endParaRPr lang="zh-CN" altLang="en-US" sz="2200" dirty="0" smtClean="0"/>
-          </a:p>
-        </p:txBody>
-      </p:sp>
-      <p:sp>
-        <p:nvSpPr>
-          <p:cNvPr id="1026" name="Rectangle 2"/>
-          <p:cNvSpPr>
-            <a:spLocks noChangeArrowheads="1"/>
-          </p:cNvSpPr>
-          <p:nvPr/>
-        </p:nvSpPr>
-        <p:spPr bwMode="auto">
-          <a:xfrm>
-            <a:off x="0" y="0"/>
-            <a:ext cx="9144000" cy="0"/>
-          </a:xfrm>
-          <a:prstGeom prst="rect">
-            <a:avLst/>
-          </a:prstGeom>
-          <a:noFill/>
-          <a:ln w="9525">
-            <a:noFill/>
-            <a:miter lim="800000"/>
-            <a:headEnd/>
-            <a:tailEnd/>
-          </a:ln>
-          <a:effectLst/>
-        </p:spPr>
-        <p:txBody>
-          <a:bodyPr vert="horz" wrap="none" lIns="91440" tIns="45720" rIns="91440" bIns="45720" numCol="1" anchor="ctr" anchorCtr="0" compatLnSpc="1">
-            <a:prstTxWarp prst="textNoShape">
-              <a:avLst/>
-            </a:prstTxWarp>
-            <a:spAutoFit/>
-          </a:bodyPr>
-          <a:lstStyle/>
-          <a:p>
-            <a:endParaRPr lang="zh-CN" altLang="en-US"/>
-          </a:p>
-        </p:txBody>
-      </p:sp>
-      <p:sp>
-        <p:nvSpPr>
-          <p:cNvPr id="1028" name="Rectangle 4"/>
-          <p:cNvSpPr>
-            <a:spLocks noChangeArrowheads="1"/>
-          </p:cNvSpPr>
-          <p:nvPr/>
-        </p:nvSpPr>
-        <p:spPr bwMode="auto">
-          <a:xfrm>
-            <a:off x="0" y="0"/>
-            <a:ext cx="9144000" cy="0"/>
-          </a:xfrm>
-          <a:prstGeom prst="rect">
-            <a:avLst/>
-          </a:prstGeom>
-          <a:noFill/>
-          <a:ln w="9525">
-            <a:noFill/>
-            <a:miter lim="800000"/>
-            <a:headEnd/>
-            <a:tailEnd/>
-          </a:ln>
-          <a:effectLst/>
-        </p:spPr>
-        <p:txBody>
-          <a:bodyPr vert="horz" wrap="none" lIns="91440" tIns="45720" rIns="91440" bIns="45720" numCol="1" anchor="ctr" anchorCtr="0" compatLnSpc="1">
-            <a:prstTxWarp prst="textNoShape">
-              <a:avLst/>
-            </a:prstTxWarp>
-            <a:spAutoFit/>
-          </a:bodyPr>
-          <a:lstStyle/>
-          <a:p>
-            <a:endParaRPr lang="zh-CN" altLang="en-US"/>
-          </a:p>
-        </p:txBody>
-      </p:sp>
-      <p:graphicFrame>
-        <p:nvGraphicFramePr>
-          <p:cNvPr id="46084" name="Object 16"/>
-          <p:cNvGraphicFramePr>
-            <a:graphicFrameLocks noChangeAspect="1"/>
-          </p:cNvGraphicFramePr>
-          <p:nvPr/>
-        </p:nvGraphicFramePr>
-        <p:xfrm>
-          <a:off x="3786182" y="1238235"/>
-          <a:ext cx="303611" cy="404815"/>
-        </p:xfrm>
-        <a:graphic>
-          <a:graphicData uri="http://schemas.openxmlformats.org/presentationml/2006/ole">
-            <p:oleObj spid="_x0000_s52226" name="Equation" r:id="rId3" imgW="126720" imgH="177480" progId="Equation.DSMT4">
-              <p:embed/>
-            </p:oleObj>
-          </a:graphicData>
-        </a:graphic>
-      </p:graphicFrame>
-      <p:graphicFrame>
-        <p:nvGraphicFramePr>
-          <p:cNvPr id="46085" name="Object 16"/>
-          <p:cNvGraphicFramePr>
-            <a:graphicFrameLocks noChangeAspect="1"/>
-          </p:cNvGraphicFramePr>
-          <p:nvPr/>
-        </p:nvGraphicFramePr>
-        <p:xfrm>
-          <a:off x="4214810" y="1310494"/>
-          <a:ext cx="285752" cy="332556"/>
-        </p:xfrm>
-        <a:graphic>
-          <a:graphicData uri="http://schemas.openxmlformats.org/presentationml/2006/ole">
-            <p:oleObj spid="_x0000_s52227" name="Equation" r:id="rId4" imgW="114120" imgH="139680" progId="Equation.DSMT4">
-              <p:embed/>
-            </p:oleObj>
-          </a:graphicData>
-        </a:graphic>
-      </p:graphicFrame>
-      <p:graphicFrame>
-        <p:nvGraphicFramePr>
-          <p:cNvPr id="46086" name="Object 16"/>
-          <p:cNvGraphicFramePr>
-            <a:graphicFrameLocks noChangeAspect="1"/>
-          </p:cNvGraphicFramePr>
-          <p:nvPr/>
-        </p:nvGraphicFramePr>
-        <p:xfrm>
-          <a:off x="7000892" y="1214422"/>
-          <a:ext cx="1714512" cy="474844"/>
-        </p:xfrm>
-        <a:graphic>
-          <a:graphicData uri="http://schemas.openxmlformats.org/presentationml/2006/ole">
-            <p:oleObj spid="_x0000_s52228" name="Equation" r:id="rId5" imgW="698400" imgH="203040" progId="Equation.DSMT4">
-              <p:embed/>
-            </p:oleObj>
-          </a:graphicData>
-        </a:graphic>
-      </p:graphicFrame>
-      <p:graphicFrame>
-        <p:nvGraphicFramePr>
-          <p:cNvPr id="48134" name="Object 6"/>
-          <p:cNvGraphicFramePr>
-            <a:graphicFrameLocks noChangeAspect="1"/>
-          </p:cNvGraphicFramePr>
-          <p:nvPr/>
-        </p:nvGraphicFramePr>
-        <p:xfrm>
-          <a:off x="3357554" y="1317613"/>
-          <a:ext cx="312737" cy="325437"/>
-        </p:xfrm>
-        <a:graphic>
-          <a:graphicData uri="http://schemas.openxmlformats.org/presentationml/2006/ole">
-            <p:oleObj spid="_x0000_s52229" name="Equation" r:id="rId6" imgW="126720" imgH="139680" progId="Equation.DSMT4">
-              <p:embed/>
-            </p:oleObj>
-          </a:graphicData>
-        </a:graphic>
-      </p:graphicFrame>
-      <p:graphicFrame>
-        <p:nvGraphicFramePr>
-          <p:cNvPr id="48143" name="Object 6"/>
-          <p:cNvGraphicFramePr>
-            <a:graphicFrameLocks noChangeAspect="1"/>
-          </p:cNvGraphicFramePr>
-          <p:nvPr/>
-        </p:nvGraphicFramePr>
-        <p:xfrm>
-          <a:off x="2214546" y="2757486"/>
-          <a:ext cx="1028700" cy="385762"/>
-        </p:xfrm>
-        <a:graphic>
-          <a:graphicData uri="http://schemas.openxmlformats.org/presentationml/2006/ole">
-            <p:oleObj spid="_x0000_s52230" name="Equation" r:id="rId7" imgW="419040" imgH="164880" progId="Equation.DSMT4">
-              <p:embed/>
-            </p:oleObj>
-          </a:graphicData>
-        </a:graphic>
-      </p:graphicFrame>
-      <p:graphicFrame>
-        <p:nvGraphicFramePr>
-          <p:cNvPr id="48144" name="Object 6"/>
-          <p:cNvGraphicFramePr>
-            <a:graphicFrameLocks noChangeAspect="1"/>
-          </p:cNvGraphicFramePr>
-          <p:nvPr/>
-        </p:nvGraphicFramePr>
-        <p:xfrm>
-          <a:off x="3428992" y="2727323"/>
-          <a:ext cx="966788" cy="415925"/>
-        </p:xfrm>
-        <a:graphic>
-          <a:graphicData uri="http://schemas.openxmlformats.org/presentationml/2006/ole">
-            <p:oleObj spid="_x0000_s52231" name="Equation" r:id="rId8" imgW="393480" imgH="177480" progId="Equation.DSMT4">
-              <p:embed/>
-            </p:oleObj>
-          </a:graphicData>
-        </a:graphic>
-      </p:graphicFrame>
-      <p:graphicFrame>
-        <p:nvGraphicFramePr>
-          <p:cNvPr id="48145" name="Object 6"/>
-          <p:cNvGraphicFramePr>
-            <a:graphicFrameLocks noChangeAspect="1"/>
-          </p:cNvGraphicFramePr>
-          <p:nvPr/>
-        </p:nvGraphicFramePr>
-        <p:xfrm>
-          <a:off x="6429388" y="2714625"/>
-          <a:ext cx="2182812" cy="474663"/>
-        </p:xfrm>
-        <a:graphic>
-          <a:graphicData uri="http://schemas.openxmlformats.org/presentationml/2006/ole">
-            <p:oleObj spid="_x0000_s52232" name="Equation" r:id="rId9" imgW="888840" imgH="203040" progId="Equation.DSMT4">
-              <p:embed/>
-            </p:oleObj>
-          </a:graphicData>
-        </a:graphic>
-      </p:graphicFrame>
-      <p:graphicFrame>
-        <p:nvGraphicFramePr>
-          <p:cNvPr id="48146" name="Object 6"/>
-          <p:cNvGraphicFramePr>
-            <a:graphicFrameLocks noChangeAspect="1"/>
-          </p:cNvGraphicFramePr>
-          <p:nvPr/>
-        </p:nvGraphicFramePr>
-        <p:xfrm>
-          <a:off x="642910" y="3227389"/>
-          <a:ext cx="592137" cy="415925"/>
-        </p:xfrm>
-        <a:graphic>
-          <a:graphicData uri="http://schemas.openxmlformats.org/presentationml/2006/ole">
-            <p:oleObj spid="_x0000_s52233" name="Equation" r:id="rId10" imgW="241200" imgH="177480" progId="Equation.DSMT4">
-              <p:embed/>
-            </p:oleObj>
-          </a:graphicData>
-        </a:graphic>
-      </p:graphicFrame>
-      <p:sp>
-        <p:nvSpPr>
-          <p:cNvPr id="14" name="云形 13"/>
-          <p:cNvSpPr/>
-          <p:nvPr/>
-        </p:nvSpPr>
-        <p:spPr bwMode="auto">
-          <a:xfrm>
-            <a:off x="1857356" y="3571876"/>
-            <a:ext cx="5072098" cy="1857388"/>
-          </a:xfrm>
-          <a:prstGeom prst="cloud">
-            <a:avLst/>
-          </a:prstGeom>
-          <a:solidFill>
-            <a:schemeClr val="accent1"/>
-          </a:solidFill>
-          <a:ln w="9525" cap="flat" cmpd="sng" algn="ctr">
-            <a:solidFill>
-              <a:schemeClr val="tx1"/>
-            </a:solidFill>
-            <a:prstDash val="solid"/>
-            <a:round/>
-            <a:headEnd type="none" w="med" len="med"/>
-            <a:tailEnd type="none" w="med" len="med"/>
-          </a:ln>
-          <a:effectLst/>
-          <a:extLst>
-            <a:ext uri="{AF507438-7753-43E0-B8FC-AC1667EBCBE1}">
-              <a14:hiddenEffects xmlns:a14="http://schemas.microsoft.com/office/drawing/2010/main" xmlns="">
-                <a:effectLst>
-                  <a:outerShdw dist="35921" dir="2700000" algn="ctr" rotWithShape="0">
-                    <a:schemeClr val="bg2"/>
-                  </a:outerShdw>
-                </a:effectLst>
-              </a14:hiddenEffects>
-            </a:ext>
-          </a:extLst>
-        </p:spPr>
-        <p:txBody>
-          <a:bodyPr vert="horz" wrap="square" lIns="91440" tIns="45720" rIns="91440" bIns="45720" numCol="1" rtlCol="0" anchor="t" anchorCtr="0" compatLnSpc="1">
-            <a:prstTxWarp prst="textNoShape">
-              <a:avLst/>
-            </a:prstTxWarp>
-          </a:bodyPr>
-          <a:lstStyle/>
-          <a:p>
-            <a:pPr marL="0" marR="0" indent="0" algn="l" defTabSz="914400" rtl="0" eaLnBrk="1" fontAlgn="base" latinLnBrk="0" hangingPunct="1">
-              <a:lnSpc>
-                <a:spcPct val="100000"/>
-              </a:lnSpc>
-              <a:spcBef>
-                <a:spcPct val="0"/>
-              </a:spcBef>
-              <a:spcAft>
-                <a:spcPct val="0"/>
-              </a:spcAft>
-              <a:buClrTx/>
-              <a:buSzTx/>
-              <a:buFont typeface="Arial" pitchFamily="34" charset="0"/>
-              <a:buNone/>
-              <a:tabLst/>
-            </a:pPr>
-            <a:endParaRPr kumimoji="0" lang="zh-CN" altLang="en-US" sz="1800" b="0" i="0" u="none" strike="noStrike" cap="none" normalizeH="0" baseline="0" smtClean="0">
-              <a:ln>
-                <a:noFill/>
-              </a:ln>
-              <a:solidFill>
-                <a:schemeClr val="tx1"/>
-              </a:solidFill>
-              <a:effectLst/>
-              <a:latin typeface="Arial" pitchFamily="34" charset="0"/>
-            </a:endParaRPr>
-          </a:p>
-        </p:txBody>
-      </p:sp>
-      <p:sp>
-        <p:nvSpPr>
-          <p:cNvPr id="15" name="TextBox 14"/>
-          <p:cNvSpPr txBox="1"/>
-          <p:nvPr/>
-        </p:nvSpPr>
-        <p:spPr>
-          <a:xfrm>
-            <a:off x="2428860" y="4000504"/>
-            <a:ext cx="5143536" cy="954107"/>
-          </a:xfrm>
-          <a:prstGeom prst="rect">
-            <a:avLst/>
-          </a:prstGeom>
-          <a:noFill/>
-        </p:spPr>
-        <p:txBody>
-          <a:bodyPr wrap="square" rtlCol="0">
-            <a:spAutoFit/>
-          </a:bodyPr>
-          <a:lstStyle/>
-          <a:p>
-            <a:r>
-              <a:rPr lang="en-US" altLang="zh-CN" sz="2800" dirty="0" smtClean="0">
-                <a:solidFill>
-                  <a:srgbClr val="FF0000"/>
-                </a:solidFill>
-              </a:rPr>
-              <a:t> </a:t>
-            </a:r>
-            <a:r>
-              <a:rPr lang="zh-CN" altLang="en-US" sz="2800" dirty="0" smtClean="0">
-                <a:solidFill>
-                  <a:srgbClr val="FF0000"/>
-                </a:solidFill>
-                <a:latin typeface="华文行楷" pitchFamily="2" charset="-122"/>
-                <a:ea typeface="华文行楷" pitchFamily="2" charset="-122"/>
-              </a:rPr>
-              <a:t>在方程无解的情况下，</a:t>
-            </a:r>
-            <a:endParaRPr lang="en-US" altLang="zh-CN" sz="2800" dirty="0" smtClean="0">
-              <a:solidFill>
-                <a:srgbClr val="FF0000"/>
-              </a:solidFill>
-              <a:latin typeface="华文行楷" pitchFamily="2" charset="-122"/>
-              <a:ea typeface="华文行楷" pitchFamily="2" charset="-122"/>
-            </a:endParaRPr>
-          </a:p>
-          <a:p>
-            <a:r>
-              <a:rPr lang="zh-CN" altLang="en-US" sz="2800" dirty="0" smtClean="0">
-                <a:solidFill>
-                  <a:srgbClr val="FF0000"/>
-                </a:solidFill>
-                <a:latin typeface="华文行楷" pitchFamily="2" charset="-122"/>
-                <a:ea typeface="华文行楷" pitchFamily="2" charset="-122"/>
-              </a:rPr>
-              <a:t> 该方法的效率不高。</a:t>
-            </a:r>
-            <a:endParaRPr lang="zh-CN" altLang="en-US" sz="2800" dirty="0">
-              <a:solidFill>
-                <a:srgbClr val="FF0000"/>
-              </a:solidFill>
-              <a:latin typeface="华文行楷" pitchFamily="2" charset="-122"/>
-              <a:ea typeface="华文行楷" pitchFamily="2" charset="-122"/>
-            </a:endParaRPr>
-          </a:p>
-        </p:txBody>
-      </p:sp>
-    </p:spTree>
-  </p:cSld>
-  <p:clrMapOvr>
-    <a:masterClrMapping/>
-  </p:clrMapOvr>
-  <p:timing>
-    <p:tnLst>
-      <p:par>
-        <p:cTn id="1" dur="indefinite" restart="never" nodeType="tmRoot"/>
-      </p:par>
-    </p:tnLst>
-  </p:timing>
-</p:sld>
-</file>
-
-<file path=ppt/slides/slide15.xml><?xml version="1.0" encoding="utf-8"?>
-<p:sld xmlns:a="http://schemas.openxmlformats.org/drawingml/2006/main" xmlns:r="http://schemas.openxmlformats.org/officeDocument/2006/relationships" xmlns:p="http://schemas.openxmlformats.org/presentationml/2006/main">
-  <p:cSld>
-    <p:spTree>
-      <p:nvGrpSpPr>
-        <p:cNvPr id="1" name=""/>
-        <p:cNvGrpSpPr/>
-        <p:nvPr/>
-      </p:nvGrpSpPr>
-      <p:grpSpPr>
-        <a:xfrm>
-          <a:off x="0" y="0"/>
-          <a:ext cx="0" cy="0"/>
-          <a:chOff x="0" y="0"/>
-          <a:chExt cx="0" cy="0"/>
-        </a:xfrm>
-      </p:grpSpPr>
-      <p:sp>
-        <p:nvSpPr>
-          <p:cNvPr id="4098" name="标题 1"/>
-          <p:cNvSpPr>
-            <a:spLocks noGrp="1"/>
-          </p:cNvSpPr>
-          <p:nvPr>
-            <p:ph type="title"/>
-          </p:nvPr>
-        </p:nvSpPr>
-        <p:spPr/>
-        <p:txBody>
-          <a:bodyPr/>
-          <a:lstStyle/>
-          <a:p>
-            <a:r>
-              <a:rPr lang="zh-CN" altLang="en-US" dirty="0" smtClean="0">
-                <a:ea typeface="宋体" pitchFamily="2" charset="-122"/>
-              </a:rPr>
-              <a:t>三、例题</a:t>
-            </a:r>
-          </a:p>
-        </p:txBody>
-      </p:sp>
-      <p:sp>
-        <p:nvSpPr>
-          <p:cNvPr id="4099" name="内容占位符 2"/>
-          <p:cNvSpPr>
-            <a:spLocks noGrp="1"/>
-          </p:cNvSpPr>
-          <p:nvPr>
-            <p:ph idx="1"/>
-          </p:nvPr>
-        </p:nvSpPr>
-        <p:spPr>
-          <a:xfrm>
-            <a:off x="357158" y="1076325"/>
-            <a:ext cx="8329642" cy="5248275"/>
-          </a:xfrm>
-        </p:spPr>
-        <p:txBody>
-          <a:bodyPr/>
-          <a:lstStyle/>
-          <a:p>
-            <a:pPr marL="180000">
-              <a:lnSpc>
-                <a:spcPct val="150000"/>
-              </a:lnSpc>
-            </a:pPr>
-            <a:r>
-              <a:rPr lang="zh-CN" altLang="en-US" sz="2400" dirty="0" smtClean="0"/>
-              <a:t>例：给定</a:t>
-            </a:r>
-            <a:r>
-              <a:rPr lang="en-US" sz="2400" dirty="0" smtClean="0"/>
-              <a:t>(</a:t>
-            </a:r>
-            <a:r>
-              <a:rPr lang="zh-CN" altLang="en-US" sz="2400" dirty="0" smtClean="0"/>
-              <a:t>正</a:t>
-            </a:r>
-            <a:r>
-              <a:rPr lang="en-US" sz="2400" dirty="0" smtClean="0"/>
-              <a:t>)</a:t>
-            </a:r>
-            <a:r>
-              <a:rPr lang="zh-CN" altLang="en-US" sz="2400" dirty="0" smtClean="0"/>
-              <a:t>整数</a:t>
-            </a:r>
-            <a:r>
-              <a:rPr lang="en-US" sz="2400" dirty="0" smtClean="0"/>
-              <a:t>  </a:t>
-            </a:r>
-            <a:r>
-              <a:rPr lang="zh-CN" altLang="en-US" sz="2400" dirty="0" smtClean="0"/>
-              <a:t>、</a:t>
-            </a:r>
-            <a:r>
-              <a:rPr lang="en-US" altLang="zh-CN" sz="2400" dirty="0" smtClean="0"/>
-              <a:t> </a:t>
-            </a:r>
-            <a:r>
-              <a:rPr lang="zh-CN" altLang="en-US" sz="2400" dirty="0" smtClean="0"/>
-              <a:t>、</a:t>
-            </a:r>
-            <a:r>
-              <a:rPr lang="en-US" altLang="zh-CN" sz="2400" dirty="0" smtClean="0"/>
-              <a:t> </a:t>
-            </a:r>
-            <a:r>
-              <a:rPr lang="zh-CN" altLang="en-US" sz="2400" dirty="0" smtClean="0"/>
-              <a:t>，求二元一次方程           有多少组不同的正整数解。</a:t>
-            </a:r>
-            <a:endParaRPr lang="en-US" altLang="zh-CN" sz="2400" dirty="0" smtClean="0"/>
-          </a:p>
-          <a:p>
-            <a:pPr marL="180000" algn="just">
-              <a:lnSpc>
-                <a:spcPts val="3400"/>
-              </a:lnSpc>
-              <a:buNone/>
-            </a:pPr>
-            <a:r>
-              <a:rPr lang="zh-CN" altLang="en-US" sz="2400" dirty="0" smtClean="0"/>
-              <a:t> 解题思路：</a:t>
-            </a:r>
-            <a:r>
-              <a:rPr lang="en-US" altLang="zh-CN" sz="2400" dirty="0" smtClean="0"/>
-              <a:t>(2)</a:t>
-            </a:r>
-            <a:r>
-              <a:rPr lang="zh-CN" altLang="en-US" sz="2400" dirty="0" smtClean="0"/>
-              <a:t>根据扩展欧几里得算法知，对任意的整数</a:t>
-            </a:r>
-            <a:r>
-              <a:rPr lang="en-US" sz="2400" dirty="0" smtClean="0"/>
-              <a:t>  </a:t>
-            </a:r>
-            <a:r>
-              <a:rPr lang="zh-CN" altLang="en-US" sz="2400" dirty="0" smtClean="0"/>
-              <a:t>和整数</a:t>
-            </a:r>
-            <a:r>
-              <a:rPr lang="en-US" sz="2400" dirty="0" smtClean="0"/>
-              <a:t>  </a:t>
-            </a:r>
-            <a:r>
-              <a:rPr lang="zh-CN" altLang="en-US" sz="2400" dirty="0" smtClean="0"/>
-              <a:t>存在一组</a:t>
-            </a:r>
-            <a:r>
-              <a:rPr lang="en-US" sz="2400" dirty="0" smtClean="0"/>
-              <a:t>      </a:t>
-            </a:r>
-            <a:r>
-              <a:rPr lang="zh-CN" altLang="en-US" sz="2400" dirty="0" smtClean="0"/>
-              <a:t>有</a:t>
-            </a:r>
-            <a:r>
-              <a:rPr lang="en-US" sz="2400" dirty="0" smtClean="0"/>
-              <a:t>                    </a:t>
-            </a:r>
-            <a:r>
-              <a:rPr lang="zh-CN" altLang="en-US" sz="2400" dirty="0" smtClean="0"/>
-              <a:t>成立。若</a:t>
-            </a:r>
-            <a:endParaRPr lang="en-US" altLang="zh-CN" sz="2400" dirty="0" smtClean="0"/>
-          </a:p>
-          <a:p>
-            <a:pPr marL="180000" algn="just">
-              <a:lnSpc>
-                <a:spcPts val="3400"/>
-              </a:lnSpc>
-              <a:buNone/>
-            </a:pPr>
-            <a:r>
-              <a:rPr lang="en-US" sz="2400" dirty="0" smtClean="0"/>
-              <a:t>          </a:t>
-            </a:r>
-            <a:r>
-              <a:rPr lang="zh-CN" altLang="en-US" sz="2400" dirty="0" smtClean="0"/>
-              <a:t>不能整除  ，则上述二元一次方程无解并输出</a:t>
-            </a:r>
-            <a:r>
-              <a:rPr lang="en-US" sz="2400" dirty="0" smtClean="0"/>
-              <a:t>0</a:t>
-            </a:r>
-            <a:r>
-              <a:rPr lang="zh-CN" altLang="en-US" sz="2400" dirty="0" smtClean="0"/>
-              <a:t>。否则，计算</a:t>
-            </a:r>
-            <a:r>
-              <a:rPr lang="en-US" sz="2400" dirty="0" smtClean="0"/>
-              <a:t>                 </a:t>
-            </a:r>
-            <a:r>
-              <a:rPr lang="zh-CN" altLang="en-US" sz="2400" dirty="0" smtClean="0"/>
-              <a:t>并输出统计的</a:t>
-            </a:r>
-            <a:r>
-              <a:rPr lang="en-US" sz="2400" dirty="0" smtClean="0"/>
-              <a:t> </a:t>
-            </a:r>
-          </a:p>
-          <a:p>
-            <a:pPr marL="180000" algn="just">
-              <a:lnSpc>
-                <a:spcPts val="3400"/>
-              </a:lnSpc>
-              <a:buNone/>
-            </a:pPr>
-            <a:r>
-              <a:rPr lang="en-US" altLang="zh-CN" sz="2400" dirty="0" smtClean="0"/>
-              <a:t>           </a:t>
-            </a:r>
-            <a:r>
-              <a:rPr lang="zh-CN" altLang="en-US" sz="2400" dirty="0" smtClean="0"/>
-              <a:t>都是正整数个数。</a:t>
-            </a:r>
-          </a:p>
-          <a:p>
-            <a:pPr marL="180000">
-              <a:lnSpc>
-                <a:spcPts val="3400"/>
-              </a:lnSpc>
-              <a:buNone/>
-            </a:pPr>
-            <a:endParaRPr lang="en-US" altLang="zh-CN" sz="2400" dirty="0" smtClean="0"/>
-          </a:p>
-          <a:p>
-            <a:pPr marL="180000">
-              <a:lnSpc>
-                <a:spcPct val="150000"/>
-              </a:lnSpc>
-              <a:buNone/>
-            </a:pPr>
-            <a:endParaRPr lang="en-US" altLang="zh-CN" sz="2400" dirty="0" smtClean="0"/>
-          </a:p>
-          <a:p>
-            <a:pPr marL="180000">
-              <a:lnSpc>
-                <a:spcPct val="150000"/>
-              </a:lnSpc>
-              <a:buNone/>
-            </a:pPr>
-            <a:r>
-              <a:rPr lang="en-US" sz="2400" dirty="0" smtClean="0">
-                <a:solidFill>
-                  <a:srgbClr val="0000FF"/>
-                </a:solidFill>
-              </a:rPr>
-              <a:t>  </a:t>
-            </a:r>
-            <a:endParaRPr lang="en-US" altLang="zh-CN" sz="2400" dirty="0" smtClean="0">
-              <a:solidFill>
-                <a:srgbClr val="0000FF"/>
-              </a:solidFill>
-            </a:endParaRPr>
-          </a:p>
-          <a:p>
-            <a:pPr>
-              <a:buNone/>
-            </a:pPr>
-            <a:r>
-              <a:rPr lang="zh-CN" altLang="en-US" sz="2400" dirty="0" smtClean="0"/>
-              <a:t>  </a:t>
-            </a:r>
-            <a:endParaRPr lang="zh-CN" altLang="en-US" sz="2200" dirty="0" smtClean="0"/>
-          </a:p>
-        </p:txBody>
-      </p:sp>
-      <p:sp>
-        <p:nvSpPr>
-          <p:cNvPr id="1026" name="Rectangle 2"/>
-          <p:cNvSpPr>
-            <a:spLocks noChangeArrowheads="1"/>
-          </p:cNvSpPr>
-          <p:nvPr/>
-        </p:nvSpPr>
-        <p:spPr bwMode="auto">
-          <a:xfrm>
-            <a:off x="0" y="0"/>
-            <a:ext cx="9144000" cy="0"/>
-          </a:xfrm>
-          <a:prstGeom prst="rect">
-            <a:avLst/>
-          </a:prstGeom>
-          <a:noFill/>
-          <a:ln w="9525">
-            <a:noFill/>
-            <a:miter lim="800000"/>
-            <a:headEnd/>
-            <a:tailEnd/>
-          </a:ln>
-          <a:effectLst/>
-        </p:spPr>
-        <p:txBody>
-          <a:bodyPr vert="horz" wrap="none" lIns="91440" tIns="45720" rIns="91440" bIns="45720" numCol="1" anchor="ctr" anchorCtr="0" compatLnSpc="1">
-            <a:prstTxWarp prst="textNoShape">
-              <a:avLst/>
-            </a:prstTxWarp>
-            <a:spAutoFit/>
-          </a:bodyPr>
-          <a:lstStyle/>
-          <a:p>
-            <a:endParaRPr lang="zh-CN" altLang="en-US"/>
-          </a:p>
-        </p:txBody>
-      </p:sp>
-      <p:sp>
-        <p:nvSpPr>
-          <p:cNvPr id="1028" name="Rectangle 4"/>
-          <p:cNvSpPr>
-            <a:spLocks noChangeArrowheads="1"/>
-          </p:cNvSpPr>
-          <p:nvPr/>
-        </p:nvSpPr>
-        <p:spPr bwMode="auto">
-          <a:xfrm>
-            <a:off x="0" y="0"/>
-            <a:ext cx="9144000" cy="0"/>
-          </a:xfrm>
-          <a:prstGeom prst="rect">
-            <a:avLst/>
-          </a:prstGeom>
-          <a:noFill/>
-          <a:ln w="9525">
-            <a:noFill/>
-            <a:miter lim="800000"/>
-            <a:headEnd/>
-            <a:tailEnd/>
-          </a:ln>
-          <a:effectLst/>
-        </p:spPr>
-        <p:txBody>
-          <a:bodyPr vert="horz" wrap="none" lIns="91440" tIns="45720" rIns="91440" bIns="45720" numCol="1" anchor="ctr" anchorCtr="0" compatLnSpc="1">
-            <a:prstTxWarp prst="textNoShape">
-              <a:avLst/>
-            </a:prstTxWarp>
-            <a:spAutoFit/>
-          </a:bodyPr>
-          <a:lstStyle/>
-          <a:p>
-            <a:endParaRPr lang="zh-CN" altLang="en-US"/>
-          </a:p>
-        </p:txBody>
-      </p:sp>
-      <p:graphicFrame>
-        <p:nvGraphicFramePr>
-          <p:cNvPr id="46084" name="Object 16"/>
-          <p:cNvGraphicFramePr>
-            <a:graphicFrameLocks noChangeAspect="1"/>
-          </p:cNvGraphicFramePr>
-          <p:nvPr/>
-        </p:nvGraphicFramePr>
-        <p:xfrm>
-          <a:off x="3786182" y="1238235"/>
-          <a:ext cx="303611" cy="404815"/>
-        </p:xfrm>
-        <a:graphic>
-          <a:graphicData uri="http://schemas.openxmlformats.org/presentationml/2006/ole">
-            <p:oleObj spid="_x0000_s53250" name="Equation" r:id="rId3" imgW="126720" imgH="177480" progId="Equation.DSMT4">
-              <p:embed/>
-            </p:oleObj>
-          </a:graphicData>
-        </a:graphic>
-      </p:graphicFrame>
-      <p:graphicFrame>
-        <p:nvGraphicFramePr>
-          <p:cNvPr id="46085" name="Object 16"/>
-          <p:cNvGraphicFramePr>
-            <a:graphicFrameLocks noChangeAspect="1"/>
-          </p:cNvGraphicFramePr>
-          <p:nvPr/>
-        </p:nvGraphicFramePr>
-        <p:xfrm>
-          <a:off x="4214810" y="1310494"/>
-          <a:ext cx="285752" cy="332556"/>
-        </p:xfrm>
-        <a:graphic>
-          <a:graphicData uri="http://schemas.openxmlformats.org/presentationml/2006/ole">
-            <p:oleObj spid="_x0000_s53251" name="Equation" r:id="rId4" imgW="114120" imgH="139680" progId="Equation.DSMT4">
-              <p:embed/>
-            </p:oleObj>
-          </a:graphicData>
-        </a:graphic>
-      </p:graphicFrame>
-      <p:graphicFrame>
-        <p:nvGraphicFramePr>
-          <p:cNvPr id="46086" name="Object 16"/>
-          <p:cNvGraphicFramePr>
-            <a:graphicFrameLocks noChangeAspect="1"/>
-          </p:cNvGraphicFramePr>
-          <p:nvPr/>
-        </p:nvGraphicFramePr>
-        <p:xfrm>
-          <a:off x="7000892" y="1214422"/>
-          <a:ext cx="1714512" cy="474844"/>
-        </p:xfrm>
-        <a:graphic>
-          <a:graphicData uri="http://schemas.openxmlformats.org/presentationml/2006/ole">
-            <p:oleObj spid="_x0000_s53252" name="Equation" r:id="rId5" imgW="698400" imgH="203040" progId="Equation.DSMT4">
-              <p:embed/>
-            </p:oleObj>
-          </a:graphicData>
-        </a:graphic>
-      </p:graphicFrame>
-      <p:graphicFrame>
-        <p:nvGraphicFramePr>
-          <p:cNvPr id="48134" name="Object 6"/>
-          <p:cNvGraphicFramePr>
-            <a:graphicFrameLocks noChangeAspect="1"/>
-          </p:cNvGraphicFramePr>
-          <p:nvPr/>
-        </p:nvGraphicFramePr>
-        <p:xfrm>
-          <a:off x="3286116" y="1317613"/>
-          <a:ext cx="312737" cy="325437"/>
-        </p:xfrm>
-        <a:graphic>
-          <a:graphicData uri="http://schemas.openxmlformats.org/presentationml/2006/ole">
-            <p:oleObj spid="_x0000_s53253" name="Equation" r:id="rId6" imgW="126720" imgH="139680" progId="Equation.DSMT4">
-              <p:embed/>
-            </p:oleObj>
-          </a:graphicData>
-        </a:graphic>
-      </p:graphicFrame>
-      <p:graphicFrame>
-        <p:nvGraphicFramePr>
-          <p:cNvPr id="48143" name="Object 6"/>
-          <p:cNvGraphicFramePr>
-            <a:graphicFrameLocks noChangeAspect="1"/>
-          </p:cNvGraphicFramePr>
-          <p:nvPr/>
-        </p:nvGraphicFramePr>
-        <p:xfrm>
-          <a:off x="7975626" y="2387595"/>
-          <a:ext cx="311150" cy="327025"/>
-        </p:xfrm>
-        <a:graphic>
-          <a:graphicData uri="http://schemas.openxmlformats.org/presentationml/2006/ole">
-            <p:oleObj spid="_x0000_s53254" name="Equation" r:id="rId7" imgW="126720" imgH="139680" progId="Equation.DSMT4">
-              <p:embed/>
-            </p:oleObj>
-          </a:graphicData>
-        </a:graphic>
-      </p:graphicFrame>
-      <p:graphicFrame>
-        <p:nvGraphicFramePr>
-          <p:cNvPr id="53258" name="Object 6"/>
-          <p:cNvGraphicFramePr>
-            <a:graphicFrameLocks noChangeAspect="1"/>
-          </p:cNvGraphicFramePr>
-          <p:nvPr/>
-        </p:nvGraphicFramePr>
-        <p:xfrm>
-          <a:off x="1546206" y="2727323"/>
-          <a:ext cx="311150" cy="415925"/>
-        </p:xfrm>
-        <a:graphic>
-          <a:graphicData uri="http://schemas.openxmlformats.org/presentationml/2006/ole">
-            <p:oleObj spid="_x0000_s53258" name="Equation" r:id="rId8" imgW="126720" imgH="177480" progId="Equation.DSMT4">
-              <p:embed/>
-            </p:oleObj>
-          </a:graphicData>
-        </a:graphic>
-      </p:graphicFrame>
-      <p:graphicFrame>
-        <p:nvGraphicFramePr>
-          <p:cNvPr id="53259" name="Object 6"/>
-          <p:cNvGraphicFramePr>
-            <a:graphicFrameLocks noChangeAspect="1"/>
-          </p:cNvGraphicFramePr>
-          <p:nvPr/>
-        </p:nvGraphicFramePr>
-        <p:xfrm>
-          <a:off x="2982909" y="2679699"/>
-          <a:ext cx="1089025" cy="534987"/>
-        </p:xfrm>
-        <a:graphic>
-          <a:graphicData uri="http://schemas.openxmlformats.org/presentationml/2006/ole">
-            <p:oleObj spid="_x0000_s53259" name="Equation" r:id="rId9" imgW="444240" imgH="228600" progId="Equation.DSMT4">
-              <p:embed/>
-            </p:oleObj>
-          </a:graphicData>
-        </a:graphic>
-      </p:graphicFrame>
-      <p:graphicFrame>
-        <p:nvGraphicFramePr>
-          <p:cNvPr id="53260" name="Object 12"/>
-          <p:cNvGraphicFramePr>
-            <a:graphicFrameLocks noChangeAspect="1"/>
-          </p:cNvGraphicFramePr>
-          <p:nvPr/>
-        </p:nvGraphicFramePr>
-        <p:xfrm>
-          <a:off x="4267219" y="2679698"/>
-          <a:ext cx="3019425" cy="534988"/>
-        </p:xfrm>
-        <a:graphic>
-          <a:graphicData uri="http://schemas.openxmlformats.org/presentationml/2006/ole">
-            <p:oleObj spid="_x0000_s53260" name="Equation" r:id="rId10" imgW="1231560" imgH="228600" progId="Equation.DSMT4">
-              <p:embed/>
-            </p:oleObj>
-          </a:graphicData>
-        </a:graphic>
-      </p:graphicFrame>
-      <p:graphicFrame>
-        <p:nvGraphicFramePr>
-          <p:cNvPr id="53261" name="Object 13"/>
-          <p:cNvGraphicFramePr>
-            <a:graphicFrameLocks noChangeAspect="1"/>
-          </p:cNvGraphicFramePr>
-          <p:nvPr/>
-        </p:nvGraphicFramePr>
-        <p:xfrm>
-          <a:off x="571472" y="3238502"/>
-          <a:ext cx="1431925" cy="476250"/>
-        </p:xfrm>
-        <a:graphic>
-          <a:graphicData uri="http://schemas.openxmlformats.org/presentationml/2006/ole">
-            <p:oleObj spid="_x0000_s53261" name="Equation" r:id="rId11" imgW="583920" imgH="203040" progId="Equation.DSMT4">
-              <p:embed/>
-            </p:oleObj>
-          </a:graphicData>
-        </a:graphic>
-      </p:graphicFrame>
-      <p:graphicFrame>
-        <p:nvGraphicFramePr>
-          <p:cNvPr id="53262" name="Object 14"/>
-          <p:cNvGraphicFramePr>
-            <a:graphicFrameLocks noChangeAspect="1"/>
-          </p:cNvGraphicFramePr>
-          <p:nvPr/>
-        </p:nvGraphicFramePr>
-        <p:xfrm>
-          <a:off x="3221030" y="3316289"/>
-          <a:ext cx="279400" cy="327025"/>
-        </p:xfrm>
-        <a:graphic>
-          <a:graphicData uri="http://schemas.openxmlformats.org/presentationml/2006/ole">
-            <p:oleObj spid="_x0000_s53262" name="Equation" r:id="rId12" imgW="114120" imgH="139680" progId="Equation.DSMT4">
-              <p:embed/>
-            </p:oleObj>
-          </a:graphicData>
-        </a:graphic>
-      </p:graphicFrame>
-      <p:graphicFrame>
-        <p:nvGraphicFramePr>
-          <p:cNvPr id="53263" name="Object 15"/>
-          <p:cNvGraphicFramePr>
-            <a:graphicFrameLocks noChangeAspect="1"/>
-          </p:cNvGraphicFramePr>
-          <p:nvPr/>
-        </p:nvGraphicFramePr>
-        <p:xfrm>
-          <a:off x="2225676" y="3667130"/>
-          <a:ext cx="2489200" cy="476250"/>
-        </p:xfrm>
-        <a:graphic>
-          <a:graphicData uri="http://schemas.openxmlformats.org/presentationml/2006/ole">
-            <p:oleObj spid="_x0000_s53263" name="Equation" r:id="rId13" imgW="1015920" imgH="203040" progId="Equation.DSMT4">
-              <p:embed/>
-            </p:oleObj>
-          </a:graphicData>
-        </a:graphic>
-      </p:graphicFrame>
-      <p:graphicFrame>
-        <p:nvGraphicFramePr>
-          <p:cNvPr id="53264" name="Object 16"/>
-          <p:cNvGraphicFramePr>
-            <a:graphicFrameLocks noChangeAspect="1"/>
-          </p:cNvGraphicFramePr>
-          <p:nvPr/>
-        </p:nvGraphicFramePr>
-        <p:xfrm>
-          <a:off x="6575450" y="3714755"/>
-          <a:ext cx="1568450" cy="428625"/>
-        </p:xfrm>
-        <a:graphic>
-          <a:graphicData uri="http://schemas.openxmlformats.org/presentationml/2006/ole">
-            <p:oleObj spid="_x0000_s53264" name="Equation" r:id="rId14" imgW="711000" imgH="203040" progId="Equation.DSMT4">
-              <p:embed/>
-            </p:oleObj>
-          </a:graphicData>
-        </a:graphic>
-      </p:graphicFrame>
-      <p:graphicFrame>
-        <p:nvGraphicFramePr>
-          <p:cNvPr id="53265" name="Object 17"/>
-          <p:cNvGraphicFramePr>
-            <a:graphicFrameLocks noChangeAspect="1"/>
-          </p:cNvGraphicFramePr>
-          <p:nvPr/>
-        </p:nvGraphicFramePr>
-        <p:xfrm>
-          <a:off x="630221" y="4214821"/>
-          <a:ext cx="1512887" cy="428625"/>
-        </p:xfrm>
-        <a:graphic>
-          <a:graphicData uri="http://schemas.openxmlformats.org/presentationml/2006/ole">
-            <p:oleObj spid="_x0000_s53265" name="Equation" r:id="rId15" imgW="685800" imgH="203040" progId="Equation.DSMT4">
-              <p:embed/>
-            </p:oleObj>
-          </a:graphicData>
-        </a:graphic>
-      </p:graphicFrame>
-    </p:spTree>
-  </p:cSld>
-  <p:clrMapOvr>
-    <a:masterClrMapping/>
-  </p:clrMapOvr>
-  <p:timing>
-    <p:tnLst>
-      <p:par>
-        <p:cTn id="1" dur="indefinite" restart="never" nodeType="tmRoot"/>
-      </p:par>
-    </p:tnLst>
-  </p:timing>
-</p:sld>
-</file>
-
-<file path=ppt/slides/slide16.xml><?xml version="1.0" encoding="utf-8"?>
-<p:sld xmlns:a="http://schemas.openxmlformats.org/drawingml/2006/main" xmlns:r="http://schemas.openxmlformats.org/officeDocument/2006/relationships" xmlns:p="http://schemas.openxmlformats.org/presentationml/2006/main">
-  <p:cSld>
-    <p:spTree>
-      <p:nvGrpSpPr>
-        <p:cNvPr id="1" name=""/>
-        <p:cNvGrpSpPr/>
-        <p:nvPr/>
-      </p:nvGrpSpPr>
-      <p:grpSpPr>
-        <a:xfrm>
-          <a:off x="0" y="0"/>
-          <a:ext cx="0" cy="0"/>
-          <a:chOff x="0" y="0"/>
-          <a:chExt cx="0" cy="0"/>
-        </a:xfrm>
-      </p:grpSpPr>
-      <p:sp>
-        <p:nvSpPr>
-          <p:cNvPr id="4098" name="标题 1"/>
-          <p:cNvSpPr>
-            <a:spLocks noGrp="1"/>
-          </p:cNvSpPr>
-          <p:nvPr>
-            <p:ph type="title"/>
-          </p:nvPr>
-        </p:nvSpPr>
-        <p:spPr/>
-        <p:txBody>
-          <a:bodyPr/>
-          <a:lstStyle/>
-          <a:p>
-            <a:r>
-              <a:rPr lang="zh-CN" altLang="en-US" dirty="0" smtClean="0">
-                <a:ea typeface="宋体" pitchFamily="2" charset="-122"/>
-              </a:rPr>
-              <a:t>三、例题</a:t>
-            </a:r>
-          </a:p>
-        </p:txBody>
-      </p:sp>
-      <p:sp>
-        <p:nvSpPr>
-          <p:cNvPr id="4099" name="内容占位符 2"/>
-          <p:cNvSpPr>
-            <a:spLocks noGrp="1"/>
-          </p:cNvSpPr>
-          <p:nvPr>
-            <p:ph idx="1"/>
-          </p:nvPr>
-        </p:nvSpPr>
-        <p:spPr>
-          <a:xfrm>
-            <a:off x="357158" y="1076325"/>
-            <a:ext cx="8329642" cy="5248275"/>
-          </a:xfrm>
-        </p:spPr>
-        <p:txBody>
-          <a:bodyPr/>
-          <a:lstStyle/>
-          <a:p>
-            <a:pPr marL="180000">
-              <a:lnSpc>
-                <a:spcPct val="150000"/>
-              </a:lnSpc>
-            </a:pPr>
-            <a:r>
-              <a:rPr lang="zh-CN" altLang="en-US" sz="2400" dirty="0" smtClean="0"/>
-              <a:t>例：给定</a:t>
-            </a:r>
-            <a:r>
-              <a:rPr lang="en-US" sz="2400" dirty="0" smtClean="0"/>
-              <a:t>(</a:t>
-            </a:r>
-            <a:r>
-              <a:rPr lang="zh-CN" altLang="en-US" sz="2400" dirty="0" smtClean="0"/>
-              <a:t>正</a:t>
-            </a:r>
-            <a:r>
-              <a:rPr lang="en-US" sz="2400" dirty="0" smtClean="0"/>
-              <a:t>)</a:t>
-            </a:r>
-            <a:r>
-              <a:rPr lang="zh-CN" altLang="en-US" sz="2400" dirty="0" smtClean="0"/>
-              <a:t>整数</a:t>
-            </a:r>
-            <a:r>
-              <a:rPr lang="en-US" sz="2400" dirty="0" smtClean="0"/>
-              <a:t>  </a:t>
-            </a:r>
-            <a:r>
-              <a:rPr lang="zh-CN" altLang="en-US" sz="2400" dirty="0" smtClean="0"/>
-              <a:t>、</a:t>
-            </a:r>
-            <a:r>
-              <a:rPr lang="en-US" altLang="zh-CN" sz="2400" dirty="0" smtClean="0"/>
-              <a:t> </a:t>
-            </a:r>
-            <a:r>
-              <a:rPr lang="zh-CN" altLang="en-US" sz="2400" dirty="0" smtClean="0"/>
-              <a:t>、</a:t>
-            </a:r>
-            <a:r>
-              <a:rPr lang="en-US" altLang="zh-CN" sz="2400" dirty="0" smtClean="0"/>
-              <a:t> </a:t>
-            </a:r>
-            <a:r>
-              <a:rPr lang="zh-CN" altLang="en-US" sz="2400" dirty="0" smtClean="0"/>
-              <a:t>，求二元一次方程           有多少组不同的正整数解。</a:t>
-            </a:r>
-            <a:endParaRPr lang="en-US" altLang="zh-CN" sz="2400" dirty="0" smtClean="0"/>
-          </a:p>
-          <a:p>
-            <a:pPr marL="180000" algn="just">
-              <a:lnSpc>
-                <a:spcPts val="3400"/>
-              </a:lnSpc>
-              <a:buNone/>
-            </a:pPr>
-            <a:r>
-              <a:rPr lang="zh-CN" altLang="en-US" sz="2400" dirty="0" smtClean="0"/>
-              <a:t>  相关算法：</a:t>
-            </a:r>
-            <a:r>
-              <a:rPr lang="en-US" altLang="zh-CN" sz="2400" dirty="0" smtClean="0">
-                <a:sym typeface="Wingdings" pitchFamily="2" charset="2"/>
-              </a:rPr>
-              <a:t>(1)</a:t>
-            </a:r>
-            <a:r>
-              <a:rPr lang="en-US" altLang="zh-CN" sz="2400" dirty="0" err="1" smtClean="0">
-                <a:sym typeface="Wingdings" pitchFamily="2" charset="2"/>
-              </a:rPr>
-              <a:t>gcd</a:t>
-            </a:r>
-            <a:r>
-              <a:rPr lang="zh-CN" altLang="en-US" sz="2400" dirty="0" smtClean="0">
-                <a:sym typeface="Wingdings" pitchFamily="2" charset="2"/>
-              </a:rPr>
-              <a:t>算法</a:t>
-            </a:r>
-            <a:endParaRPr lang="zh-CN" altLang="en-US" sz="2400" dirty="0" smtClean="0"/>
-          </a:p>
-          <a:p>
-            <a:pPr marL="180000">
-              <a:lnSpc>
-                <a:spcPct val="150000"/>
-              </a:lnSpc>
-              <a:buNone/>
-            </a:pPr>
-            <a:endParaRPr lang="en-US" altLang="zh-CN" sz="2400" dirty="0" smtClean="0"/>
-          </a:p>
-          <a:p>
-            <a:pPr marL="180000">
-              <a:lnSpc>
-                <a:spcPct val="150000"/>
-              </a:lnSpc>
-              <a:buNone/>
-            </a:pPr>
-            <a:r>
-              <a:rPr lang="en-US" sz="2400" dirty="0" smtClean="0">
-                <a:solidFill>
-                  <a:srgbClr val="0000FF"/>
-                </a:solidFill>
-              </a:rPr>
-              <a:t>  </a:t>
-            </a:r>
-            <a:endParaRPr lang="en-US" altLang="zh-CN" sz="2400" dirty="0" smtClean="0">
-              <a:solidFill>
-                <a:srgbClr val="0000FF"/>
-              </a:solidFill>
-            </a:endParaRPr>
-          </a:p>
-          <a:p>
-            <a:pPr>
-              <a:buNone/>
-            </a:pPr>
-            <a:r>
-              <a:rPr lang="zh-CN" altLang="en-US" sz="2400" dirty="0" smtClean="0"/>
-              <a:t>  </a:t>
-            </a:r>
-            <a:endParaRPr lang="zh-CN" altLang="en-US" sz="2200" dirty="0" smtClean="0"/>
-          </a:p>
-        </p:txBody>
-      </p:sp>
-      <p:sp>
-        <p:nvSpPr>
-          <p:cNvPr id="1026" name="Rectangle 2"/>
-          <p:cNvSpPr>
-            <a:spLocks noChangeArrowheads="1"/>
-          </p:cNvSpPr>
-          <p:nvPr/>
-        </p:nvSpPr>
-        <p:spPr bwMode="auto">
-          <a:xfrm>
-            <a:off x="0" y="0"/>
-            <a:ext cx="9144000" cy="0"/>
-          </a:xfrm>
-          <a:prstGeom prst="rect">
-            <a:avLst/>
-          </a:prstGeom>
-          <a:noFill/>
-          <a:ln w="9525">
-            <a:noFill/>
-            <a:miter lim="800000"/>
-            <a:headEnd/>
-            <a:tailEnd/>
-          </a:ln>
-          <a:effectLst/>
-        </p:spPr>
-        <p:txBody>
-          <a:bodyPr vert="horz" wrap="none" lIns="91440" tIns="45720" rIns="91440" bIns="45720" numCol="1" anchor="ctr" anchorCtr="0" compatLnSpc="1">
-            <a:prstTxWarp prst="textNoShape">
-              <a:avLst/>
-            </a:prstTxWarp>
-            <a:spAutoFit/>
-          </a:bodyPr>
-          <a:lstStyle/>
-          <a:p>
-            <a:endParaRPr lang="zh-CN" altLang="en-US"/>
-          </a:p>
-        </p:txBody>
-      </p:sp>
-      <p:sp>
-        <p:nvSpPr>
-          <p:cNvPr id="1028" name="Rectangle 4"/>
-          <p:cNvSpPr>
-            <a:spLocks noChangeArrowheads="1"/>
-          </p:cNvSpPr>
-          <p:nvPr/>
-        </p:nvSpPr>
-        <p:spPr bwMode="auto">
-          <a:xfrm>
-            <a:off x="0" y="0"/>
-            <a:ext cx="9144000" cy="0"/>
-          </a:xfrm>
-          <a:prstGeom prst="rect">
-            <a:avLst/>
-          </a:prstGeom>
-          <a:noFill/>
-          <a:ln w="9525">
-            <a:noFill/>
-            <a:miter lim="800000"/>
-            <a:headEnd/>
-            <a:tailEnd/>
-          </a:ln>
-          <a:effectLst/>
-        </p:spPr>
-        <p:txBody>
-          <a:bodyPr vert="horz" wrap="none" lIns="91440" tIns="45720" rIns="91440" bIns="45720" numCol="1" anchor="ctr" anchorCtr="0" compatLnSpc="1">
-            <a:prstTxWarp prst="textNoShape">
-              <a:avLst/>
-            </a:prstTxWarp>
-            <a:spAutoFit/>
-          </a:bodyPr>
-          <a:lstStyle/>
-          <a:p>
-            <a:endParaRPr lang="zh-CN" altLang="en-US"/>
-          </a:p>
-        </p:txBody>
-      </p:sp>
-      <p:graphicFrame>
-        <p:nvGraphicFramePr>
-          <p:cNvPr id="46084" name="Object 16"/>
-          <p:cNvGraphicFramePr>
-            <a:graphicFrameLocks noChangeAspect="1"/>
-          </p:cNvGraphicFramePr>
-          <p:nvPr/>
-        </p:nvGraphicFramePr>
-        <p:xfrm>
-          <a:off x="3786182" y="1238235"/>
-          <a:ext cx="303611" cy="404815"/>
-        </p:xfrm>
-        <a:graphic>
-          <a:graphicData uri="http://schemas.openxmlformats.org/presentationml/2006/ole">
-            <p:oleObj spid="_x0000_s54274" name="Equation" r:id="rId3" imgW="126720" imgH="177480" progId="Equation.DSMT4">
-              <p:embed/>
-            </p:oleObj>
-          </a:graphicData>
-        </a:graphic>
-      </p:graphicFrame>
-      <p:graphicFrame>
-        <p:nvGraphicFramePr>
-          <p:cNvPr id="46085" name="Object 16"/>
-          <p:cNvGraphicFramePr>
-            <a:graphicFrameLocks noChangeAspect="1"/>
-          </p:cNvGraphicFramePr>
-          <p:nvPr/>
-        </p:nvGraphicFramePr>
-        <p:xfrm>
-          <a:off x="4214810" y="1310494"/>
-          <a:ext cx="285752" cy="332556"/>
-        </p:xfrm>
-        <a:graphic>
-          <a:graphicData uri="http://schemas.openxmlformats.org/presentationml/2006/ole">
-            <p:oleObj spid="_x0000_s54275" name="Equation" r:id="rId4" imgW="114120" imgH="139680" progId="Equation.DSMT4">
-              <p:embed/>
-            </p:oleObj>
-          </a:graphicData>
-        </a:graphic>
-      </p:graphicFrame>
-      <p:graphicFrame>
-        <p:nvGraphicFramePr>
-          <p:cNvPr id="46086" name="Object 16"/>
-          <p:cNvGraphicFramePr>
-            <a:graphicFrameLocks noChangeAspect="1"/>
-          </p:cNvGraphicFramePr>
-          <p:nvPr/>
-        </p:nvGraphicFramePr>
-        <p:xfrm>
-          <a:off x="7000892" y="1214422"/>
-          <a:ext cx="1714512" cy="474844"/>
-        </p:xfrm>
-        <a:graphic>
-          <a:graphicData uri="http://schemas.openxmlformats.org/presentationml/2006/ole">
-            <p:oleObj spid="_x0000_s54276" name="Equation" r:id="rId5" imgW="698400" imgH="203040" progId="Equation.DSMT4">
-              <p:embed/>
-            </p:oleObj>
-          </a:graphicData>
-        </a:graphic>
-      </p:graphicFrame>
-      <p:graphicFrame>
-        <p:nvGraphicFramePr>
-          <p:cNvPr id="48134" name="Object 6"/>
-          <p:cNvGraphicFramePr>
-            <a:graphicFrameLocks noChangeAspect="1"/>
-          </p:cNvGraphicFramePr>
-          <p:nvPr/>
-        </p:nvGraphicFramePr>
-        <p:xfrm>
-          <a:off x="3286116" y="1317613"/>
-          <a:ext cx="312737" cy="325437"/>
-        </p:xfrm>
-        <a:graphic>
-          <a:graphicData uri="http://schemas.openxmlformats.org/presentationml/2006/ole">
-            <p:oleObj spid="_x0000_s54277" name="Equation" r:id="rId6" imgW="126720" imgH="139680" progId="Equation.DSMT4">
-              <p:embed/>
-            </p:oleObj>
-          </a:graphicData>
-        </a:graphic>
-      </p:graphicFrame>
-      <p:pic>
-        <p:nvPicPr>
-          <p:cNvPr id="19" name="图片 18" descr="C:\Users\jsj\AppData\Roaming\Tencent\Users\565189595\QQ\WinTemp\RichOle\H)V3D6V~UT1P9)TRHIR4LWN.png"/>
-          <p:cNvPicPr/>
-          <p:nvPr/>
-        </p:nvPicPr>
-        <p:blipFill>
-          <a:blip r:embed="rId7">
-            <a:extLst>
-              <a:ext uri="{28A0092B-C50C-407E-A947-70E740481C1C}">
-                <a14:useLocalDpi xmlns:lc="http://schemas.openxmlformats.org/drawingml/2006/lockedCanvas" xmlns:pic="http://schemas.openxmlformats.org/drawingml/2006/picture" xmlns="" xmlns:wpc="http://schemas.microsoft.com/office/word/2010/wordprocessingCanvas" xmlns:mc="http://schemas.openxmlformats.org/markup-compatibility/2006" xmlns:o="urn:schemas-microsoft-com:office:office" xmlns:v="urn:schemas-microsoft-com:vml" xmlns:wp14="http://schemas.microsoft.com/office/word/2010/wordprocessingDrawing" xmlns:w10="urn:schemas-microsoft-com:office:word" xmlns:w="http://schemas.openxmlformats.org/wordprocessingml/2006/main" xmlns:w14="http://schemas.microsoft.com/office/word/2010/wordml" xmlns:w15="http://schemas.microsoft.com/office/word/2012/wordml" xmlns:wpg="http://schemas.microsoft.com/office/word/2010/wordprocessingGroup" xmlns:wpi="http://schemas.microsoft.com/office/word/2010/wordprocessingInk" xmlns:wps="http://schemas.microsoft.com/office/word/2010/wordprocessingShape" xmlns:a14="http://schemas.microsoft.com/office/drawing/2010/main" xmlns:wne="http://schemas.microsoft.com/office/word/2006/wordml" xmlns:wp="http://schemas.openxmlformats.org/drawingml/2006/wordprocessingDrawing" xmlns:m="http://schemas.openxmlformats.org/officeDocument/2006/math" xmlns:ve="http://schemas.openxmlformats.org/markup-compatibility/2006" val="0"/>
-              </a:ext>
-            </a:extLst>
-          </a:blip>
-          <a:srcRect/>
-          <a:stretch>
-            <a:fillRect/>
-          </a:stretch>
-        </p:blipFill>
-        <p:spPr bwMode="auto">
-          <a:xfrm>
-            <a:off x="1428728" y="3071810"/>
-            <a:ext cx="6715172" cy="2428892"/>
-          </a:xfrm>
-          <a:prstGeom prst="rect">
-            <a:avLst/>
-          </a:prstGeom>
-          <a:noFill/>
-          <a:ln>
-            <a:noFill/>
-          </a:ln>
-        </p:spPr>
-      </p:pic>
-    </p:spTree>
-  </p:cSld>
-  <p:clrMapOvr>
-    <a:masterClrMapping/>
-  </p:clrMapOvr>
-  <p:timing>
-    <p:tnLst>
-      <p:par>
-        <p:cTn id="1" dur="indefinite" restart="never" nodeType="tmRoot"/>
-      </p:par>
-    </p:tnLst>
-  </p:timing>
-</p:sld>
-</file>
-
-<file path=ppt/slides/slide17.xml><?xml version="1.0" encoding="utf-8"?>
-<p:sld xmlns:a="http://schemas.openxmlformats.org/drawingml/2006/main" xmlns:r="http://schemas.openxmlformats.org/officeDocument/2006/relationships" xmlns:p="http://schemas.openxmlformats.org/presentationml/2006/main">
-  <p:cSld>
-    <p:spTree>
-      <p:nvGrpSpPr>
-        <p:cNvPr id="1" name=""/>
-        <p:cNvGrpSpPr/>
-        <p:nvPr/>
-      </p:nvGrpSpPr>
-      <p:grpSpPr>
-        <a:xfrm>
-          <a:off x="0" y="0"/>
-          <a:ext cx="0" cy="0"/>
-          <a:chOff x="0" y="0"/>
-          <a:chExt cx="0" cy="0"/>
-        </a:xfrm>
-      </p:grpSpPr>
-      <p:sp>
-        <p:nvSpPr>
-          <p:cNvPr id="4098" name="标题 1"/>
-          <p:cNvSpPr>
-            <a:spLocks noGrp="1"/>
-          </p:cNvSpPr>
-          <p:nvPr>
-            <p:ph type="title"/>
-          </p:nvPr>
-        </p:nvSpPr>
-        <p:spPr/>
-        <p:txBody>
-          <a:bodyPr/>
-          <a:lstStyle/>
-          <a:p>
-            <a:r>
-              <a:rPr lang="zh-CN" altLang="en-US" dirty="0" smtClean="0">
-                <a:ea typeface="宋体" pitchFamily="2" charset="-122"/>
-              </a:rPr>
-              <a:t>三、例题</a:t>
-            </a:r>
-          </a:p>
-        </p:txBody>
-      </p:sp>
-      <p:sp>
-        <p:nvSpPr>
-          <p:cNvPr id="4099" name="内容占位符 2"/>
-          <p:cNvSpPr>
-            <a:spLocks noGrp="1"/>
-          </p:cNvSpPr>
-          <p:nvPr>
-            <p:ph idx="1"/>
-          </p:nvPr>
-        </p:nvSpPr>
-        <p:spPr>
-          <a:xfrm>
-            <a:off x="357158" y="1076325"/>
-            <a:ext cx="8329642" cy="5248275"/>
-          </a:xfrm>
-        </p:spPr>
-        <p:txBody>
-          <a:bodyPr/>
-          <a:lstStyle/>
-          <a:p>
-            <a:pPr marL="180000">
-              <a:lnSpc>
-                <a:spcPct val="150000"/>
-              </a:lnSpc>
-            </a:pPr>
-            <a:r>
-              <a:rPr lang="zh-CN" altLang="en-US" sz="2400" dirty="0" smtClean="0"/>
-              <a:t>例：给定</a:t>
-            </a:r>
-            <a:r>
-              <a:rPr lang="en-US" sz="2400" dirty="0" smtClean="0"/>
-              <a:t>(</a:t>
-            </a:r>
-            <a:r>
-              <a:rPr lang="zh-CN" altLang="en-US" sz="2400" dirty="0" smtClean="0"/>
-              <a:t>正</a:t>
-            </a:r>
-            <a:r>
-              <a:rPr lang="en-US" sz="2400" dirty="0" smtClean="0"/>
-              <a:t>)</a:t>
-            </a:r>
-            <a:r>
-              <a:rPr lang="zh-CN" altLang="en-US" sz="2400" dirty="0" smtClean="0"/>
-              <a:t>整数</a:t>
-            </a:r>
-            <a:r>
-              <a:rPr lang="en-US" sz="2400" dirty="0" smtClean="0"/>
-              <a:t>  </a:t>
-            </a:r>
-            <a:r>
-              <a:rPr lang="zh-CN" altLang="en-US" sz="2400" dirty="0" smtClean="0"/>
-              <a:t>、</a:t>
-            </a:r>
-            <a:r>
-              <a:rPr lang="en-US" altLang="zh-CN" sz="2400" dirty="0" smtClean="0"/>
-              <a:t> </a:t>
-            </a:r>
-            <a:r>
-              <a:rPr lang="zh-CN" altLang="en-US" sz="2400" dirty="0" smtClean="0"/>
-              <a:t>、</a:t>
-            </a:r>
-            <a:r>
-              <a:rPr lang="en-US" altLang="zh-CN" sz="2400" dirty="0" smtClean="0"/>
-              <a:t> </a:t>
-            </a:r>
-            <a:r>
-              <a:rPr lang="zh-CN" altLang="en-US" sz="2400" dirty="0" smtClean="0"/>
-              <a:t>，求二元一次方程           有多少组不同的正整数解。</a:t>
-            </a:r>
-            <a:endParaRPr lang="en-US" altLang="zh-CN" sz="2400" dirty="0" smtClean="0"/>
-          </a:p>
-          <a:p>
-            <a:pPr marL="180000" algn="just">
-              <a:lnSpc>
-                <a:spcPts val="3400"/>
-              </a:lnSpc>
-              <a:buNone/>
-            </a:pPr>
-            <a:r>
-              <a:rPr lang="zh-CN" altLang="en-US" sz="2400" dirty="0" smtClean="0"/>
-              <a:t>  相关算法：</a:t>
-            </a:r>
-            <a:r>
-              <a:rPr lang="en-US" altLang="zh-CN" sz="2400" dirty="0" smtClean="0">
-                <a:sym typeface="Wingdings" pitchFamily="2" charset="2"/>
-              </a:rPr>
-              <a:t>(2)</a:t>
-            </a:r>
-            <a:r>
-              <a:rPr lang="zh-CN" altLang="en-US" sz="2400" dirty="0" smtClean="0">
-                <a:sym typeface="Wingdings" pitchFamily="2" charset="2"/>
-              </a:rPr>
-              <a:t>扩展欧几里德算法</a:t>
-            </a:r>
-            <a:endParaRPr lang="zh-CN" altLang="en-US" sz="2400" dirty="0" smtClean="0"/>
-          </a:p>
-          <a:p>
-            <a:pPr marL="180000">
-              <a:lnSpc>
-                <a:spcPct val="150000"/>
-              </a:lnSpc>
-              <a:buNone/>
-            </a:pPr>
-            <a:endParaRPr lang="en-US" altLang="zh-CN" sz="2400" dirty="0" smtClean="0"/>
-          </a:p>
-          <a:p>
-            <a:pPr marL="180000">
-              <a:lnSpc>
-                <a:spcPct val="150000"/>
-              </a:lnSpc>
-              <a:buNone/>
-            </a:pPr>
-            <a:r>
-              <a:rPr lang="en-US" sz="2400" dirty="0" smtClean="0">
-                <a:solidFill>
-                  <a:srgbClr val="0000FF"/>
-                </a:solidFill>
-              </a:rPr>
-              <a:t>  </a:t>
-            </a:r>
-            <a:endParaRPr lang="en-US" altLang="zh-CN" sz="2400" dirty="0" smtClean="0">
-              <a:solidFill>
-                <a:srgbClr val="0000FF"/>
-              </a:solidFill>
-            </a:endParaRPr>
-          </a:p>
-          <a:p>
-            <a:pPr>
-              <a:buNone/>
-            </a:pPr>
-            <a:r>
-              <a:rPr lang="zh-CN" altLang="en-US" sz="2400" dirty="0" smtClean="0"/>
-              <a:t>  </a:t>
-            </a:r>
-            <a:endParaRPr lang="zh-CN" altLang="en-US" sz="2200" dirty="0" smtClean="0"/>
-          </a:p>
-        </p:txBody>
-      </p:sp>
-      <p:sp>
-        <p:nvSpPr>
-          <p:cNvPr id="1026" name="Rectangle 2"/>
-          <p:cNvSpPr>
-            <a:spLocks noChangeArrowheads="1"/>
-          </p:cNvSpPr>
-          <p:nvPr/>
-        </p:nvSpPr>
-        <p:spPr bwMode="auto">
-          <a:xfrm>
-            <a:off x="0" y="0"/>
-            <a:ext cx="9144000" cy="0"/>
-          </a:xfrm>
-          <a:prstGeom prst="rect">
-            <a:avLst/>
-          </a:prstGeom>
-          <a:noFill/>
-          <a:ln w="9525">
-            <a:noFill/>
-            <a:miter lim="800000"/>
-            <a:headEnd/>
-            <a:tailEnd/>
-          </a:ln>
-          <a:effectLst/>
-        </p:spPr>
-        <p:txBody>
-          <a:bodyPr vert="horz" wrap="none" lIns="91440" tIns="45720" rIns="91440" bIns="45720" numCol="1" anchor="ctr" anchorCtr="0" compatLnSpc="1">
-            <a:prstTxWarp prst="textNoShape">
-              <a:avLst/>
-            </a:prstTxWarp>
-            <a:spAutoFit/>
-          </a:bodyPr>
-          <a:lstStyle/>
-          <a:p>
-            <a:endParaRPr lang="zh-CN" altLang="en-US"/>
-          </a:p>
-        </p:txBody>
-      </p:sp>
-      <p:sp>
-        <p:nvSpPr>
-          <p:cNvPr id="1028" name="Rectangle 4"/>
-          <p:cNvSpPr>
-            <a:spLocks noChangeArrowheads="1"/>
-          </p:cNvSpPr>
-          <p:nvPr/>
-        </p:nvSpPr>
-        <p:spPr bwMode="auto">
-          <a:xfrm>
-            <a:off x="0" y="0"/>
-            <a:ext cx="9144000" cy="0"/>
-          </a:xfrm>
-          <a:prstGeom prst="rect">
-            <a:avLst/>
-          </a:prstGeom>
-          <a:noFill/>
-          <a:ln w="9525">
-            <a:noFill/>
-            <a:miter lim="800000"/>
-            <a:headEnd/>
-            <a:tailEnd/>
-          </a:ln>
-          <a:effectLst/>
-        </p:spPr>
-        <p:txBody>
-          <a:bodyPr vert="horz" wrap="none" lIns="91440" tIns="45720" rIns="91440" bIns="45720" numCol="1" anchor="ctr" anchorCtr="0" compatLnSpc="1">
-            <a:prstTxWarp prst="textNoShape">
-              <a:avLst/>
-            </a:prstTxWarp>
-            <a:spAutoFit/>
-          </a:bodyPr>
-          <a:lstStyle/>
-          <a:p>
-            <a:endParaRPr lang="zh-CN" altLang="en-US"/>
-          </a:p>
-        </p:txBody>
-      </p:sp>
-      <p:graphicFrame>
-        <p:nvGraphicFramePr>
-          <p:cNvPr id="46084" name="Object 16"/>
-          <p:cNvGraphicFramePr>
-            <a:graphicFrameLocks noChangeAspect="1"/>
-          </p:cNvGraphicFramePr>
-          <p:nvPr/>
-        </p:nvGraphicFramePr>
-        <p:xfrm>
-          <a:off x="3786182" y="1238235"/>
-          <a:ext cx="303611" cy="404815"/>
-        </p:xfrm>
-        <a:graphic>
-          <a:graphicData uri="http://schemas.openxmlformats.org/presentationml/2006/ole">
-            <p:oleObj spid="_x0000_s55298" name="Equation" r:id="rId3" imgW="126720" imgH="177480" progId="Equation.DSMT4">
-              <p:embed/>
-            </p:oleObj>
-          </a:graphicData>
-        </a:graphic>
-      </p:graphicFrame>
-      <p:graphicFrame>
-        <p:nvGraphicFramePr>
-          <p:cNvPr id="46085" name="Object 16"/>
-          <p:cNvGraphicFramePr>
-            <a:graphicFrameLocks noChangeAspect="1"/>
-          </p:cNvGraphicFramePr>
-          <p:nvPr/>
-        </p:nvGraphicFramePr>
-        <p:xfrm>
-          <a:off x="4214810" y="1310494"/>
-          <a:ext cx="285752" cy="332556"/>
-        </p:xfrm>
-        <a:graphic>
-          <a:graphicData uri="http://schemas.openxmlformats.org/presentationml/2006/ole">
-            <p:oleObj spid="_x0000_s55299" name="Equation" r:id="rId4" imgW="114120" imgH="139680" progId="Equation.DSMT4">
-              <p:embed/>
-            </p:oleObj>
-          </a:graphicData>
-        </a:graphic>
-      </p:graphicFrame>
-      <p:graphicFrame>
-        <p:nvGraphicFramePr>
-          <p:cNvPr id="46086" name="Object 16"/>
-          <p:cNvGraphicFramePr>
-            <a:graphicFrameLocks noChangeAspect="1"/>
-          </p:cNvGraphicFramePr>
-          <p:nvPr/>
-        </p:nvGraphicFramePr>
-        <p:xfrm>
-          <a:off x="7000892" y="1214422"/>
-          <a:ext cx="1714512" cy="474844"/>
-        </p:xfrm>
-        <a:graphic>
-          <a:graphicData uri="http://schemas.openxmlformats.org/presentationml/2006/ole">
-            <p:oleObj spid="_x0000_s55300" name="Equation" r:id="rId5" imgW="698400" imgH="203040" progId="Equation.DSMT4">
-              <p:embed/>
-            </p:oleObj>
-          </a:graphicData>
-        </a:graphic>
-      </p:graphicFrame>
-      <p:graphicFrame>
-        <p:nvGraphicFramePr>
-          <p:cNvPr id="48134" name="Object 6"/>
-          <p:cNvGraphicFramePr>
-            <a:graphicFrameLocks noChangeAspect="1"/>
-          </p:cNvGraphicFramePr>
-          <p:nvPr/>
-        </p:nvGraphicFramePr>
-        <p:xfrm>
-          <a:off x="3286116" y="1317613"/>
-          <a:ext cx="312737" cy="325437"/>
-        </p:xfrm>
-        <a:graphic>
-          <a:graphicData uri="http://schemas.openxmlformats.org/presentationml/2006/ole">
-            <p:oleObj spid="_x0000_s55301" name="Equation" r:id="rId6" imgW="126720" imgH="139680" progId="Equation.DSMT4">
-              <p:embed/>
-            </p:oleObj>
-          </a:graphicData>
-        </a:graphic>
-      </p:graphicFrame>
-      <p:pic>
-        <p:nvPicPr>
-          <p:cNvPr id="11" name="图片 10" descr="C:\Users\jsj\AppData\Roaming\Tencent\Users\565189595\QQ\WinTemp\RichOle\RC4XNEN3H5C8_1OJ~`@A$~B.png"/>
-          <p:cNvPicPr/>
-          <p:nvPr/>
-        </p:nvPicPr>
-        <p:blipFill>
-          <a:blip r:embed="rId7">
-            <a:extLst>
-              <a:ext uri="{28A0092B-C50C-407E-A947-70E740481C1C}">
-                <a14:useLocalDpi xmlns:lc="http://schemas.openxmlformats.org/drawingml/2006/lockedCanvas" xmlns:pic="http://schemas.openxmlformats.org/drawingml/2006/picture" xmlns="" xmlns:wpc="http://schemas.microsoft.com/office/word/2010/wordprocessingCanvas" xmlns:mc="http://schemas.openxmlformats.org/markup-compatibility/2006" xmlns:o="urn:schemas-microsoft-com:office:office" xmlns:v="urn:schemas-microsoft-com:vml" xmlns:wp14="http://schemas.microsoft.com/office/word/2010/wordprocessingDrawing" xmlns:w10="urn:schemas-microsoft-com:office:word" xmlns:w="http://schemas.openxmlformats.org/wordprocessingml/2006/main" xmlns:w14="http://schemas.microsoft.com/office/word/2010/wordml" xmlns:w15="http://schemas.microsoft.com/office/word/2012/wordml" xmlns:wpg="http://schemas.microsoft.com/office/word/2010/wordprocessingGroup" xmlns:wpi="http://schemas.microsoft.com/office/word/2010/wordprocessingInk" xmlns:wps="http://schemas.microsoft.com/office/word/2010/wordprocessingShape" xmlns:a14="http://schemas.microsoft.com/office/drawing/2010/main" xmlns:wne="http://schemas.microsoft.com/office/word/2006/wordml" xmlns:wp="http://schemas.openxmlformats.org/drawingml/2006/wordprocessingDrawing" xmlns:m="http://schemas.openxmlformats.org/officeDocument/2006/math" xmlns:ve="http://schemas.openxmlformats.org/markup-compatibility/2006" val="0"/>
-              </a:ext>
-            </a:extLst>
-          </a:blip>
-          <a:srcRect/>
-          <a:stretch>
-            <a:fillRect/>
-          </a:stretch>
-        </p:blipFill>
-        <p:spPr bwMode="auto">
-          <a:xfrm>
-            <a:off x="2357422" y="2928934"/>
-            <a:ext cx="5143536" cy="3357586"/>
-          </a:xfrm>
-          <a:prstGeom prst="rect">
-            <a:avLst/>
-          </a:prstGeom>
-          <a:noFill/>
-          <a:ln>
-            <a:noFill/>
-          </a:ln>
-        </p:spPr>
-      </p:pic>
-    </p:spTree>
-  </p:cSld>
-  <p:clrMapOvr>
-    <a:masterClrMapping/>
-  </p:clrMapOvr>
-  <p:timing>
-    <p:tnLst>
-      <p:par>
-        <p:cTn id="1" dur="indefinite" restart="never" nodeType="tmRoot"/>
-      </p:par>
-    </p:tnLst>
-  </p:timing>
-</p:sld>
-</file>
-
-<file path=ppt/slides/slide18.xml><?xml version="1.0" encoding="utf-8"?>
-<p:sld xmlns:a="http://schemas.openxmlformats.org/drawingml/2006/main" xmlns:r="http://schemas.openxmlformats.org/officeDocument/2006/relationships" xmlns:p="http://schemas.openxmlformats.org/presentationml/2006/main">
-  <p:cSld>
-    <p:spTree>
-      <p:nvGrpSpPr>
-        <p:cNvPr id="1" name=""/>
-        <p:cNvGrpSpPr/>
-        <p:nvPr/>
-      </p:nvGrpSpPr>
-      <p:grpSpPr>
-        <a:xfrm>
-          <a:off x="0" y="0"/>
-          <a:ext cx="0" cy="0"/>
-          <a:chOff x="0" y="0"/>
-          <a:chExt cx="0" cy="0"/>
-        </a:xfrm>
-      </p:grpSpPr>
-      <p:sp>
-        <p:nvSpPr>
-          <p:cNvPr id="4098" name="标题 1"/>
-          <p:cNvSpPr>
-            <a:spLocks noGrp="1"/>
-          </p:cNvSpPr>
-          <p:nvPr>
-            <p:ph type="title"/>
-          </p:nvPr>
-        </p:nvSpPr>
-        <p:spPr/>
-        <p:txBody>
-          <a:bodyPr/>
-          <a:lstStyle/>
-          <a:p>
-            <a:r>
-              <a:rPr lang="zh-CN" altLang="en-US" dirty="0" smtClean="0">
-                <a:ea typeface="宋体" pitchFamily="2" charset="-122"/>
-              </a:rPr>
-              <a:t>三、例题</a:t>
-            </a:r>
-          </a:p>
-        </p:txBody>
-      </p:sp>
-      <p:sp>
-        <p:nvSpPr>
-          <p:cNvPr id="4099" name="内容占位符 2"/>
-          <p:cNvSpPr>
-            <a:spLocks noGrp="1"/>
-          </p:cNvSpPr>
-          <p:nvPr>
-            <p:ph idx="1"/>
-          </p:nvPr>
-        </p:nvSpPr>
-        <p:spPr>
-          <a:xfrm>
-            <a:off x="357158" y="1076325"/>
-            <a:ext cx="8786842" cy="5248275"/>
-          </a:xfrm>
-        </p:spPr>
-        <p:txBody>
-          <a:bodyPr/>
-          <a:lstStyle/>
-          <a:p>
-            <a:pPr marL="180000">
-              <a:lnSpc>
-                <a:spcPct val="150000"/>
-              </a:lnSpc>
-            </a:pPr>
-            <a:r>
-              <a:rPr lang="zh-CN" altLang="en-US" sz="2400" dirty="0" smtClean="0"/>
-              <a:t>例：利用素数筛法求正整数集合               中的素数。</a:t>
-            </a:r>
-            <a:endParaRPr lang="en-US" altLang="zh-CN" sz="2400" dirty="0" smtClean="0"/>
-          </a:p>
-          <a:p>
-            <a:pPr marL="180000" algn="just">
-              <a:lnSpc>
-                <a:spcPts val="3400"/>
-              </a:lnSpc>
-              <a:buNone/>
-            </a:pPr>
-            <a:r>
-              <a:rPr lang="zh-CN" altLang="en-US" sz="2400" dirty="0" smtClean="0"/>
-              <a:t>  相关算法：</a:t>
-            </a:r>
-          </a:p>
-          <a:p>
-            <a:pPr marL="180000">
-              <a:lnSpc>
-                <a:spcPct val="150000"/>
-              </a:lnSpc>
-              <a:buNone/>
-            </a:pPr>
-            <a:endParaRPr lang="en-US" altLang="zh-CN" sz="2400" dirty="0" smtClean="0"/>
-          </a:p>
-          <a:p>
-            <a:pPr marL="180000">
-              <a:lnSpc>
-                <a:spcPct val="150000"/>
-              </a:lnSpc>
-              <a:buNone/>
-            </a:pPr>
-            <a:r>
-              <a:rPr lang="en-US" sz="2400" dirty="0" smtClean="0">
-                <a:solidFill>
-                  <a:srgbClr val="0000FF"/>
-                </a:solidFill>
-              </a:rPr>
-              <a:t>  </a:t>
-            </a:r>
-            <a:endParaRPr lang="en-US" altLang="zh-CN" sz="2400" dirty="0" smtClean="0">
-              <a:solidFill>
-                <a:srgbClr val="0000FF"/>
-              </a:solidFill>
-            </a:endParaRPr>
-          </a:p>
-          <a:p>
-            <a:pPr>
-              <a:buNone/>
-            </a:pPr>
-            <a:r>
-              <a:rPr lang="zh-CN" altLang="en-US" sz="2400" dirty="0" smtClean="0"/>
-              <a:t>  </a:t>
-            </a:r>
-            <a:endParaRPr lang="zh-CN" altLang="en-US" sz="2200" dirty="0" smtClean="0"/>
-          </a:p>
-        </p:txBody>
-      </p:sp>
-      <p:sp>
-        <p:nvSpPr>
-          <p:cNvPr id="1026" name="Rectangle 2"/>
-          <p:cNvSpPr>
-            <a:spLocks noChangeArrowheads="1"/>
-          </p:cNvSpPr>
-          <p:nvPr/>
-        </p:nvSpPr>
-        <p:spPr bwMode="auto">
-          <a:xfrm>
-            <a:off x="0" y="0"/>
-            <a:ext cx="9144000" cy="0"/>
-          </a:xfrm>
-          <a:prstGeom prst="rect">
-            <a:avLst/>
-          </a:prstGeom>
-          <a:noFill/>
-          <a:ln w="9525">
-            <a:noFill/>
-            <a:miter lim="800000"/>
-            <a:headEnd/>
-            <a:tailEnd/>
-          </a:ln>
-          <a:effectLst/>
-        </p:spPr>
-        <p:txBody>
-          <a:bodyPr vert="horz" wrap="none" lIns="91440" tIns="45720" rIns="91440" bIns="45720" numCol="1" anchor="ctr" anchorCtr="0" compatLnSpc="1">
-            <a:prstTxWarp prst="textNoShape">
-              <a:avLst/>
-            </a:prstTxWarp>
-            <a:spAutoFit/>
-          </a:bodyPr>
-          <a:lstStyle/>
-          <a:p>
-            <a:endParaRPr lang="zh-CN" altLang="en-US"/>
-          </a:p>
-        </p:txBody>
-      </p:sp>
-      <p:sp>
-        <p:nvSpPr>
-          <p:cNvPr id="1028" name="Rectangle 4"/>
-          <p:cNvSpPr>
-            <a:spLocks noChangeArrowheads="1"/>
-          </p:cNvSpPr>
-          <p:nvPr/>
-        </p:nvSpPr>
-        <p:spPr bwMode="auto">
-          <a:xfrm>
-            <a:off x="0" y="0"/>
-            <a:ext cx="9144000" cy="0"/>
-          </a:xfrm>
-          <a:prstGeom prst="rect">
-            <a:avLst/>
-          </a:prstGeom>
-          <a:noFill/>
-          <a:ln w="9525">
-            <a:noFill/>
-            <a:miter lim="800000"/>
-            <a:headEnd/>
-            <a:tailEnd/>
-          </a:ln>
-          <a:effectLst/>
-        </p:spPr>
-        <p:txBody>
-          <a:bodyPr vert="horz" wrap="none" lIns="91440" tIns="45720" rIns="91440" bIns="45720" numCol="1" anchor="ctr" anchorCtr="0" compatLnSpc="1">
-            <a:prstTxWarp prst="textNoShape">
-              <a:avLst/>
-            </a:prstTxWarp>
-            <a:spAutoFit/>
-          </a:bodyPr>
-          <a:lstStyle/>
-          <a:p>
-            <a:endParaRPr lang="zh-CN" altLang="en-US"/>
-          </a:p>
-        </p:txBody>
-      </p:sp>
-      <p:graphicFrame>
-        <p:nvGraphicFramePr>
           <p:cNvPr id="56326" name="Object 6"/>
           <p:cNvGraphicFramePr>
             <a:graphicFrameLocks noChangeAspect="1"/>
@@ -10264,9 +7521,59 @@
         </p:xfrm>
         <a:graphic>
           <a:graphicData uri="http://schemas.openxmlformats.org/presentationml/2006/ole">
-            <p:oleObj spid="_x0000_s56326" name="Equation" r:id="rId3" imgW="977760" imgH="203040" progId="Equation.DSMT4">
-              <p:embed/>
-            </p:oleObj>
+            <mc:AlternateContent xmlns:mc="http://schemas.openxmlformats.org/markup-compatibility/2006">
+              <mc:Choice xmlns:v="urn:schemas-microsoft-com:vml" Requires="v">
+                <p:oleObj spid="_x0000_s56334" name="Equation" r:id="rId3" imgW="977760" imgH="203040" progId="Equation.DSMT4">
+                  <p:embed/>
+                </p:oleObj>
+              </mc:Choice>
+              <mc:Fallback>
+                <p:oleObj name="Equation" r:id="rId3" imgW="977760" imgH="203040" progId="Equation.DSMT4">
+                  <p:embed/>
+                  <p:pic>
+                    <p:nvPicPr>
+                      <p:cNvPr id="0" name="Picture 6"/>
+                      <p:cNvPicPr>
+                        <a:picLocks noChangeAspect="1" noChangeArrowheads="1"/>
+                      </p:cNvPicPr>
+                      <p:nvPr/>
+                    </p:nvPicPr>
+                    <p:blipFill>
+                      <a:blip r:embed="rId4">
+                        <a:extLst>
+                          <a:ext uri="{28A0092B-C50C-407E-A947-70E740481C1C}">
+                            <a14:useLocalDpi xmlns:a14="http://schemas.microsoft.com/office/drawing/2010/main" val="0"/>
+                          </a:ext>
+                        </a:extLst>
+                      </a:blip>
+                      <a:srcRect/>
+                      <a:stretch>
+                        <a:fillRect/>
+                      </a:stretch>
+                    </p:blipFill>
+                    <p:spPr bwMode="auto">
+                      <a:xfrm>
+                        <a:off x="4949844" y="1244600"/>
+                        <a:ext cx="2408238" cy="473075"/>
+                      </a:xfrm>
+                      <a:prstGeom prst="rect">
+                        <a:avLst/>
+                      </a:prstGeom>
+                      <a:noFill/>
+                      <a:extLst>
+                        <a:ext uri="{909E8E84-426E-40DD-AFC4-6F175D3DCCD1}">
+                          <a14:hiddenFill xmlns:a14="http://schemas.microsoft.com/office/drawing/2010/main">
+                            <a:solidFill>
+                              <a:srgbClr val="FFFFFF"/>
+                            </a:solidFill>
+                          </a14:hiddenFill>
+                        </a:ext>
+                      </a:extLst>
+                    </p:spPr>
+                  </p:pic>
+                </p:oleObj>
+              </mc:Fallback>
+            </mc:AlternateContent>
           </a:graphicData>
         </a:graphic>
       </p:graphicFrame>
@@ -10277,7 +7584,7 @@
           <p:nvPr/>
         </p:nvPicPr>
         <p:blipFill>
-          <a:blip r:embed="rId4"/>
+          <a:blip r:embed="rId5"/>
           <a:srcRect/>
           <a:stretch>
             <a:fillRect/>
@@ -10315,7 +7622,7 @@
 </p:sld>
 </file>
 
-<file path=ppt/slides/slide19.xml><?xml version="1.0" encoding="utf-8"?>
+<file path=ppt/slides/slide13.xml><?xml version="1.0" encoding="utf-8"?>
 <p:sld xmlns:a="http://schemas.openxmlformats.org/drawingml/2006/main" xmlns:r="http://schemas.openxmlformats.org/officeDocument/2006/relationships" xmlns:p="http://schemas.openxmlformats.org/presentationml/2006/main">
   <p:cSld>
     <p:spTree>
@@ -10428,15 +7735,7 @@
             </a:r>
             <a:r>
               <a:rPr lang="zh-CN" altLang="en-US" sz="2400" dirty="0" smtClean="0"/>
-              <a:t>输出：             </a:t>
-            </a:r>
-            <a:r>
-              <a:rPr lang="zh-CN" altLang="en-US" sz="2400" dirty="0" smtClean="0"/>
-              <a:t>中</a:t>
-            </a:r>
-            <a:r>
-              <a:rPr lang="zh-CN" altLang="en-US" sz="2400" dirty="0" smtClean="0"/>
-              <a:t>的所有梅森素数；</a:t>
+              <a:t>输出：             中的所有梅森素数；</a:t>
             </a:r>
             <a:endParaRPr lang="en-US" altLang="zh-CN" sz="2400" dirty="0" smtClean="0"/>
           </a:p>
@@ -10540,9 +7839,59 @@
         </p:xfrm>
         <a:graphic>
           <a:graphicData uri="http://schemas.openxmlformats.org/presentationml/2006/ole">
-            <p:oleObj spid="_x0000_s51201" name="Equation" r:id="rId3" imgW="152280" imgH="164880" progId="Equation.DSMT4">
-              <p:embed/>
-            </p:oleObj>
+            <mc:AlternateContent xmlns:mc="http://schemas.openxmlformats.org/markup-compatibility/2006">
+              <mc:Choice xmlns:v="urn:schemas-microsoft-com:vml" Requires="v">
+                <p:oleObj spid="_x0000_s51321" name="Equation" r:id="rId3" imgW="152280" imgH="164880" progId="Equation.DSMT4">
+                  <p:embed/>
+                </p:oleObj>
+              </mc:Choice>
+              <mc:Fallback>
+                <p:oleObj name="Equation" r:id="rId3" imgW="152280" imgH="164880" progId="Equation.DSMT4">
+                  <p:embed/>
+                  <p:pic>
+                    <p:nvPicPr>
+                      <p:cNvPr id="0" name="Picture 1"/>
+                      <p:cNvPicPr>
+                        <a:picLocks noChangeAspect="1" noChangeArrowheads="1"/>
+                      </p:cNvPicPr>
+                      <p:nvPr/>
+                    </p:nvPicPr>
+                    <p:blipFill>
+                      <a:blip r:embed="rId4">
+                        <a:extLst>
+                          <a:ext uri="{28A0092B-C50C-407E-A947-70E740481C1C}">
+                            <a14:useLocalDpi xmlns:a14="http://schemas.microsoft.com/office/drawing/2010/main" val="0"/>
+                          </a:ext>
+                        </a:extLst>
+                      </a:blip>
+                      <a:srcRect/>
+                      <a:stretch>
+                        <a:fillRect/>
+                      </a:stretch>
+                    </p:blipFill>
+                    <p:spPr bwMode="auto">
+                      <a:xfrm>
+                        <a:off x="1552557" y="1616065"/>
+                        <a:ext cx="376237" cy="384175"/>
+                      </a:xfrm>
+                      <a:prstGeom prst="rect">
+                        <a:avLst/>
+                      </a:prstGeom>
+                      <a:noFill/>
+                      <a:extLst>
+                        <a:ext uri="{909E8E84-426E-40DD-AFC4-6F175D3DCCD1}">
+                          <a14:hiddenFill xmlns:a14="http://schemas.microsoft.com/office/drawing/2010/main">
+                            <a:solidFill>
+                              <a:srgbClr val="FFFFFF"/>
+                            </a:solidFill>
+                          </a14:hiddenFill>
+                        </a:ext>
+                      </a:extLst>
+                    </p:spPr>
+                  </p:pic>
+                </p:oleObj>
+              </mc:Fallback>
+            </mc:AlternateContent>
           </a:graphicData>
         </a:graphic>
       </p:graphicFrame>
@@ -10560,9 +7909,59 @@
         </p:xfrm>
         <a:graphic>
           <a:graphicData uri="http://schemas.openxmlformats.org/presentationml/2006/ole">
-            <p:oleObj spid="_x0000_s51202" name="Equation" r:id="rId4" imgW="380880" imgH="190440" progId="Equation.DSMT4">
-              <p:embed/>
-            </p:oleObj>
+            <mc:AlternateContent xmlns:mc="http://schemas.openxmlformats.org/markup-compatibility/2006">
+              <mc:Choice xmlns:v="urn:schemas-microsoft-com:vml" Requires="v">
+                <p:oleObj spid="_x0000_s51322" name="Equation" r:id="rId5" imgW="380880" imgH="190440" progId="Equation.DSMT4">
+                  <p:embed/>
+                </p:oleObj>
+              </mc:Choice>
+              <mc:Fallback>
+                <p:oleObj name="Equation" r:id="rId5" imgW="380880" imgH="190440" progId="Equation.DSMT4">
+                  <p:embed/>
+                  <p:pic>
+                    <p:nvPicPr>
+                      <p:cNvPr id="0" name="Picture 2"/>
+                      <p:cNvPicPr>
+                        <a:picLocks noChangeAspect="1" noChangeArrowheads="1"/>
+                      </p:cNvPicPr>
+                      <p:nvPr/>
+                    </p:nvPicPr>
+                    <p:blipFill>
+                      <a:blip r:embed="rId6">
+                        <a:extLst>
+                          <a:ext uri="{28A0092B-C50C-407E-A947-70E740481C1C}">
+                            <a14:useLocalDpi xmlns:a14="http://schemas.microsoft.com/office/drawing/2010/main" val="0"/>
+                          </a:ext>
+                        </a:extLst>
+                      </a:blip>
+                      <a:srcRect/>
+                      <a:stretch>
+                        <a:fillRect/>
+                      </a:stretch>
+                    </p:blipFill>
+                    <p:spPr bwMode="auto">
+                      <a:xfrm>
+                        <a:off x="4643438" y="1500174"/>
+                        <a:ext cx="941388" cy="442913"/>
+                      </a:xfrm>
+                      <a:prstGeom prst="rect">
+                        <a:avLst/>
+                      </a:prstGeom>
+                      <a:noFill/>
+                      <a:extLst>
+                        <a:ext uri="{909E8E84-426E-40DD-AFC4-6F175D3DCCD1}">
+                          <a14:hiddenFill xmlns:a14="http://schemas.microsoft.com/office/drawing/2010/main">
+                            <a:solidFill>
+                              <a:srgbClr val="FFFFFF"/>
+                            </a:solidFill>
+                          </a14:hiddenFill>
+                        </a:ext>
+                      </a:extLst>
+                    </p:spPr>
+                  </p:pic>
+                </p:oleObj>
+              </mc:Fallback>
+            </mc:AlternateContent>
           </a:graphicData>
         </a:graphic>
       </p:graphicFrame>
@@ -10580,9 +7979,59 @@
         </p:xfrm>
         <a:graphic>
           <a:graphicData uri="http://schemas.openxmlformats.org/presentationml/2006/ole">
-            <p:oleObj spid="_x0000_s51203" name="Equation" r:id="rId5" imgW="380880" imgH="190440" progId="Equation.DSMT4">
-              <p:embed/>
-            </p:oleObj>
+            <mc:AlternateContent xmlns:mc="http://schemas.openxmlformats.org/markup-compatibility/2006">
+              <mc:Choice xmlns:v="urn:schemas-microsoft-com:vml" Requires="v">
+                <p:oleObj spid="_x0000_s51323" name="Equation" r:id="rId7" imgW="380880" imgH="190440" progId="Equation.DSMT4">
+                  <p:embed/>
+                </p:oleObj>
+              </mc:Choice>
+              <mc:Fallback>
+                <p:oleObj name="Equation" r:id="rId7" imgW="380880" imgH="190440" progId="Equation.DSMT4">
+                  <p:embed/>
+                  <p:pic>
+                    <p:nvPicPr>
+                      <p:cNvPr id="0" name="Picture 3"/>
+                      <p:cNvPicPr>
+                        <a:picLocks noChangeAspect="1" noChangeArrowheads="1"/>
+                      </p:cNvPicPr>
+                      <p:nvPr/>
+                    </p:nvPicPr>
+                    <p:blipFill>
+                      <a:blip r:embed="rId8">
+                        <a:extLst>
+                          <a:ext uri="{28A0092B-C50C-407E-A947-70E740481C1C}">
+                            <a14:useLocalDpi xmlns:a14="http://schemas.microsoft.com/office/drawing/2010/main" val="0"/>
+                          </a:ext>
+                        </a:extLst>
+                      </a:blip>
+                      <a:srcRect/>
+                      <a:stretch>
+                        <a:fillRect/>
+                      </a:stretch>
+                    </p:blipFill>
+                    <p:spPr bwMode="auto">
+                      <a:xfrm>
+                        <a:off x="2714612" y="1857364"/>
+                        <a:ext cx="941387" cy="442912"/>
+                      </a:xfrm>
+                      <a:prstGeom prst="rect">
+                        <a:avLst/>
+                      </a:prstGeom>
+                      <a:noFill/>
+                      <a:extLst>
+                        <a:ext uri="{909E8E84-426E-40DD-AFC4-6F175D3DCCD1}">
+                          <a14:hiddenFill xmlns:a14="http://schemas.microsoft.com/office/drawing/2010/main">
+                            <a:solidFill>
+                              <a:srgbClr val="FFFFFF"/>
+                            </a:solidFill>
+                          </a14:hiddenFill>
+                        </a:ext>
+                      </a:extLst>
+                    </p:spPr>
+                  </p:pic>
+                </p:oleObj>
+              </mc:Fallback>
+            </mc:AlternateContent>
           </a:graphicData>
         </a:graphic>
       </p:graphicFrame>
@@ -10600,9 +8049,59 @@
         </p:xfrm>
         <a:graphic>
           <a:graphicData uri="http://schemas.openxmlformats.org/presentationml/2006/ole">
-            <p:oleObj spid="_x0000_s51204" name="Equation" r:id="rId6" imgW="126720" imgH="139680" progId="Equation.DSMT4">
-              <p:embed/>
-            </p:oleObj>
+            <mc:AlternateContent xmlns:mc="http://schemas.openxmlformats.org/markup-compatibility/2006">
+              <mc:Choice xmlns:v="urn:schemas-microsoft-com:vml" Requires="v">
+                <p:oleObj spid="_x0000_s51324" name="Equation" r:id="rId9" imgW="126720" imgH="139680" progId="Equation.DSMT4">
+                  <p:embed/>
+                </p:oleObj>
+              </mc:Choice>
+              <mc:Fallback>
+                <p:oleObj name="Equation" r:id="rId9" imgW="126720" imgH="139680" progId="Equation.DSMT4">
+                  <p:embed/>
+                  <p:pic>
+                    <p:nvPicPr>
+                      <p:cNvPr id="0" name="Picture 4"/>
+                      <p:cNvPicPr>
+                        <a:picLocks noChangeAspect="1" noChangeArrowheads="1"/>
+                      </p:cNvPicPr>
+                      <p:nvPr/>
+                    </p:nvPicPr>
+                    <p:blipFill>
+                      <a:blip r:embed="rId10">
+                        <a:extLst>
+                          <a:ext uri="{28A0092B-C50C-407E-A947-70E740481C1C}">
+                            <a14:useLocalDpi xmlns:a14="http://schemas.microsoft.com/office/drawing/2010/main" val="0"/>
+                          </a:ext>
+                        </a:extLst>
+                      </a:blip>
+                      <a:srcRect/>
+                      <a:stretch>
+                        <a:fillRect/>
+                      </a:stretch>
+                    </p:blipFill>
+                    <p:spPr bwMode="auto">
+                      <a:xfrm>
+                        <a:off x="2786050" y="2428868"/>
+                        <a:ext cx="314325" cy="325437"/>
+                      </a:xfrm>
+                      <a:prstGeom prst="rect">
+                        <a:avLst/>
+                      </a:prstGeom>
+                      <a:noFill/>
+                      <a:extLst>
+                        <a:ext uri="{909E8E84-426E-40DD-AFC4-6F175D3DCCD1}">
+                          <a14:hiddenFill xmlns:a14="http://schemas.microsoft.com/office/drawing/2010/main">
+                            <a:solidFill>
+                              <a:srgbClr val="FFFFFF"/>
+                            </a:solidFill>
+                          </a14:hiddenFill>
+                        </a:ext>
+                      </a:extLst>
+                    </p:spPr>
+                  </p:pic>
+                </p:oleObj>
+              </mc:Fallback>
+            </mc:AlternateContent>
           </a:graphicData>
         </a:graphic>
       </p:graphicFrame>
@@ -10620,9 +8119,59 @@
         </p:xfrm>
         <a:graphic>
           <a:graphicData uri="http://schemas.openxmlformats.org/presentationml/2006/ole">
-            <p:oleObj spid="_x0000_s51205" name="Equation" r:id="rId7" imgW="126720" imgH="177480" progId="Equation.DSMT4">
-              <p:embed/>
-            </p:oleObj>
+            <mc:AlternateContent xmlns:mc="http://schemas.openxmlformats.org/markup-compatibility/2006">
+              <mc:Choice xmlns:v="urn:schemas-microsoft-com:vml" Requires="v">
+                <p:oleObj spid="_x0000_s51325" name="Equation" r:id="rId11" imgW="126720" imgH="177480" progId="Equation.DSMT4">
+                  <p:embed/>
+                </p:oleObj>
+              </mc:Choice>
+              <mc:Fallback>
+                <p:oleObj name="Equation" r:id="rId11" imgW="126720" imgH="177480" progId="Equation.DSMT4">
+                  <p:embed/>
+                  <p:pic>
+                    <p:nvPicPr>
+                      <p:cNvPr id="0" name="Picture 5"/>
+                      <p:cNvPicPr>
+                        <a:picLocks noChangeAspect="1" noChangeArrowheads="1"/>
+                      </p:cNvPicPr>
+                      <p:nvPr/>
+                    </p:nvPicPr>
+                    <p:blipFill>
+                      <a:blip r:embed="rId12">
+                        <a:extLst>
+                          <a:ext uri="{28A0092B-C50C-407E-A947-70E740481C1C}">
+                            <a14:useLocalDpi xmlns:a14="http://schemas.microsoft.com/office/drawing/2010/main" val="0"/>
+                          </a:ext>
+                        </a:extLst>
+                      </a:blip>
+                      <a:srcRect/>
+                      <a:stretch>
+                        <a:fillRect/>
+                      </a:stretch>
+                    </p:blipFill>
+                    <p:spPr bwMode="auto">
+                      <a:xfrm>
+                        <a:off x="4329113" y="2373308"/>
+                        <a:ext cx="314325" cy="412750"/>
+                      </a:xfrm>
+                      <a:prstGeom prst="rect">
+                        <a:avLst/>
+                      </a:prstGeom>
+                      <a:noFill/>
+                      <a:extLst>
+                        <a:ext uri="{909E8E84-426E-40DD-AFC4-6F175D3DCCD1}">
+                          <a14:hiddenFill xmlns:a14="http://schemas.microsoft.com/office/drawing/2010/main">
+                            <a:solidFill>
+                              <a:srgbClr val="FFFFFF"/>
+                            </a:solidFill>
+                          </a14:hiddenFill>
+                        </a:ext>
+                      </a:extLst>
+                    </p:spPr>
+                  </p:pic>
+                </p:oleObj>
+              </mc:Fallback>
+            </mc:AlternateContent>
           </a:graphicData>
         </a:graphic>
       </p:graphicFrame>
@@ -10640,9 +8189,59 @@
         </p:xfrm>
         <a:graphic>
           <a:graphicData uri="http://schemas.openxmlformats.org/presentationml/2006/ole">
-            <p:oleObj spid="_x0000_s51206" name="Equation" r:id="rId8" imgW="888840" imgH="203040" progId="Equation.DSMT4">
-              <p:embed/>
-            </p:oleObj>
+            <mc:AlternateContent xmlns:mc="http://schemas.openxmlformats.org/markup-compatibility/2006">
+              <mc:Choice xmlns:v="urn:schemas-microsoft-com:vml" Requires="v">
+                <p:oleObj spid="_x0000_s51326" name="Equation" r:id="rId13" imgW="888840" imgH="203040" progId="Equation.DSMT4">
+                  <p:embed/>
+                </p:oleObj>
+              </mc:Choice>
+              <mc:Fallback>
+                <p:oleObj name="Equation" r:id="rId13" imgW="888840" imgH="203040" progId="Equation.DSMT4">
+                  <p:embed/>
+                  <p:pic>
+                    <p:nvPicPr>
+                      <p:cNvPr id="0" name="Picture 6"/>
+                      <p:cNvPicPr>
+                        <a:picLocks noChangeAspect="1" noChangeArrowheads="1"/>
+                      </p:cNvPicPr>
+                      <p:nvPr/>
+                    </p:nvPicPr>
+                    <p:blipFill>
+                      <a:blip r:embed="rId14">
+                        <a:extLst>
+                          <a:ext uri="{28A0092B-C50C-407E-A947-70E740481C1C}">
+                            <a14:useLocalDpi xmlns:a14="http://schemas.microsoft.com/office/drawing/2010/main" val="0"/>
+                          </a:ext>
+                        </a:extLst>
+                      </a:blip>
+                      <a:srcRect/>
+                      <a:stretch>
+                        <a:fillRect/>
+                      </a:stretch>
+                    </p:blipFill>
+                    <p:spPr bwMode="auto">
+                      <a:xfrm>
+                        <a:off x="1800221" y="2786058"/>
+                        <a:ext cx="2200275" cy="473075"/>
+                      </a:xfrm>
+                      <a:prstGeom prst="rect">
+                        <a:avLst/>
+                      </a:prstGeom>
+                      <a:noFill/>
+                      <a:extLst>
+                        <a:ext uri="{909E8E84-426E-40DD-AFC4-6F175D3DCCD1}">
+                          <a14:hiddenFill xmlns:a14="http://schemas.microsoft.com/office/drawing/2010/main">
+                            <a:solidFill>
+                              <a:srgbClr val="FFFFFF"/>
+                            </a:solidFill>
+                          </a14:hiddenFill>
+                        </a:ext>
+                      </a:extLst>
+                    </p:spPr>
+                  </p:pic>
+                </p:oleObj>
+              </mc:Fallback>
+            </mc:AlternateContent>
           </a:graphicData>
         </a:graphic>
       </p:graphicFrame>
@@ -10660,9 +8259,59 @@
         </p:xfrm>
         <a:graphic>
           <a:graphicData uri="http://schemas.openxmlformats.org/presentationml/2006/ole">
-            <p:oleObj spid="_x0000_s51207" name="Equation" r:id="rId9" imgW="126720" imgH="139680" progId="Equation.DSMT4">
-              <p:embed/>
-            </p:oleObj>
+            <mc:AlternateContent xmlns:mc="http://schemas.openxmlformats.org/markup-compatibility/2006">
+              <mc:Choice xmlns:v="urn:schemas-microsoft-com:vml" Requires="v">
+                <p:oleObj spid="_x0000_s51327" name="Equation" r:id="rId15" imgW="126720" imgH="139680" progId="Equation.DSMT4">
+                  <p:embed/>
+                </p:oleObj>
+              </mc:Choice>
+              <mc:Fallback>
+                <p:oleObj name="Equation" r:id="rId15" imgW="126720" imgH="139680" progId="Equation.DSMT4">
+                  <p:embed/>
+                  <p:pic>
+                    <p:nvPicPr>
+                      <p:cNvPr id="0" name="Picture 7"/>
+                      <p:cNvPicPr>
+                        <a:picLocks noChangeAspect="1" noChangeArrowheads="1"/>
+                      </p:cNvPicPr>
+                      <p:nvPr/>
+                    </p:nvPicPr>
+                    <p:blipFill>
+                      <a:blip r:embed="rId16">
+                        <a:extLst>
+                          <a:ext uri="{28A0092B-C50C-407E-A947-70E740481C1C}">
+                            <a14:useLocalDpi xmlns:a14="http://schemas.microsoft.com/office/drawing/2010/main" val="0"/>
+                          </a:ext>
+                        </a:extLst>
+                      </a:blip>
+                      <a:srcRect/>
+                      <a:stretch>
+                        <a:fillRect/>
+                      </a:stretch>
+                    </p:blipFill>
+                    <p:spPr bwMode="auto">
+                      <a:xfrm>
+                        <a:off x="2214546" y="3746504"/>
+                        <a:ext cx="314325" cy="325438"/>
+                      </a:xfrm>
+                      <a:prstGeom prst="rect">
+                        <a:avLst/>
+                      </a:prstGeom>
+                      <a:noFill/>
+                      <a:extLst>
+                        <a:ext uri="{909E8E84-426E-40DD-AFC4-6F175D3DCCD1}">
+                          <a14:hiddenFill xmlns:a14="http://schemas.microsoft.com/office/drawing/2010/main">
+                            <a:solidFill>
+                              <a:srgbClr val="FFFFFF"/>
+                            </a:solidFill>
+                          </a14:hiddenFill>
+                        </a:ext>
+                      </a:extLst>
+                    </p:spPr>
+                  </p:pic>
+                </p:oleObj>
+              </mc:Fallback>
+            </mc:AlternateContent>
           </a:graphicData>
         </a:graphic>
       </p:graphicFrame>
@@ -10680,9 +8329,59 @@
         </p:xfrm>
         <a:graphic>
           <a:graphicData uri="http://schemas.openxmlformats.org/presentationml/2006/ole">
-            <p:oleObj spid="_x0000_s51208" name="Equation" r:id="rId10" imgW="126720" imgH="177480" progId="Equation.DSMT4">
-              <p:embed/>
-            </p:oleObj>
+            <mc:AlternateContent xmlns:mc="http://schemas.openxmlformats.org/markup-compatibility/2006">
+              <mc:Choice xmlns:v="urn:schemas-microsoft-com:vml" Requires="v">
+                <p:oleObj spid="_x0000_s51328" name="Equation" r:id="rId17" imgW="126720" imgH="177480" progId="Equation.DSMT4">
+                  <p:embed/>
+                </p:oleObj>
+              </mc:Choice>
+              <mc:Fallback>
+                <p:oleObj name="Equation" r:id="rId17" imgW="126720" imgH="177480" progId="Equation.DSMT4">
+                  <p:embed/>
+                  <p:pic>
+                    <p:nvPicPr>
+                      <p:cNvPr id="0" name="Picture 8"/>
+                      <p:cNvPicPr>
+                        <a:picLocks noChangeAspect="1" noChangeArrowheads="1"/>
+                      </p:cNvPicPr>
+                      <p:nvPr/>
+                    </p:nvPicPr>
+                    <p:blipFill>
+                      <a:blip r:embed="rId18">
+                        <a:extLst>
+                          <a:ext uri="{28A0092B-C50C-407E-A947-70E740481C1C}">
+                            <a14:useLocalDpi xmlns:a14="http://schemas.microsoft.com/office/drawing/2010/main" val="0"/>
+                          </a:ext>
+                        </a:extLst>
+                      </a:blip>
+                      <a:srcRect/>
+                      <a:stretch>
+                        <a:fillRect/>
+                      </a:stretch>
+                    </p:blipFill>
+                    <p:spPr bwMode="auto">
+                      <a:xfrm>
+                        <a:off x="3757609" y="3729042"/>
+                        <a:ext cx="314325" cy="414338"/>
+                      </a:xfrm>
+                      <a:prstGeom prst="rect">
+                        <a:avLst/>
+                      </a:prstGeom>
+                      <a:noFill/>
+                      <a:extLst>
+                        <a:ext uri="{909E8E84-426E-40DD-AFC4-6F175D3DCCD1}">
+                          <a14:hiddenFill xmlns:a14="http://schemas.microsoft.com/office/drawing/2010/main">
+                            <a:solidFill>
+                              <a:srgbClr val="FFFFFF"/>
+                            </a:solidFill>
+                          </a14:hiddenFill>
+                        </a:ext>
+                      </a:extLst>
+                    </p:spPr>
+                  </p:pic>
+                </p:oleObj>
+              </mc:Fallback>
+            </mc:AlternateContent>
           </a:graphicData>
         </a:graphic>
       </p:graphicFrame>
@@ -10700,9 +8399,59 @@
         </p:xfrm>
         <a:graphic>
           <a:graphicData uri="http://schemas.openxmlformats.org/presentationml/2006/ole">
-            <p:oleObj spid="_x0000_s51209" name="Equation" r:id="rId11" imgW="177480" imgH="203040" progId="Equation.DSMT4">
-              <p:embed/>
-            </p:oleObj>
+            <mc:AlternateContent xmlns:mc="http://schemas.openxmlformats.org/markup-compatibility/2006">
+              <mc:Choice xmlns:v="urn:schemas-microsoft-com:vml" Requires="v">
+                <p:oleObj spid="_x0000_s51329" name="Equation" r:id="rId19" imgW="177480" imgH="203040" progId="Equation.DSMT4">
+                  <p:embed/>
+                </p:oleObj>
+              </mc:Choice>
+              <mc:Fallback>
+                <p:oleObj name="Equation" r:id="rId19" imgW="177480" imgH="203040" progId="Equation.DSMT4">
+                  <p:embed/>
+                  <p:pic>
+                    <p:nvPicPr>
+                      <p:cNvPr id="0" name="Picture 9"/>
+                      <p:cNvPicPr>
+                        <a:picLocks noChangeAspect="1" noChangeArrowheads="1"/>
+                      </p:cNvPicPr>
+                      <p:nvPr/>
+                    </p:nvPicPr>
+                    <p:blipFill>
+                      <a:blip r:embed="rId20">
+                        <a:extLst>
+                          <a:ext uri="{28A0092B-C50C-407E-A947-70E740481C1C}">
+                            <a14:useLocalDpi xmlns:a14="http://schemas.microsoft.com/office/drawing/2010/main" val="0"/>
+                          </a:ext>
+                        </a:extLst>
+                      </a:blip>
+                      <a:srcRect/>
+                      <a:stretch>
+                        <a:fillRect/>
+                      </a:stretch>
+                    </p:blipFill>
+                    <p:spPr bwMode="auto">
+                      <a:xfrm>
+                        <a:off x="1928794" y="4071942"/>
+                        <a:ext cx="398462" cy="473075"/>
+                      </a:xfrm>
+                      <a:prstGeom prst="rect">
+                        <a:avLst/>
+                      </a:prstGeom>
+                      <a:noFill/>
+                      <a:extLst>
+                        <a:ext uri="{909E8E84-426E-40DD-AFC4-6F175D3DCCD1}">
+                          <a14:hiddenFill xmlns:a14="http://schemas.microsoft.com/office/drawing/2010/main">
+                            <a:solidFill>
+                              <a:srgbClr val="FFFFFF"/>
+                            </a:solidFill>
+                          </a14:hiddenFill>
+                        </a:ext>
+                      </a:extLst>
+                    </p:spPr>
+                  </p:pic>
+                </p:oleObj>
+              </mc:Fallback>
+            </mc:AlternateContent>
           </a:graphicData>
         </a:graphic>
       </p:graphicFrame>
@@ -10720,9 +8469,59 @@
         </p:xfrm>
         <a:graphic>
           <a:graphicData uri="http://schemas.openxmlformats.org/presentationml/2006/ole">
-            <p:oleObj spid="_x0000_s51210" name="Equation" r:id="rId12" imgW="126720" imgH="139680" progId="Equation.DSMT4">
-              <p:embed/>
-            </p:oleObj>
+            <mc:AlternateContent xmlns:mc="http://schemas.openxmlformats.org/markup-compatibility/2006">
+              <mc:Choice xmlns:v="urn:schemas-microsoft-com:vml" Requires="v">
+                <p:oleObj spid="_x0000_s51330" name="Equation" r:id="rId21" imgW="126720" imgH="139680" progId="Equation.DSMT4">
+                  <p:embed/>
+                </p:oleObj>
+              </mc:Choice>
+              <mc:Fallback>
+                <p:oleObj name="Equation" r:id="rId21" imgW="126720" imgH="139680" progId="Equation.DSMT4">
+                  <p:embed/>
+                  <p:pic>
+                    <p:nvPicPr>
+                      <p:cNvPr id="0" name="Picture 10"/>
+                      <p:cNvPicPr>
+                        <a:picLocks noChangeAspect="1" noChangeArrowheads="1"/>
+                      </p:cNvPicPr>
+                      <p:nvPr/>
+                    </p:nvPicPr>
+                    <p:blipFill>
+                      <a:blip r:embed="rId22">
+                        <a:extLst>
+                          <a:ext uri="{28A0092B-C50C-407E-A947-70E740481C1C}">
+                            <a14:useLocalDpi xmlns:a14="http://schemas.microsoft.com/office/drawing/2010/main" val="0"/>
+                          </a:ext>
+                        </a:extLst>
+                      </a:blip>
+                      <a:srcRect/>
+                      <a:stretch>
+                        <a:fillRect/>
+                      </a:stretch>
+                    </p:blipFill>
+                    <p:spPr bwMode="auto">
+                      <a:xfrm>
+                        <a:off x="1071538" y="4643446"/>
+                        <a:ext cx="284162" cy="325437"/>
+                      </a:xfrm>
+                      <a:prstGeom prst="rect">
+                        <a:avLst/>
+                      </a:prstGeom>
+                      <a:noFill/>
+                      <a:extLst>
+                        <a:ext uri="{909E8E84-426E-40DD-AFC4-6F175D3DCCD1}">
+                          <a14:hiddenFill xmlns:a14="http://schemas.microsoft.com/office/drawing/2010/main">
+                            <a:solidFill>
+                              <a:srgbClr val="FFFFFF"/>
+                            </a:solidFill>
+                          </a14:hiddenFill>
+                        </a:ext>
+                      </a:extLst>
+                    </p:spPr>
+                  </p:pic>
+                </p:oleObj>
+              </mc:Fallback>
+            </mc:AlternateContent>
           </a:graphicData>
         </a:graphic>
       </p:graphicFrame>
@@ -10740,9 +8539,59 @@
         </p:xfrm>
         <a:graphic>
           <a:graphicData uri="http://schemas.openxmlformats.org/presentationml/2006/ole">
-            <p:oleObj spid="_x0000_s51211" name="Equation" r:id="rId13" imgW="126720" imgH="139680" progId="Equation.DSMT4">
-              <p:embed/>
-            </p:oleObj>
+            <mc:AlternateContent xmlns:mc="http://schemas.openxmlformats.org/markup-compatibility/2006">
+              <mc:Choice xmlns:v="urn:schemas-microsoft-com:vml" Requires="v">
+                <p:oleObj spid="_x0000_s51331" name="Equation" r:id="rId23" imgW="126720" imgH="139680" progId="Equation.DSMT4">
+                  <p:embed/>
+                </p:oleObj>
+              </mc:Choice>
+              <mc:Fallback>
+                <p:oleObj name="Equation" r:id="rId23" imgW="126720" imgH="139680" progId="Equation.DSMT4">
+                  <p:embed/>
+                  <p:pic>
+                    <p:nvPicPr>
+                      <p:cNvPr id="0" name="Picture 11"/>
+                      <p:cNvPicPr>
+                        <a:picLocks noChangeAspect="1" noChangeArrowheads="1"/>
+                      </p:cNvPicPr>
+                      <p:nvPr/>
+                    </p:nvPicPr>
+                    <p:blipFill>
+                      <a:blip r:embed="rId24">
+                        <a:extLst>
+                          <a:ext uri="{28A0092B-C50C-407E-A947-70E740481C1C}">
+                            <a14:useLocalDpi xmlns:a14="http://schemas.microsoft.com/office/drawing/2010/main" val="0"/>
+                          </a:ext>
+                        </a:extLst>
+                      </a:blip>
+                      <a:srcRect/>
+                      <a:stretch>
+                        <a:fillRect/>
+                      </a:stretch>
+                    </p:blipFill>
+                    <p:spPr bwMode="auto">
+                      <a:xfrm>
+                        <a:off x="2859078" y="5072074"/>
+                        <a:ext cx="284162" cy="325437"/>
+                      </a:xfrm>
+                      <a:prstGeom prst="rect">
+                        <a:avLst/>
+                      </a:prstGeom>
+                      <a:noFill/>
+                      <a:extLst>
+                        <a:ext uri="{909E8E84-426E-40DD-AFC4-6F175D3DCCD1}">
+                          <a14:hiddenFill xmlns:a14="http://schemas.microsoft.com/office/drawing/2010/main">
+                            <a:solidFill>
+                              <a:srgbClr val="FFFFFF"/>
+                            </a:solidFill>
+                          </a14:hiddenFill>
+                        </a:ext>
+                      </a:extLst>
+                    </p:spPr>
+                  </p:pic>
+                </p:oleObj>
+              </mc:Fallback>
+            </mc:AlternateContent>
           </a:graphicData>
         </a:graphic>
       </p:graphicFrame>
@@ -10760,9 +8609,59 @@
         </p:xfrm>
         <a:graphic>
           <a:graphicData uri="http://schemas.openxmlformats.org/presentationml/2006/ole">
-            <p:oleObj spid="_x0000_s51212" name="Equation" r:id="rId14" imgW="126720" imgH="139680" progId="Equation.DSMT4">
-              <p:embed/>
-            </p:oleObj>
+            <mc:AlternateContent xmlns:mc="http://schemas.openxmlformats.org/markup-compatibility/2006">
+              <mc:Choice xmlns:v="urn:schemas-microsoft-com:vml" Requires="v">
+                <p:oleObj spid="_x0000_s51332" name="Equation" r:id="rId25" imgW="126720" imgH="139680" progId="Equation.DSMT4">
+                  <p:embed/>
+                </p:oleObj>
+              </mc:Choice>
+              <mc:Fallback>
+                <p:oleObj name="Equation" r:id="rId25" imgW="126720" imgH="139680" progId="Equation.DSMT4">
+                  <p:embed/>
+                  <p:pic>
+                    <p:nvPicPr>
+                      <p:cNvPr id="0" name="Picture 12"/>
+                      <p:cNvPicPr>
+                        <a:picLocks noChangeAspect="1" noChangeArrowheads="1"/>
+                      </p:cNvPicPr>
+                      <p:nvPr/>
+                    </p:nvPicPr>
+                    <p:blipFill>
+                      <a:blip r:embed="rId24">
+                        <a:extLst>
+                          <a:ext uri="{28A0092B-C50C-407E-A947-70E740481C1C}">
+                            <a14:useLocalDpi xmlns:a14="http://schemas.microsoft.com/office/drawing/2010/main" val="0"/>
+                          </a:ext>
+                        </a:extLst>
+                      </a:blip>
+                      <a:srcRect/>
+                      <a:stretch>
+                        <a:fillRect/>
+                      </a:stretch>
+                    </p:blipFill>
+                    <p:spPr bwMode="auto">
+                      <a:xfrm>
+                        <a:off x="3430582" y="5072074"/>
+                        <a:ext cx="284162" cy="325437"/>
+                      </a:xfrm>
+                      <a:prstGeom prst="rect">
+                        <a:avLst/>
+                      </a:prstGeom>
+                      <a:noFill/>
+                      <a:extLst>
+                        <a:ext uri="{909E8E84-426E-40DD-AFC4-6F175D3DCCD1}">
+                          <a14:hiddenFill xmlns:a14="http://schemas.microsoft.com/office/drawing/2010/main">
+                            <a:solidFill>
+                              <a:srgbClr val="FFFFFF"/>
+                            </a:solidFill>
+                          </a14:hiddenFill>
+                        </a:ext>
+                      </a:extLst>
+                    </p:spPr>
+                  </p:pic>
+                </p:oleObj>
+              </mc:Fallback>
+            </mc:AlternateContent>
           </a:graphicData>
         </a:graphic>
       </p:graphicFrame>
@@ -10780,9 +8679,59 @@
         </p:xfrm>
         <a:graphic>
           <a:graphicData uri="http://schemas.openxmlformats.org/presentationml/2006/ole">
-            <p:oleObj spid="_x0000_s51213" name="Equation" r:id="rId15" imgW="152280" imgH="164880" progId="Equation.DSMT4">
-              <p:embed/>
-            </p:oleObj>
+            <mc:AlternateContent xmlns:mc="http://schemas.openxmlformats.org/markup-compatibility/2006">
+              <mc:Choice xmlns:v="urn:schemas-microsoft-com:vml" Requires="v">
+                <p:oleObj spid="_x0000_s51333" name="Equation" r:id="rId26" imgW="152280" imgH="164880" progId="Equation.DSMT4">
+                  <p:embed/>
+                </p:oleObj>
+              </mc:Choice>
+              <mc:Fallback>
+                <p:oleObj name="Equation" r:id="rId26" imgW="152280" imgH="164880" progId="Equation.DSMT4">
+                  <p:embed/>
+                  <p:pic>
+                    <p:nvPicPr>
+                      <p:cNvPr id="0" name="Picture 13"/>
+                      <p:cNvPicPr>
+                        <a:picLocks noChangeAspect="1" noChangeArrowheads="1"/>
+                      </p:cNvPicPr>
+                      <p:nvPr/>
+                    </p:nvPicPr>
+                    <p:blipFill>
+                      <a:blip r:embed="rId27">
+                        <a:extLst>
+                          <a:ext uri="{28A0092B-C50C-407E-A947-70E740481C1C}">
+                            <a14:useLocalDpi xmlns:a14="http://schemas.microsoft.com/office/drawing/2010/main" val="0"/>
+                          </a:ext>
+                        </a:extLst>
+                      </a:blip>
+                      <a:srcRect/>
+                      <a:stretch>
+                        <a:fillRect/>
+                      </a:stretch>
+                    </p:blipFill>
+                    <p:spPr bwMode="auto">
+                      <a:xfrm>
+                        <a:off x="4659316" y="5000636"/>
+                        <a:ext cx="341312" cy="384175"/>
+                      </a:xfrm>
+                      <a:prstGeom prst="rect">
+                        <a:avLst/>
+                      </a:prstGeom>
+                      <a:noFill/>
+                      <a:extLst>
+                        <a:ext uri="{909E8E84-426E-40DD-AFC4-6F175D3DCCD1}">
+                          <a14:hiddenFill xmlns:a14="http://schemas.microsoft.com/office/drawing/2010/main">
+                            <a:solidFill>
+                              <a:srgbClr val="FFFFFF"/>
+                            </a:solidFill>
+                          </a14:hiddenFill>
+                        </a:ext>
+                      </a:extLst>
+                    </p:spPr>
+                  </p:pic>
+                </p:oleObj>
+              </mc:Fallback>
+            </mc:AlternateContent>
           </a:graphicData>
         </a:graphic>
       </p:graphicFrame>
@@ -10800,9 +8749,59 @@
         </p:xfrm>
         <a:graphic>
           <a:graphicData uri="http://schemas.openxmlformats.org/presentationml/2006/ole">
-            <p:oleObj spid="_x0000_s51214" name="Equation" r:id="rId16" imgW="152280" imgH="164880" progId="Equation.DSMT4">
-              <p:embed/>
-            </p:oleObj>
+            <mc:AlternateContent xmlns:mc="http://schemas.openxmlformats.org/markup-compatibility/2006">
+              <mc:Choice xmlns:v="urn:schemas-microsoft-com:vml" Requires="v">
+                <p:oleObj spid="_x0000_s51334" name="Equation" r:id="rId28" imgW="152280" imgH="164880" progId="Equation.DSMT4">
+                  <p:embed/>
+                </p:oleObj>
+              </mc:Choice>
+              <mc:Fallback>
+                <p:oleObj name="Equation" r:id="rId28" imgW="152280" imgH="164880" progId="Equation.DSMT4">
+                  <p:embed/>
+                  <p:pic>
+                    <p:nvPicPr>
+                      <p:cNvPr id="0" name="Picture 14"/>
+                      <p:cNvPicPr>
+                        <a:picLocks noChangeAspect="1" noChangeArrowheads="1"/>
+                      </p:cNvPicPr>
+                      <p:nvPr/>
+                    </p:nvPicPr>
+                    <p:blipFill>
+                      <a:blip r:embed="rId29">
+                        <a:extLst>
+                          <a:ext uri="{28A0092B-C50C-407E-A947-70E740481C1C}">
+                            <a14:useLocalDpi xmlns:a14="http://schemas.microsoft.com/office/drawing/2010/main" val="0"/>
+                          </a:ext>
+                        </a:extLst>
+                      </a:blip>
+                      <a:srcRect/>
+                      <a:stretch>
+                        <a:fillRect/>
+                      </a:stretch>
+                    </p:blipFill>
+                    <p:spPr bwMode="auto">
+                      <a:xfrm>
+                        <a:off x="2230424" y="5429264"/>
+                        <a:ext cx="341312" cy="384175"/>
+                      </a:xfrm>
+                      <a:prstGeom prst="rect">
+                        <a:avLst/>
+                      </a:prstGeom>
+                      <a:noFill/>
+                      <a:extLst>
+                        <a:ext uri="{909E8E84-426E-40DD-AFC4-6F175D3DCCD1}">
+                          <a14:hiddenFill xmlns:a14="http://schemas.microsoft.com/office/drawing/2010/main">
+                            <a:solidFill>
+                              <a:srgbClr val="FFFFFF"/>
+                            </a:solidFill>
+                          </a14:hiddenFill>
+                        </a:ext>
+                      </a:extLst>
+                    </p:spPr>
+                  </p:pic>
+                </p:oleObj>
+              </mc:Fallback>
+            </mc:AlternateContent>
           </a:graphicData>
         </a:graphic>
       </p:graphicFrame>
@@ -10820,16 +8819,66 @@
         </p:xfrm>
         <a:graphic>
           <a:graphicData uri="http://schemas.openxmlformats.org/presentationml/2006/ole">
-            <p:oleObj spid="_x0000_s51215" name="Equation" r:id="rId17" imgW="241200" imgH="190440" progId="Equation.DSMT4">
-              <p:embed/>
-            </p:oleObj>
+            <mc:AlternateContent xmlns:mc="http://schemas.openxmlformats.org/markup-compatibility/2006">
+              <mc:Choice xmlns:v="urn:schemas-microsoft-com:vml" Requires="v">
+                <p:oleObj spid="_x0000_s51335" name="Equation" r:id="rId30" imgW="241200" imgH="190440" progId="Equation.DSMT4">
+                  <p:embed/>
+                </p:oleObj>
+              </mc:Choice>
+              <mc:Fallback>
+                <p:oleObj name="Equation" r:id="rId30" imgW="241200" imgH="190440" progId="Equation.DSMT4">
+                  <p:embed/>
+                  <p:pic>
+                    <p:nvPicPr>
+                      <p:cNvPr id="0" name="Picture 15"/>
+                      <p:cNvPicPr>
+                        <a:picLocks noChangeAspect="1" noChangeArrowheads="1"/>
+                      </p:cNvPicPr>
+                      <p:nvPr/>
+                    </p:nvPicPr>
+                    <p:blipFill>
+                      <a:blip r:embed="rId31">
+                        <a:extLst>
+                          <a:ext uri="{28A0092B-C50C-407E-A947-70E740481C1C}">
+                            <a14:useLocalDpi xmlns:a14="http://schemas.microsoft.com/office/drawing/2010/main" val="0"/>
+                          </a:ext>
+                        </a:extLst>
+                      </a:blip>
+                      <a:srcRect/>
+                      <a:stretch>
+                        <a:fillRect/>
+                      </a:stretch>
+                    </p:blipFill>
+                    <p:spPr bwMode="auto">
+                      <a:xfrm>
+                        <a:off x="4316414" y="5357826"/>
+                        <a:ext cx="541338" cy="442913"/>
+                      </a:xfrm>
+                      <a:prstGeom prst="rect">
+                        <a:avLst/>
+                      </a:prstGeom>
+                      <a:noFill/>
+                      <a:extLst>
+                        <a:ext uri="{909E8E84-426E-40DD-AFC4-6F175D3DCCD1}">
+                          <a14:hiddenFill xmlns:a14="http://schemas.microsoft.com/office/drawing/2010/main">
+                            <a:solidFill>
+                              <a:srgbClr val="FFFFFF"/>
+                            </a:solidFill>
+                          </a14:hiddenFill>
+                        </a:ext>
+                      </a:extLst>
+                    </p:spPr>
+                  </p:pic>
+                </p:oleObj>
+              </mc:Fallback>
+            </mc:AlternateContent>
           </a:graphicData>
         </a:graphic>
       </p:graphicFrame>
     </p:spTree>
     <p:extLst>
       <p:ext uri="{BB962C8B-B14F-4D97-AF65-F5344CB8AC3E}">
-        <p14:creationId xmlns:p14="http://schemas.microsoft.com/office/powerpoint/2010/main" xmlns="" val="2438090423"/>
+        <p14:creationId xmlns:p14="http://schemas.microsoft.com/office/powerpoint/2010/main" val="2438090423"/>
       </p:ext>
     </p:extLst>
   </p:cSld>
@@ -10846,142 +8895,7 @@
 </p:sld>
 </file>
 
-<file path=ppt/slides/slide2.xml><?xml version="1.0" encoding="utf-8"?>
-<p:sld xmlns:a="http://schemas.openxmlformats.org/drawingml/2006/main" xmlns:r="http://schemas.openxmlformats.org/officeDocument/2006/relationships" xmlns:p="http://schemas.openxmlformats.org/presentationml/2006/main">
-  <p:cSld>
-    <p:spTree>
-      <p:nvGrpSpPr>
-        <p:cNvPr id="1" name=""/>
-        <p:cNvGrpSpPr/>
-        <p:nvPr/>
-      </p:nvGrpSpPr>
-      <p:grpSpPr>
-        <a:xfrm>
-          <a:off x="0" y="0"/>
-          <a:ext cx="0" cy="0"/>
-          <a:chOff x="0" y="0"/>
-          <a:chExt cx="0" cy="0"/>
-        </a:xfrm>
-      </p:grpSpPr>
-      <p:sp>
-        <p:nvSpPr>
-          <p:cNvPr id="4098" name="标题 1"/>
-          <p:cNvSpPr>
-            <a:spLocks noGrp="1"/>
-          </p:cNvSpPr>
-          <p:nvPr>
-            <p:ph type="title"/>
-          </p:nvPr>
-        </p:nvSpPr>
-        <p:spPr/>
-        <p:txBody>
-          <a:bodyPr/>
-          <a:lstStyle/>
-          <a:p>
-            <a:r>
-              <a:rPr lang="zh-CN" altLang="en-US" dirty="0" smtClean="0">
-                <a:ea typeface="宋体" pitchFamily="2" charset="-122"/>
-              </a:rPr>
-              <a:t>一、数论的概念与应用</a:t>
-            </a:r>
-          </a:p>
-        </p:txBody>
-      </p:sp>
-      <p:sp>
-        <p:nvSpPr>
-          <p:cNvPr id="4099" name="内容占位符 2"/>
-          <p:cNvSpPr>
-            <a:spLocks noGrp="1"/>
-          </p:cNvSpPr>
-          <p:nvPr>
-            <p:ph idx="1"/>
-          </p:nvPr>
-        </p:nvSpPr>
-        <p:spPr>
-          <a:xfrm>
-            <a:off x="457200" y="1076325"/>
-            <a:ext cx="8258204" cy="5248275"/>
-          </a:xfrm>
-        </p:spPr>
-        <p:txBody>
-          <a:bodyPr/>
-          <a:lstStyle/>
-          <a:p>
-            <a:pPr algn="just"/>
-            <a:r>
-              <a:rPr lang="zh-CN" altLang="en-US" dirty="0" smtClean="0"/>
-              <a:t>概念：数论是研究</a:t>
-            </a:r>
-            <a:r>
-              <a:rPr lang="en-US" dirty="0" smtClean="0"/>
-              <a:t>1</a:t>
-            </a:r>
-            <a:r>
-              <a:rPr lang="zh-CN" altLang="en-US" dirty="0" smtClean="0"/>
-              <a:t>，</a:t>
-            </a:r>
-            <a:r>
-              <a:rPr lang="en-US" dirty="0" smtClean="0"/>
-              <a:t>2</a:t>
-            </a:r>
-            <a:r>
-              <a:rPr lang="zh-CN" altLang="en-US" dirty="0" smtClean="0"/>
-              <a:t>，</a:t>
-            </a:r>
-            <a:r>
-              <a:rPr lang="en-US" dirty="0" smtClean="0"/>
-              <a:t>3</a:t>
-            </a:r>
-            <a:r>
-              <a:rPr lang="zh-CN" altLang="en-US" dirty="0" smtClean="0"/>
-              <a:t>，</a:t>
-            </a:r>
-            <a:r>
-              <a:rPr lang="en-US" altLang="zh-CN" dirty="0" smtClean="0"/>
-              <a:t>…</a:t>
-            </a:r>
-            <a:r>
-              <a:rPr lang="zh-CN" altLang="en-US" dirty="0" smtClean="0"/>
-              <a:t>性质的一门数学分支，是计算机科学的重要支撑之一。</a:t>
-            </a:r>
-            <a:endParaRPr lang="en-US" altLang="zh-CN" dirty="0" smtClean="0"/>
-          </a:p>
-          <a:p>
-            <a:pPr algn="just">
-              <a:buNone/>
-            </a:pPr>
-            <a:endParaRPr lang="zh-CN" altLang="en-US" dirty="0" smtClean="0"/>
-          </a:p>
-          <a:p>
-            <a:pPr algn="just"/>
-            <a:r>
-              <a:rPr lang="zh-CN" altLang="en-US" dirty="0" smtClean="0"/>
-              <a:t>应用：数字通信、计算机系统、信息安全等领域。</a:t>
-            </a:r>
-            <a:endParaRPr lang="zh-CN" altLang="zh-CN" dirty="0"/>
-          </a:p>
-          <a:p>
-            <a:pPr lvl="1"/>
-            <a:endParaRPr lang="zh-CN" altLang="en-US" dirty="0" smtClean="0"/>
-          </a:p>
-        </p:txBody>
-      </p:sp>
-    </p:spTree>
-  </p:cSld>
-  <p:clrMapOvr>
-    <a:masterClrMapping/>
-  </p:clrMapOvr>
-  <p:timing>
-    <p:tnLst>
-      <p:par>
-        <p:cTn id="1" dur="indefinite" restart="never" nodeType="tmRoot"/>
-      </p:par>
-    </p:tnLst>
-  </p:timing>
-</p:sld>
-</file>
-
-<file path=ppt/slides/slide20.xml><?xml version="1.0" encoding="utf-8"?>
+<file path=ppt/slides/slide14.xml><?xml version="1.0" encoding="utf-8"?>
 <p:sld xmlns:a="http://schemas.openxmlformats.org/drawingml/2006/main" xmlns:r="http://schemas.openxmlformats.org/officeDocument/2006/relationships" xmlns:p="http://schemas.openxmlformats.org/presentationml/2006/main">
   <p:cSld>
     <p:spTree>
@@ -11235,6 +9149,141 @@
 </p:sld>
 </file>
 
+<file path=ppt/slides/slide2.xml><?xml version="1.0" encoding="utf-8"?>
+<p:sld xmlns:a="http://schemas.openxmlformats.org/drawingml/2006/main" xmlns:r="http://schemas.openxmlformats.org/officeDocument/2006/relationships" xmlns:p="http://schemas.openxmlformats.org/presentationml/2006/main">
+  <p:cSld>
+    <p:spTree>
+      <p:nvGrpSpPr>
+        <p:cNvPr id="1" name=""/>
+        <p:cNvGrpSpPr/>
+        <p:nvPr/>
+      </p:nvGrpSpPr>
+      <p:grpSpPr>
+        <a:xfrm>
+          <a:off x="0" y="0"/>
+          <a:ext cx="0" cy="0"/>
+          <a:chOff x="0" y="0"/>
+          <a:chExt cx="0" cy="0"/>
+        </a:xfrm>
+      </p:grpSpPr>
+      <p:sp>
+        <p:nvSpPr>
+          <p:cNvPr id="4098" name="标题 1"/>
+          <p:cNvSpPr>
+            <a:spLocks noGrp="1"/>
+          </p:cNvSpPr>
+          <p:nvPr>
+            <p:ph type="title"/>
+          </p:nvPr>
+        </p:nvSpPr>
+        <p:spPr/>
+        <p:txBody>
+          <a:bodyPr/>
+          <a:lstStyle/>
+          <a:p>
+            <a:r>
+              <a:rPr lang="zh-CN" altLang="en-US" dirty="0" smtClean="0">
+                <a:ea typeface="宋体" pitchFamily="2" charset="-122"/>
+              </a:rPr>
+              <a:t>一、数论的概念与应用</a:t>
+            </a:r>
+          </a:p>
+        </p:txBody>
+      </p:sp>
+      <p:sp>
+        <p:nvSpPr>
+          <p:cNvPr id="4099" name="内容占位符 2"/>
+          <p:cNvSpPr>
+            <a:spLocks noGrp="1"/>
+          </p:cNvSpPr>
+          <p:nvPr>
+            <p:ph idx="1"/>
+          </p:nvPr>
+        </p:nvSpPr>
+        <p:spPr>
+          <a:xfrm>
+            <a:off x="457200" y="1076325"/>
+            <a:ext cx="8258204" cy="5248275"/>
+          </a:xfrm>
+        </p:spPr>
+        <p:txBody>
+          <a:bodyPr/>
+          <a:lstStyle/>
+          <a:p>
+            <a:pPr algn="just"/>
+            <a:r>
+              <a:rPr lang="zh-CN" altLang="en-US" dirty="0" smtClean="0"/>
+              <a:t>概念：数论是研究</a:t>
+            </a:r>
+            <a:r>
+              <a:rPr lang="en-US" dirty="0" smtClean="0"/>
+              <a:t>1</a:t>
+            </a:r>
+            <a:r>
+              <a:rPr lang="zh-CN" altLang="en-US" dirty="0" smtClean="0"/>
+              <a:t>，</a:t>
+            </a:r>
+            <a:r>
+              <a:rPr lang="en-US" dirty="0" smtClean="0"/>
+              <a:t>2</a:t>
+            </a:r>
+            <a:r>
+              <a:rPr lang="zh-CN" altLang="en-US" dirty="0" smtClean="0"/>
+              <a:t>，</a:t>
+            </a:r>
+            <a:r>
+              <a:rPr lang="en-US" dirty="0" smtClean="0"/>
+              <a:t>3</a:t>
+            </a:r>
+            <a:r>
+              <a:rPr lang="zh-CN" altLang="en-US" dirty="0" smtClean="0"/>
+              <a:t>，</a:t>
+            </a:r>
+            <a:r>
+              <a:rPr lang="en-US" altLang="zh-CN" dirty="0" smtClean="0"/>
+              <a:t>…</a:t>
+            </a:r>
+            <a:r>
+              <a:rPr lang="zh-CN" altLang="en-US" dirty="0" smtClean="0"/>
+              <a:t>性质的一门数学分支，是计算机科学的重要支撑之一。</a:t>
+            </a:r>
+            <a:endParaRPr lang="en-US" altLang="zh-CN" dirty="0" smtClean="0"/>
+          </a:p>
+          <a:p>
+            <a:pPr algn="just">
+              <a:buNone/>
+            </a:pPr>
+            <a:endParaRPr lang="zh-CN" altLang="en-US" dirty="0" smtClean="0"/>
+          </a:p>
+          <a:p>
+            <a:pPr algn="just"/>
+            <a:r>
+              <a:rPr lang="zh-CN" altLang="en-US" dirty="0" smtClean="0"/>
+              <a:t>应用：数字通信、计算机系统、信息安全等领域。</a:t>
+            </a:r>
+            <a:endParaRPr lang="zh-CN" altLang="zh-CN" dirty="0"/>
+          </a:p>
+          <a:p>
+            <a:pPr lvl="1"/>
+            <a:endParaRPr lang="zh-CN" altLang="en-US" dirty="0" smtClean="0"/>
+          </a:p>
+        </p:txBody>
+      </p:sp>
+    </p:spTree>
+  </p:cSld>
+  <p:clrMapOvr>
+    <a:masterClrMapping/>
+  </p:clrMapOvr>
+  <p:timing>
+    <p:tnLst>
+      <p:par>
+        <p:cTn id="1" dur="indefinite" restart="never" nodeType="tmRoot"/>
+      </p:par>
+    </p:tnLst>
+  </p:timing>
+</p:sld>
+</file>
+
 <file path=ppt/slides/slide3.xml><?xml version="1.0" encoding="utf-8"?>
 <p:sld xmlns:a="http://schemas.openxmlformats.org/drawingml/2006/main" xmlns:r="http://schemas.openxmlformats.org/officeDocument/2006/relationships" xmlns:p="http://schemas.openxmlformats.org/presentationml/2006/main">
   <p:cSld>
@@ -11551,9 +9600,59 @@
         </p:xfrm>
         <a:graphic>
           <a:graphicData uri="http://schemas.openxmlformats.org/presentationml/2006/ole">
-            <p:oleObj spid="_x0000_s21508" name="Equation" r:id="rId3" imgW="583920" imgH="203040" progId="Equation.DSMT4">
-              <p:embed/>
-            </p:oleObj>
+            <mc:AlternateContent xmlns:mc="http://schemas.openxmlformats.org/markup-compatibility/2006">
+              <mc:Choice xmlns:v="urn:schemas-microsoft-com:vml" Requires="v">
+                <p:oleObj spid="_x0000_s21516" name="Equation" r:id="rId3" imgW="583920" imgH="203040" progId="Equation.DSMT4">
+                  <p:embed/>
+                </p:oleObj>
+              </mc:Choice>
+              <mc:Fallback>
+                <p:oleObj name="Equation" r:id="rId3" imgW="583920" imgH="203040" progId="Equation.DSMT4">
+                  <p:embed/>
+                  <p:pic>
+                    <p:nvPicPr>
+                      <p:cNvPr id="0" name="Object 6"/>
+                      <p:cNvPicPr>
+                        <a:picLocks noChangeAspect="1" noChangeArrowheads="1"/>
+                      </p:cNvPicPr>
+                      <p:nvPr/>
+                    </p:nvPicPr>
+                    <p:blipFill>
+                      <a:blip r:embed="rId4">
+                        <a:extLst>
+                          <a:ext uri="{28A0092B-C50C-407E-A947-70E740481C1C}">
+                            <a14:useLocalDpi xmlns:a14="http://schemas.microsoft.com/office/drawing/2010/main" val="0"/>
+                          </a:ext>
+                        </a:extLst>
+                      </a:blip>
+                      <a:srcRect/>
+                      <a:stretch>
+                        <a:fillRect/>
+                      </a:stretch>
+                    </p:blipFill>
+                    <p:spPr bwMode="auto">
+                      <a:xfrm>
+                        <a:off x="4000508" y="1285860"/>
+                        <a:ext cx="1571624" cy="519113"/>
+                      </a:xfrm>
+                      <a:prstGeom prst="rect">
+                        <a:avLst/>
+                      </a:prstGeom>
+                      <a:noFill/>
+                      <a:extLst>
+                        <a:ext uri="{909E8E84-426E-40DD-AFC4-6F175D3DCCD1}">
+                          <a14:hiddenFill xmlns:a14="http://schemas.microsoft.com/office/drawing/2010/main">
+                            <a:solidFill>
+                              <a:srgbClr val="FFFFFF"/>
+                            </a:solidFill>
+                          </a14:hiddenFill>
+                        </a:ext>
+                      </a:extLst>
+                    </p:spPr>
+                  </p:pic>
+                </p:oleObj>
+              </mc:Fallback>
+            </mc:AlternateContent>
           </a:graphicData>
         </a:graphic>
       </p:graphicFrame>
@@ -11781,9 +9880,59 @@
         </p:xfrm>
         <a:graphic>
           <a:graphicData uri="http://schemas.openxmlformats.org/presentationml/2006/ole">
-            <p:oleObj spid="_x0000_s41986" name="Equation" r:id="rId3" imgW="126835" imgH="139518" progId="Equation.DSMT4">
-              <p:embed/>
-            </p:oleObj>
+            <mc:AlternateContent xmlns:mc="http://schemas.openxmlformats.org/markup-compatibility/2006">
+              <mc:Choice xmlns:v="urn:schemas-microsoft-com:vml" Requires="v">
+                <p:oleObj spid="_x0000_s42018" name="Equation" r:id="rId3" imgW="126835" imgH="139518" progId="Equation.DSMT4">
+                  <p:embed/>
+                </p:oleObj>
+              </mc:Choice>
+              <mc:Fallback>
+                <p:oleObj name="Equation" r:id="rId3" imgW="126835" imgH="139518" progId="Equation.DSMT4">
+                  <p:embed/>
+                  <p:pic>
+                    <p:nvPicPr>
+                      <p:cNvPr id="0" name="Object 3"/>
+                      <p:cNvPicPr>
+                        <a:picLocks noChangeAspect="1" noChangeArrowheads="1"/>
+                      </p:cNvPicPr>
+                      <p:nvPr/>
+                    </p:nvPicPr>
+                    <p:blipFill>
+                      <a:blip r:embed="rId4">
+                        <a:extLst>
+                          <a:ext uri="{28A0092B-C50C-407E-A947-70E740481C1C}">
+                            <a14:useLocalDpi xmlns:a14="http://schemas.microsoft.com/office/drawing/2010/main" val="0"/>
+                          </a:ext>
+                        </a:extLst>
+                      </a:blip>
+                      <a:srcRect/>
+                      <a:stretch>
+                        <a:fillRect/>
+                      </a:stretch>
+                    </p:blipFill>
+                    <p:spPr bwMode="auto">
+                      <a:xfrm>
+                        <a:off x="5143504" y="2786058"/>
+                        <a:ext cx="357190" cy="357190"/>
+                      </a:xfrm>
+                      <a:prstGeom prst="rect">
+                        <a:avLst/>
+                      </a:prstGeom>
+                      <a:noFill/>
+                      <a:extLst>
+                        <a:ext uri="{909E8E84-426E-40DD-AFC4-6F175D3DCCD1}">
+                          <a14:hiddenFill xmlns:a14="http://schemas.microsoft.com/office/drawing/2010/main">
+                            <a:solidFill>
+                              <a:srgbClr val="FFFFFF"/>
+                            </a:solidFill>
+                          </a14:hiddenFill>
+                        </a:ext>
+                      </a:extLst>
+                    </p:spPr>
+                  </p:pic>
+                </p:oleObj>
+              </mc:Fallback>
+            </mc:AlternateContent>
           </a:graphicData>
         </a:graphic>
       </p:graphicFrame>
@@ -11801,9 +9950,59 @@
         </p:xfrm>
         <a:graphic>
           <a:graphicData uri="http://schemas.openxmlformats.org/presentationml/2006/ole">
-            <p:oleObj spid="_x0000_s41987" name="Equation" r:id="rId4" imgW="126720" imgH="177480" progId="Equation.DSMT4">
-              <p:embed/>
-            </p:oleObj>
+            <mc:AlternateContent xmlns:mc="http://schemas.openxmlformats.org/markup-compatibility/2006">
+              <mc:Choice xmlns:v="urn:schemas-microsoft-com:vml" Requires="v">
+                <p:oleObj spid="_x0000_s42019" name="Equation" r:id="rId5" imgW="126720" imgH="177480" progId="Equation.DSMT4">
+                  <p:embed/>
+                </p:oleObj>
+              </mc:Choice>
+              <mc:Fallback>
+                <p:oleObj name="Equation" r:id="rId5" imgW="126720" imgH="177480" progId="Equation.DSMT4">
+                  <p:embed/>
+                  <p:pic>
+                    <p:nvPicPr>
+                      <p:cNvPr id="0" name="Object 5"/>
+                      <p:cNvPicPr>
+                        <a:picLocks noChangeAspect="1" noChangeArrowheads="1"/>
+                      </p:cNvPicPr>
+                      <p:nvPr/>
+                    </p:nvPicPr>
+                    <p:blipFill>
+                      <a:blip r:embed="rId6">
+                        <a:extLst>
+                          <a:ext uri="{28A0092B-C50C-407E-A947-70E740481C1C}">
+                            <a14:useLocalDpi xmlns:a14="http://schemas.microsoft.com/office/drawing/2010/main" val="0"/>
+                          </a:ext>
+                        </a:extLst>
+                      </a:blip>
+                      <a:srcRect/>
+                      <a:stretch>
+                        <a:fillRect/>
+                      </a:stretch>
+                    </p:blipFill>
+                    <p:spPr bwMode="auto">
+                      <a:xfrm>
+                        <a:off x="5857886" y="2714620"/>
+                        <a:ext cx="357188" cy="454025"/>
+                      </a:xfrm>
+                      <a:prstGeom prst="rect">
+                        <a:avLst/>
+                      </a:prstGeom>
+                      <a:noFill/>
+                      <a:extLst>
+                        <a:ext uri="{909E8E84-426E-40DD-AFC4-6F175D3DCCD1}">
+                          <a14:hiddenFill xmlns:a14="http://schemas.microsoft.com/office/drawing/2010/main">
+                            <a:solidFill>
+                              <a:srgbClr val="FFFFFF"/>
+                            </a:solidFill>
+                          </a14:hiddenFill>
+                        </a:ext>
+                      </a:extLst>
+                    </p:spPr>
+                  </p:pic>
+                </p:oleObj>
+              </mc:Fallback>
+            </mc:AlternateContent>
           </a:graphicData>
         </a:graphic>
       </p:graphicFrame>
@@ -11821,9 +10020,59 @@
         </p:xfrm>
         <a:graphic>
           <a:graphicData uri="http://schemas.openxmlformats.org/presentationml/2006/ole">
-            <p:oleObj spid="_x0000_s41988" name="Equation" r:id="rId5" imgW="583920" imgH="203040" progId="Equation.DSMT4">
-              <p:embed/>
-            </p:oleObj>
+            <mc:AlternateContent xmlns:mc="http://schemas.openxmlformats.org/markup-compatibility/2006">
+              <mc:Choice xmlns:v="urn:schemas-microsoft-com:vml" Requires="v">
+                <p:oleObj spid="_x0000_s42020" name="Equation" r:id="rId7" imgW="583920" imgH="203040" progId="Equation.DSMT4">
+                  <p:embed/>
+                </p:oleObj>
+              </mc:Choice>
+              <mc:Fallback>
+                <p:oleObj name="Equation" r:id="rId7" imgW="583920" imgH="203040" progId="Equation.DSMT4">
+                  <p:embed/>
+                  <p:pic>
+                    <p:nvPicPr>
+                      <p:cNvPr id="0" name="Object 6"/>
+                      <p:cNvPicPr>
+                        <a:picLocks noChangeAspect="1" noChangeArrowheads="1"/>
+                      </p:cNvPicPr>
+                      <p:nvPr/>
+                    </p:nvPicPr>
+                    <p:blipFill>
+                      <a:blip r:embed="rId8">
+                        <a:extLst>
+                          <a:ext uri="{28A0092B-C50C-407E-A947-70E740481C1C}">
+                            <a14:useLocalDpi xmlns:a14="http://schemas.microsoft.com/office/drawing/2010/main" val="0"/>
+                          </a:ext>
+                        </a:extLst>
+                      </a:blip>
+                      <a:srcRect/>
+                      <a:stretch>
+                        <a:fillRect/>
+                      </a:stretch>
+                    </p:blipFill>
+                    <p:spPr bwMode="auto">
+                      <a:xfrm>
+                        <a:off x="4000508" y="1285860"/>
+                        <a:ext cx="1571624" cy="519113"/>
+                      </a:xfrm>
+                      <a:prstGeom prst="rect">
+                        <a:avLst/>
+                      </a:prstGeom>
+                      <a:noFill/>
+                      <a:extLst>
+                        <a:ext uri="{909E8E84-426E-40DD-AFC4-6F175D3DCCD1}">
+                          <a14:hiddenFill xmlns:a14="http://schemas.microsoft.com/office/drawing/2010/main">
+                            <a:solidFill>
+                              <a:srgbClr val="FFFFFF"/>
+                            </a:solidFill>
+                          </a14:hiddenFill>
+                        </a:ext>
+                      </a:extLst>
+                    </p:spPr>
+                  </p:pic>
+                </p:oleObj>
+              </mc:Fallback>
+            </mc:AlternateContent>
           </a:graphicData>
         </a:graphic>
       </p:graphicFrame>
@@ -11841,9 +10090,59 @@
         </p:xfrm>
         <a:graphic>
           <a:graphicData uri="http://schemas.openxmlformats.org/presentationml/2006/ole">
-            <p:oleObj spid="_x0000_s41989" name="Equation" r:id="rId6" imgW="583920" imgH="203040" progId="Equation.DSMT4">
-              <p:embed/>
-            </p:oleObj>
+            <mc:AlternateContent xmlns:mc="http://schemas.openxmlformats.org/markup-compatibility/2006">
+              <mc:Choice xmlns:v="urn:schemas-microsoft-com:vml" Requires="v">
+                <p:oleObj spid="_x0000_s42021" name="Equation" r:id="rId9" imgW="583920" imgH="203040" progId="Equation.DSMT4">
+                  <p:embed/>
+                </p:oleObj>
+              </mc:Choice>
+              <mc:Fallback>
+                <p:oleObj name="Equation" r:id="rId9" imgW="583920" imgH="203040" progId="Equation.DSMT4">
+                  <p:embed/>
+                  <p:pic>
+                    <p:nvPicPr>
+                      <p:cNvPr id="0" name="Object 7"/>
+                      <p:cNvPicPr>
+                        <a:picLocks noChangeAspect="1" noChangeArrowheads="1"/>
+                      </p:cNvPicPr>
+                      <p:nvPr/>
+                    </p:nvPicPr>
+                    <p:blipFill>
+                      <a:blip r:embed="rId8">
+                        <a:extLst>
+                          <a:ext uri="{28A0092B-C50C-407E-A947-70E740481C1C}">
+                            <a14:useLocalDpi xmlns:a14="http://schemas.microsoft.com/office/drawing/2010/main" val="0"/>
+                          </a:ext>
+                        </a:extLst>
+                      </a:blip>
+                      <a:srcRect/>
+                      <a:stretch>
+                        <a:fillRect/>
+                      </a:stretch>
+                    </p:blipFill>
+                    <p:spPr bwMode="auto">
+                      <a:xfrm>
+                        <a:off x="2357433" y="3429000"/>
+                        <a:ext cx="1500187" cy="519113"/>
+                      </a:xfrm>
+                      <a:prstGeom prst="rect">
+                        <a:avLst/>
+                      </a:prstGeom>
+                      <a:noFill/>
+                      <a:extLst>
+                        <a:ext uri="{909E8E84-426E-40DD-AFC4-6F175D3DCCD1}">
+                          <a14:hiddenFill xmlns:a14="http://schemas.microsoft.com/office/drawing/2010/main">
+                            <a:solidFill>
+                              <a:srgbClr val="FFFFFF"/>
+                            </a:solidFill>
+                          </a14:hiddenFill>
+                        </a:ext>
+                      </a:extLst>
+                    </p:spPr>
+                  </p:pic>
+                </p:oleObj>
+              </mc:Fallback>
+            </mc:AlternateContent>
           </a:graphicData>
         </a:graphic>
       </p:graphicFrame>
@@ -12197,9 +10496,59 @@
         </p:xfrm>
         <a:graphic>
           <a:graphicData uri="http://schemas.openxmlformats.org/presentationml/2006/ole">
-            <p:oleObj spid="_x0000_s43010" name="Equation" r:id="rId3" imgW="126835" imgH="139518" progId="Equation.DSMT4">
-              <p:embed/>
-            </p:oleObj>
+            <mc:AlternateContent xmlns:mc="http://schemas.openxmlformats.org/markup-compatibility/2006">
+              <mc:Choice xmlns:v="urn:schemas-microsoft-com:vml" Requires="v">
+                <p:oleObj spid="_x0000_s43134" name="Equation" r:id="rId3" imgW="126835" imgH="139518" progId="Equation.DSMT4">
+                  <p:embed/>
+                </p:oleObj>
+              </mc:Choice>
+              <mc:Fallback>
+                <p:oleObj name="Equation" r:id="rId3" imgW="126835" imgH="139518" progId="Equation.DSMT4">
+                  <p:embed/>
+                  <p:pic>
+                    <p:nvPicPr>
+                      <p:cNvPr id="0" name="Object 3"/>
+                      <p:cNvPicPr>
+                        <a:picLocks noChangeAspect="1" noChangeArrowheads="1"/>
+                      </p:cNvPicPr>
+                      <p:nvPr/>
+                    </p:nvPicPr>
+                    <p:blipFill>
+                      <a:blip r:embed="rId4">
+                        <a:extLst>
+                          <a:ext uri="{28A0092B-C50C-407E-A947-70E740481C1C}">
+                            <a14:useLocalDpi xmlns:a14="http://schemas.microsoft.com/office/drawing/2010/main" val="0"/>
+                          </a:ext>
+                        </a:extLst>
+                      </a:blip>
+                      <a:srcRect/>
+                      <a:stretch>
+                        <a:fillRect/>
+                      </a:stretch>
+                    </p:blipFill>
+                    <p:spPr bwMode="auto">
+                      <a:xfrm>
+                        <a:off x="5143504" y="2786058"/>
+                        <a:ext cx="357190" cy="357190"/>
+                      </a:xfrm>
+                      <a:prstGeom prst="rect">
+                        <a:avLst/>
+                      </a:prstGeom>
+                      <a:noFill/>
+                      <a:extLst>
+                        <a:ext uri="{909E8E84-426E-40DD-AFC4-6F175D3DCCD1}">
+                          <a14:hiddenFill xmlns:a14="http://schemas.microsoft.com/office/drawing/2010/main">
+                            <a:solidFill>
+                              <a:srgbClr val="FFFFFF"/>
+                            </a:solidFill>
+                          </a14:hiddenFill>
+                        </a:ext>
+                      </a:extLst>
+                    </p:spPr>
+                  </p:pic>
+                </p:oleObj>
+              </mc:Fallback>
+            </mc:AlternateContent>
           </a:graphicData>
         </a:graphic>
       </p:graphicFrame>
@@ -12217,9 +10566,59 @@
         </p:xfrm>
         <a:graphic>
           <a:graphicData uri="http://schemas.openxmlformats.org/presentationml/2006/ole">
-            <p:oleObj spid="_x0000_s43011" name="Equation" r:id="rId4" imgW="126720" imgH="177480" progId="Equation.DSMT4">
-              <p:embed/>
-            </p:oleObj>
+            <mc:AlternateContent xmlns:mc="http://schemas.openxmlformats.org/markup-compatibility/2006">
+              <mc:Choice xmlns:v="urn:schemas-microsoft-com:vml" Requires="v">
+                <p:oleObj spid="_x0000_s43135" name="Equation" r:id="rId5" imgW="126720" imgH="177480" progId="Equation.DSMT4">
+                  <p:embed/>
+                </p:oleObj>
+              </mc:Choice>
+              <mc:Fallback>
+                <p:oleObj name="Equation" r:id="rId5" imgW="126720" imgH="177480" progId="Equation.DSMT4">
+                  <p:embed/>
+                  <p:pic>
+                    <p:nvPicPr>
+                      <p:cNvPr id="0" name="Object 5"/>
+                      <p:cNvPicPr>
+                        <a:picLocks noChangeAspect="1" noChangeArrowheads="1"/>
+                      </p:cNvPicPr>
+                      <p:nvPr/>
+                    </p:nvPicPr>
+                    <p:blipFill>
+                      <a:blip r:embed="rId6">
+                        <a:extLst>
+                          <a:ext uri="{28A0092B-C50C-407E-A947-70E740481C1C}">
+                            <a14:useLocalDpi xmlns:a14="http://schemas.microsoft.com/office/drawing/2010/main" val="0"/>
+                          </a:ext>
+                        </a:extLst>
+                      </a:blip>
+                      <a:srcRect/>
+                      <a:stretch>
+                        <a:fillRect/>
+                      </a:stretch>
+                    </p:blipFill>
+                    <p:spPr bwMode="auto">
+                      <a:xfrm>
+                        <a:off x="5857886" y="2714620"/>
+                        <a:ext cx="357188" cy="454025"/>
+                      </a:xfrm>
+                      <a:prstGeom prst="rect">
+                        <a:avLst/>
+                      </a:prstGeom>
+                      <a:noFill/>
+                      <a:extLst>
+                        <a:ext uri="{909E8E84-426E-40DD-AFC4-6F175D3DCCD1}">
+                          <a14:hiddenFill xmlns:a14="http://schemas.microsoft.com/office/drawing/2010/main">
+                            <a:solidFill>
+                              <a:srgbClr val="FFFFFF"/>
+                            </a:solidFill>
+                          </a14:hiddenFill>
+                        </a:ext>
+                      </a:extLst>
+                    </p:spPr>
+                  </p:pic>
+                </p:oleObj>
+              </mc:Fallback>
+            </mc:AlternateContent>
           </a:graphicData>
         </a:graphic>
       </p:graphicFrame>
@@ -12237,9 +10636,59 @@
         </p:xfrm>
         <a:graphic>
           <a:graphicData uri="http://schemas.openxmlformats.org/presentationml/2006/ole">
-            <p:oleObj spid="_x0000_s43012" name="Equation" r:id="rId5" imgW="583920" imgH="203040" progId="Equation.DSMT4">
-              <p:embed/>
-            </p:oleObj>
+            <mc:AlternateContent xmlns:mc="http://schemas.openxmlformats.org/markup-compatibility/2006">
+              <mc:Choice xmlns:v="urn:schemas-microsoft-com:vml" Requires="v">
+                <p:oleObj spid="_x0000_s43136" name="Equation" r:id="rId7" imgW="583920" imgH="203040" progId="Equation.DSMT4">
+                  <p:embed/>
+                </p:oleObj>
+              </mc:Choice>
+              <mc:Fallback>
+                <p:oleObj name="Equation" r:id="rId7" imgW="583920" imgH="203040" progId="Equation.DSMT4">
+                  <p:embed/>
+                  <p:pic>
+                    <p:nvPicPr>
+                      <p:cNvPr id="0" name="Object 6"/>
+                      <p:cNvPicPr>
+                        <a:picLocks noChangeAspect="1" noChangeArrowheads="1"/>
+                      </p:cNvPicPr>
+                      <p:nvPr/>
+                    </p:nvPicPr>
+                    <p:blipFill>
+                      <a:blip r:embed="rId8">
+                        <a:extLst>
+                          <a:ext uri="{28A0092B-C50C-407E-A947-70E740481C1C}">
+                            <a14:useLocalDpi xmlns:a14="http://schemas.microsoft.com/office/drawing/2010/main" val="0"/>
+                          </a:ext>
+                        </a:extLst>
+                      </a:blip>
+                      <a:srcRect/>
+                      <a:stretch>
+                        <a:fillRect/>
+                      </a:stretch>
+                    </p:blipFill>
+                    <p:spPr bwMode="auto">
+                      <a:xfrm>
+                        <a:off x="4000508" y="1285860"/>
+                        <a:ext cx="1571624" cy="519113"/>
+                      </a:xfrm>
+                      <a:prstGeom prst="rect">
+                        <a:avLst/>
+                      </a:prstGeom>
+                      <a:noFill/>
+                      <a:extLst>
+                        <a:ext uri="{909E8E84-426E-40DD-AFC4-6F175D3DCCD1}">
+                          <a14:hiddenFill xmlns:a14="http://schemas.microsoft.com/office/drawing/2010/main">
+                            <a:solidFill>
+                              <a:srgbClr val="FFFFFF"/>
+                            </a:solidFill>
+                          </a14:hiddenFill>
+                        </a:ext>
+                      </a:extLst>
+                    </p:spPr>
+                  </p:pic>
+                </p:oleObj>
+              </mc:Fallback>
+            </mc:AlternateContent>
           </a:graphicData>
         </a:graphic>
       </p:graphicFrame>
@@ -12257,9 +10706,59 @@
         </p:xfrm>
         <a:graphic>
           <a:graphicData uri="http://schemas.openxmlformats.org/presentationml/2006/ole">
-            <p:oleObj spid="_x0000_s43013" name="Equation" r:id="rId6" imgW="583920" imgH="203040" progId="Equation.DSMT4">
-              <p:embed/>
-            </p:oleObj>
+            <mc:AlternateContent xmlns:mc="http://schemas.openxmlformats.org/markup-compatibility/2006">
+              <mc:Choice xmlns:v="urn:schemas-microsoft-com:vml" Requires="v">
+                <p:oleObj spid="_x0000_s43137" name="Equation" r:id="rId9" imgW="583920" imgH="203040" progId="Equation.DSMT4">
+                  <p:embed/>
+                </p:oleObj>
+              </mc:Choice>
+              <mc:Fallback>
+                <p:oleObj name="Equation" r:id="rId9" imgW="583920" imgH="203040" progId="Equation.DSMT4">
+                  <p:embed/>
+                  <p:pic>
+                    <p:nvPicPr>
+                      <p:cNvPr id="0" name="Object 7"/>
+                      <p:cNvPicPr>
+                        <a:picLocks noChangeAspect="1" noChangeArrowheads="1"/>
+                      </p:cNvPicPr>
+                      <p:nvPr/>
+                    </p:nvPicPr>
+                    <p:blipFill>
+                      <a:blip r:embed="rId8">
+                        <a:extLst>
+                          <a:ext uri="{28A0092B-C50C-407E-A947-70E740481C1C}">
+                            <a14:useLocalDpi xmlns:a14="http://schemas.microsoft.com/office/drawing/2010/main" val="0"/>
+                          </a:ext>
+                        </a:extLst>
+                      </a:blip>
+                      <a:srcRect/>
+                      <a:stretch>
+                        <a:fillRect/>
+                      </a:stretch>
+                    </p:blipFill>
+                    <p:spPr bwMode="auto">
+                      <a:xfrm>
+                        <a:off x="2357433" y="3429000"/>
+                        <a:ext cx="1500187" cy="519113"/>
+                      </a:xfrm>
+                      <a:prstGeom prst="rect">
+                        <a:avLst/>
+                      </a:prstGeom>
+                      <a:noFill/>
+                      <a:extLst>
+                        <a:ext uri="{909E8E84-426E-40DD-AFC4-6F175D3DCCD1}">
+                          <a14:hiddenFill xmlns:a14="http://schemas.microsoft.com/office/drawing/2010/main">
+                            <a:solidFill>
+                              <a:srgbClr val="FFFFFF"/>
+                            </a:solidFill>
+                          </a14:hiddenFill>
+                        </a:ext>
+                      </a:extLst>
+                    </p:spPr>
+                  </p:pic>
+                </p:oleObj>
+              </mc:Fallback>
+            </mc:AlternateContent>
           </a:graphicData>
         </a:graphic>
       </p:graphicFrame>
@@ -12277,9 +10776,59 @@
         </p:xfrm>
         <a:graphic>
           <a:graphicData uri="http://schemas.openxmlformats.org/presentationml/2006/ole">
-            <p:oleObj spid="_x0000_s43014" name="Equation" r:id="rId7" imgW="736560" imgH="177480" progId="Equation.DSMT4">
-              <p:embed/>
-            </p:oleObj>
+            <mc:AlternateContent xmlns:mc="http://schemas.openxmlformats.org/markup-compatibility/2006">
+              <mc:Choice xmlns:v="urn:schemas-microsoft-com:vml" Requires="v">
+                <p:oleObj spid="_x0000_s43138" name="Equation" r:id="rId10" imgW="736560" imgH="177480" progId="Equation.DSMT4">
+                  <p:embed/>
+                </p:oleObj>
+              </mc:Choice>
+              <mc:Fallback>
+                <p:oleObj name="Equation" r:id="rId10" imgW="736560" imgH="177480" progId="Equation.DSMT4">
+                  <p:embed/>
+                  <p:pic>
+                    <p:nvPicPr>
+                      <p:cNvPr id="0" name="Object 10"/>
+                      <p:cNvPicPr>
+                        <a:picLocks noChangeAspect="1" noChangeArrowheads="1"/>
+                      </p:cNvPicPr>
+                      <p:nvPr/>
+                    </p:nvPicPr>
+                    <p:blipFill>
+                      <a:blip r:embed="rId11">
+                        <a:extLst>
+                          <a:ext uri="{28A0092B-C50C-407E-A947-70E740481C1C}">
+                            <a14:useLocalDpi xmlns:a14="http://schemas.microsoft.com/office/drawing/2010/main" val="0"/>
+                          </a:ext>
+                        </a:extLst>
+                      </a:blip>
+                      <a:srcRect/>
+                      <a:stretch>
+                        <a:fillRect/>
+                      </a:stretch>
+                    </p:blipFill>
+                    <p:spPr bwMode="auto">
+                      <a:xfrm>
+                        <a:off x="3857620" y="3857628"/>
+                        <a:ext cx="1785950" cy="454025"/>
+                      </a:xfrm>
+                      <a:prstGeom prst="rect">
+                        <a:avLst/>
+                      </a:prstGeom>
+                      <a:noFill/>
+                      <a:extLst>
+                        <a:ext uri="{909E8E84-426E-40DD-AFC4-6F175D3DCCD1}">
+                          <a14:hiddenFill xmlns:a14="http://schemas.microsoft.com/office/drawing/2010/main">
+                            <a:solidFill>
+                              <a:srgbClr val="FFFFFF"/>
+                            </a:solidFill>
+                          </a14:hiddenFill>
+                        </a:ext>
+                      </a:extLst>
+                    </p:spPr>
+                  </p:pic>
+                </p:oleObj>
+              </mc:Fallback>
+            </mc:AlternateContent>
           </a:graphicData>
         </a:graphic>
       </p:graphicFrame>
@@ -12297,9 +10846,59 @@
         </p:xfrm>
         <a:graphic>
           <a:graphicData uri="http://schemas.openxmlformats.org/presentationml/2006/ole">
-            <p:oleObj spid="_x0000_s43015" name="Equation" r:id="rId8" imgW="812520" imgH="203040" progId="Equation.DSMT4">
-              <p:embed/>
-            </p:oleObj>
+            <mc:AlternateContent xmlns:mc="http://schemas.openxmlformats.org/markup-compatibility/2006">
+              <mc:Choice xmlns:v="urn:schemas-microsoft-com:vml" Requires="v">
+                <p:oleObj spid="_x0000_s43139" name="Equation" r:id="rId12" imgW="812520" imgH="203040" progId="Equation.DSMT4">
+                  <p:embed/>
+                </p:oleObj>
+              </mc:Choice>
+              <mc:Fallback>
+                <p:oleObj name="Equation" r:id="rId12" imgW="812520" imgH="203040" progId="Equation.DSMT4">
+                  <p:embed/>
+                  <p:pic>
+                    <p:nvPicPr>
+                      <p:cNvPr id="0" name="Object 11"/>
+                      <p:cNvPicPr>
+                        <a:picLocks noChangeAspect="1" noChangeArrowheads="1"/>
+                      </p:cNvPicPr>
+                      <p:nvPr/>
+                    </p:nvPicPr>
+                    <p:blipFill>
+                      <a:blip r:embed="rId13">
+                        <a:extLst>
+                          <a:ext uri="{28A0092B-C50C-407E-A947-70E740481C1C}">
+                            <a14:useLocalDpi xmlns:a14="http://schemas.microsoft.com/office/drawing/2010/main" val="0"/>
+                          </a:ext>
+                        </a:extLst>
+                      </a:blip>
+                      <a:srcRect/>
+                      <a:stretch>
+                        <a:fillRect/>
+                      </a:stretch>
+                    </p:blipFill>
+                    <p:spPr bwMode="auto">
+                      <a:xfrm>
+                        <a:off x="6286512" y="3838581"/>
+                        <a:ext cx="2000264" cy="519113"/>
+                      </a:xfrm>
+                      <a:prstGeom prst="rect">
+                        <a:avLst/>
+                      </a:prstGeom>
+                      <a:noFill/>
+                      <a:extLst>
+                        <a:ext uri="{909E8E84-426E-40DD-AFC4-6F175D3DCCD1}">
+                          <a14:hiddenFill xmlns:a14="http://schemas.microsoft.com/office/drawing/2010/main">
+                            <a:solidFill>
+                              <a:srgbClr val="FFFFFF"/>
+                            </a:solidFill>
+                          </a14:hiddenFill>
+                        </a:ext>
+                      </a:extLst>
+                    </p:spPr>
+                  </p:pic>
+                </p:oleObj>
+              </mc:Fallback>
+            </mc:AlternateContent>
           </a:graphicData>
         </a:graphic>
       </p:graphicFrame>
@@ -12317,9 +10916,59 @@
         </p:xfrm>
         <a:graphic>
           <a:graphicData uri="http://schemas.openxmlformats.org/presentationml/2006/ole">
-            <p:oleObj spid="_x0000_s43017" name="Equation" r:id="rId9" imgW="761760" imgH="164880" progId="Equation.DSMT4">
-              <p:embed/>
-            </p:oleObj>
+            <mc:AlternateContent xmlns:mc="http://schemas.openxmlformats.org/markup-compatibility/2006">
+              <mc:Choice xmlns:v="urn:schemas-microsoft-com:vml" Requires="v">
+                <p:oleObj spid="_x0000_s43140" name="Equation" r:id="rId14" imgW="761760" imgH="164880" progId="Equation.DSMT4">
+                  <p:embed/>
+                </p:oleObj>
+              </mc:Choice>
+              <mc:Fallback>
+                <p:oleObj name="Equation" r:id="rId14" imgW="761760" imgH="164880" progId="Equation.DSMT4">
+                  <p:embed/>
+                  <p:pic>
+                    <p:nvPicPr>
+                      <p:cNvPr id="0" name="Object 16"/>
+                      <p:cNvPicPr>
+                        <a:picLocks noChangeAspect="1" noChangeArrowheads="1"/>
+                      </p:cNvPicPr>
+                      <p:nvPr/>
+                    </p:nvPicPr>
+                    <p:blipFill>
+                      <a:blip r:embed="rId15">
+                        <a:extLst>
+                          <a:ext uri="{28A0092B-C50C-407E-A947-70E740481C1C}">
+                            <a14:useLocalDpi xmlns:a14="http://schemas.microsoft.com/office/drawing/2010/main" val="0"/>
+                          </a:ext>
+                        </a:extLst>
+                      </a:blip>
+                      <a:srcRect/>
+                      <a:stretch>
+                        <a:fillRect/>
+                      </a:stretch>
+                    </p:blipFill>
+                    <p:spPr bwMode="auto">
+                      <a:xfrm>
+                        <a:off x="2285984" y="5214950"/>
+                        <a:ext cx="1790700" cy="420688"/>
+                      </a:xfrm>
+                      <a:prstGeom prst="rect">
+                        <a:avLst/>
+                      </a:prstGeom>
+                      <a:noFill/>
+                      <a:extLst>
+                        <a:ext uri="{909E8E84-426E-40DD-AFC4-6F175D3DCCD1}">
+                          <a14:hiddenFill xmlns:a14="http://schemas.microsoft.com/office/drawing/2010/main">
+                            <a:solidFill>
+                              <a:srgbClr val="FFFFFF"/>
+                            </a:solidFill>
+                          </a14:hiddenFill>
+                        </a:ext>
+                      </a:extLst>
+                    </p:spPr>
+                  </p:pic>
+                </p:oleObj>
+              </mc:Fallback>
+            </mc:AlternateContent>
           </a:graphicData>
         </a:graphic>
       </p:graphicFrame>
@@ -12337,9 +10986,59 @@
         </p:xfrm>
         <a:graphic>
           <a:graphicData uri="http://schemas.openxmlformats.org/presentationml/2006/ole">
-            <p:oleObj spid="_x0000_s43018" name="Equation" r:id="rId10" imgW="965160" imgH="190440" progId="Equation.DSMT4">
-              <p:embed/>
-            </p:oleObj>
+            <mc:AlternateContent xmlns:mc="http://schemas.openxmlformats.org/markup-compatibility/2006">
+              <mc:Choice xmlns:v="urn:schemas-microsoft-com:vml" Requires="v">
+                <p:oleObj spid="_x0000_s43141" name="Equation" r:id="rId16" imgW="965160" imgH="190440" progId="Equation.DSMT4">
+                  <p:embed/>
+                </p:oleObj>
+              </mc:Choice>
+              <mc:Fallback>
+                <p:oleObj name="Equation" r:id="rId16" imgW="965160" imgH="190440" progId="Equation.DSMT4">
+                  <p:embed/>
+                  <p:pic>
+                    <p:nvPicPr>
+                      <p:cNvPr id="0" name="Object 13"/>
+                      <p:cNvPicPr>
+                        <a:picLocks noChangeAspect="1" noChangeArrowheads="1"/>
+                      </p:cNvPicPr>
+                      <p:nvPr/>
+                    </p:nvPicPr>
+                    <p:blipFill>
+                      <a:blip r:embed="rId17">
+                        <a:extLst>
+                          <a:ext uri="{28A0092B-C50C-407E-A947-70E740481C1C}">
+                            <a14:useLocalDpi xmlns:a14="http://schemas.microsoft.com/office/drawing/2010/main" val="0"/>
+                          </a:ext>
+                        </a:extLst>
+                      </a:blip>
+                      <a:srcRect/>
+                      <a:stretch>
+                        <a:fillRect/>
+                      </a:stretch>
+                    </p:blipFill>
+                    <p:spPr bwMode="auto">
+                      <a:xfrm>
+                        <a:off x="6715140" y="5429264"/>
+                        <a:ext cx="2286016" cy="485775"/>
+                      </a:xfrm>
+                      <a:prstGeom prst="rect">
+                        <a:avLst/>
+                      </a:prstGeom>
+                      <a:noFill/>
+                      <a:extLst>
+                        <a:ext uri="{909E8E84-426E-40DD-AFC4-6F175D3DCCD1}">
+                          <a14:hiddenFill xmlns:a14="http://schemas.microsoft.com/office/drawing/2010/main">
+                            <a:solidFill>
+                              <a:srgbClr val="FFFFFF"/>
+                            </a:solidFill>
+                          </a14:hiddenFill>
+                        </a:ext>
+                      </a:extLst>
+                    </p:spPr>
+                  </p:pic>
+                </p:oleObj>
+              </mc:Fallback>
+            </mc:AlternateContent>
           </a:graphicData>
         </a:graphic>
       </p:graphicFrame>
@@ -12357,9 +11056,59 @@
         </p:xfrm>
         <a:graphic>
           <a:graphicData uri="http://schemas.openxmlformats.org/presentationml/2006/ole">
-            <p:oleObj spid="_x0000_s43020" name="Equation" r:id="rId11" imgW="380880" imgH="152280" progId="Equation.DSMT4">
-              <p:embed/>
-            </p:oleObj>
+            <mc:AlternateContent xmlns:mc="http://schemas.openxmlformats.org/markup-compatibility/2006">
+              <mc:Choice xmlns:v="urn:schemas-microsoft-com:vml" Requires="v">
+                <p:oleObj spid="_x0000_s43142" name="Equation" r:id="rId18" imgW="380880" imgH="152280" progId="Equation.DSMT4">
+                  <p:embed/>
+                </p:oleObj>
+              </mc:Choice>
+              <mc:Fallback>
+                <p:oleObj name="Equation" r:id="rId18" imgW="380880" imgH="152280" progId="Equation.DSMT4">
+                  <p:embed/>
+                  <p:pic>
+                    <p:nvPicPr>
+                      <p:cNvPr id="0" name="Picture 12"/>
+                      <p:cNvPicPr>
+                        <a:picLocks noChangeAspect="1" noChangeArrowheads="1"/>
+                      </p:cNvPicPr>
+                      <p:nvPr/>
+                    </p:nvPicPr>
+                    <p:blipFill>
+                      <a:blip r:embed="rId19">
+                        <a:extLst>
+                          <a:ext uri="{28A0092B-C50C-407E-A947-70E740481C1C}">
+                            <a14:useLocalDpi xmlns:a14="http://schemas.microsoft.com/office/drawing/2010/main" val="0"/>
+                          </a:ext>
+                        </a:extLst>
+                      </a:blip>
+                      <a:srcRect/>
+                      <a:stretch>
+                        <a:fillRect/>
+                      </a:stretch>
+                    </p:blipFill>
+                    <p:spPr bwMode="auto">
+                      <a:xfrm>
+                        <a:off x="2676518" y="4786322"/>
+                        <a:ext cx="895350" cy="388938"/>
+                      </a:xfrm>
+                      <a:prstGeom prst="rect">
+                        <a:avLst/>
+                      </a:prstGeom>
+                      <a:noFill/>
+                      <a:extLst>
+                        <a:ext uri="{909E8E84-426E-40DD-AFC4-6F175D3DCCD1}">
+                          <a14:hiddenFill xmlns:a14="http://schemas.microsoft.com/office/drawing/2010/main">
+                            <a:solidFill>
+                              <a:srgbClr val="FFFFFF"/>
+                            </a:solidFill>
+                          </a14:hiddenFill>
+                        </a:ext>
+                      </a:extLst>
+                    </p:spPr>
+                  </p:pic>
+                </p:oleObj>
+              </mc:Fallback>
+            </mc:AlternateContent>
           </a:graphicData>
         </a:graphic>
       </p:graphicFrame>
@@ -12377,9 +11126,59 @@
         </p:xfrm>
         <a:graphic>
           <a:graphicData uri="http://schemas.openxmlformats.org/presentationml/2006/ole">
-            <p:oleObj spid="_x0000_s43022" name="Equation" r:id="rId12" imgW="368280" imgH="164880" progId="Equation.DSMT4">
-              <p:embed/>
-            </p:oleObj>
+            <mc:AlternateContent xmlns:mc="http://schemas.openxmlformats.org/markup-compatibility/2006">
+              <mc:Choice xmlns:v="urn:schemas-microsoft-com:vml" Requires="v">
+                <p:oleObj spid="_x0000_s43143" name="Equation" r:id="rId20" imgW="368280" imgH="164880" progId="Equation.DSMT4">
+                  <p:embed/>
+                </p:oleObj>
+              </mc:Choice>
+              <mc:Fallback>
+                <p:oleObj name="Equation" r:id="rId20" imgW="368280" imgH="164880" progId="Equation.DSMT4">
+                  <p:embed/>
+                  <p:pic>
+                    <p:nvPicPr>
+                      <p:cNvPr id="0" name="Picture 14"/>
+                      <p:cNvPicPr>
+                        <a:picLocks noChangeAspect="1" noChangeArrowheads="1"/>
+                      </p:cNvPicPr>
+                      <p:nvPr/>
+                    </p:nvPicPr>
+                    <p:blipFill>
+                      <a:blip r:embed="rId21">
+                        <a:extLst>
+                          <a:ext uri="{28A0092B-C50C-407E-A947-70E740481C1C}">
+                            <a14:useLocalDpi xmlns:a14="http://schemas.microsoft.com/office/drawing/2010/main" val="0"/>
+                          </a:ext>
+                        </a:extLst>
+                      </a:blip>
+                      <a:srcRect/>
+                      <a:stretch>
+                        <a:fillRect/>
+                      </a:stretch>
+                    </p:blipFill>
+                    <p:spPr bwMode="auto">
+                      <a:xfrm>
+                        <a:off x="3778251" y="4794262"/>
+                        <a:ext cx="865187" cy="420688"/>
+                      </a:xfrm>
+                      <a:prstGeom prst="rect">
+                        <a:avLst/>
+                      </a:prstGeom>
+                      <a:noFill/>
+                      <a:extLst>
+                        <a:ext uri="{909E8E84-426E-40DD-AFC4-6F175D3DCCD1}">
+                          <a14:hiddenFill xmlns:a14="http://schemas.microsoft.com/office/drawing/2010/main">
+                            <a:solidFill>
+                              <a:srgbClr val="FFFFFF"/>
+                            </a:solidFill>
+                          </a14:hiddenFill>
+                        </a:ext>
+                      </a:extLst>
+                    </p:spPr>
+                  </p:pic>
+                </p:oleObj>
+              </mc:Fallback>
+            </mc:AlternateContent>
           </a:graphicData>
         </a:graphic>
       </p:graphicFrame>
@@ -12397,9 +11196,59 @@
         </p:xfrm>
         <a:graphic>
           <a:graphicData uri="http://schemas.openxmlformats.org/presentationml/2006/ole">
-            <p:oleObj spid="_x0000_s43023" name="Equation" r:id="rId13" imgW="507960" imgH="190440" progId="Equation.DSMT4">
-              <p:embed/>
-            </p:oleObj>
+            <mc:AlternateContent xmlns:mc="http://schemas.openxmlformats.org/markup-compatibility/2006">
+              <mc:Choice xmlns:v="urn:schemas-microsoft-com:vml" Requires="v">
+                <p:oleObj spid="_x0000_s43144" name="Equation" r:id="rId22" imgW="507960" imgH="190440" progId="Equation.DSMT4">
+                  <p:embed/>
+                </p:oleObj>
+              </mc:Choice>
+              <mc:Fallback>
+                <p:oleObj name="Equation" r:id="rId22" imgW="507960" imgH="190440" progId="Equation.DSMT4">
+                  <p:embed/>
+                  <p:pic>
+                    <p:nvPicPr>
+                      <p:cNvPr id="0" name="Picture 15"/>
+                      <p:cNvPicPr>
+                        <a:picLocks noChangeAspect="1" noChangeArrowheads="1"/>
+                      </p:cNvPicPr>
+                      <p:nvPr/>
+                    </p:nvPicPr>
+                    <p:blipFill>
+                      <a:blip r:embed="rId23">
+                        <a:extLst>
+                          <a:ext uri="{28A0092B-C50C-407E-A947-70E740481C1C}">
+                            <a14:useLocalDpi xmlns:a14="http://schemas.microsoft.com/office/drawing/2010/main" val="0"/>
+                          </a:ext>
+                        </a:extLst>
+                      </a:blip>
+                      <a:srcRect/>
+                      <a:stretch>
+                        <a:fillRect/>
+                      </a:stretch>
+                    </p:blipFill>
+                    <p:spPr bwMode="auto">
+                      <a:xfrm>
+                        <a:off x="5307026" y="4786322"/>
+                        <a:ext cx="1193800" cy="485775"/>
+                      </a:xfrm>
+                      <a:prstGeom prst="rect">
+                        <a:avLst/>
+                      </a:prstGeom>
+                      <a:noFill/>
+                      <a:extLst>
+                        <a:ext uri="{909E8E84-426E-40DD-AFC4-6F175D3DCCD1}">
+                          <a14:hiddenFill xmlns:a14="http://schemas.microsoft.com/office/drawing/2010/main">
+                            <a:solidFill>
+                              <a:srgbClr val="FFFFFF"/>
+                            </a:solidFill>
+                          </a14:hiddenFill>
+                        </a:ext>
+                      </a:extLst>
+                    </p:spPr>
+                  </p:pic>
+                </p:oleObj>
+              </mc:Fallback>
+            </mc:AlternateContent>
           </a:graphicData>
         </a:graphic>
       </p:graphicFrame>
@@ -12417,9 +11266,59 @@
         </p:xfrm>
         <a:graphic>
           <a:graphicData uri="http://schemas.openxmlformats.org/presentationml/2006/ole">
-            <p:oleObj spid="_x0000_s43024" name="Equation" r:id="rId14" imgW="685800" imgH="164880" progId="Equation.DSMT4">
-              <p:embed/>
-            </p:oleObj>
+            <mc:AlternateContent xmlns:mc="http://schemas.openxmlformats.org/markup-compatibility/2006">
+              <mc:Choice xmlns:v="urn:schemas-microsoft-com:vml" Requires="v">
+                <p:oleObj spid="_x0000_s43145" name="Equation" r:id="rId24" imgW="685800" imgH="164880" progId="Equation.DSMT4">
+                  <p:embed/>
+                </p:oleObj>
+              </mc:Choice>
+              <mc:Fallback>
+                <p:oleObj name="Equation" r:id="rId24" imgW="685800" imgH="164880" progId="Equation.DSMT4">
+                  <p:embed/>
+                  <p:pic>
+                    <p:nvPicPr>
+                      <p:cNvPr id="0" name="Picture 16"/>
+                      <p:cNvPicPr>
+                        <a:picLocks noChangeAspect="1" noChangeArrowheads="1"/>
+                      </p:cNvPicPr>
+                      <p:nvPr/>
+                    </p:nvPicPr>
+                    <p:blipFill>
+                      <a:blip r:embed="rId25">
+                        <a:extLst>
+                          <a:ext uri="{28A0092B-C50C-407E-A947-70E740481C1C}">
+                            <a14:useLocalDpi xmlns:a14="http://schemas.microsoft.com/office/drawing/2010/main" val="0"/>
+                          </a:ext>
+                        </a:extLst>
+                      </a:blip>
+                      <a:srcRect/>
+                      <a:stretch>
+                        <a:fillRect/>
+                      </a:stretch>
+                    </p:blipFill>
+                    <p:spPr bwMode="auto">
+                      <a:xfrm>
+                        <a:off x="5000628" y="5214950"/>
+                        <a:ext cx="1612900" cy="420688"/>
+                      </a:xfrm>
+                      <a:prstGeom prst="rect">
+                        <a:avLst/>
+                      </a:prstGeom>
+                      <a:noFill/>
+                      <a:extLst>
+                        <a:ext uri="{909E8E84-426E-40DD-AFC4-6F175D3DCCD1}">
+                          <a14:hiddenFill xmlns:a14="http://schemas.microsoft.com/office/drawing/2010/main">
+                            <a:solidFill>
+                              <a:srgbClr val="FFFFFF"/>
+                            </a:solidFill>
+                          </a14:hiddenFill>
+                        </a:ext>
+                      </a:extLst>
+                    </p:spPr>
+                  </p:pic>
+                </p:oleObj>
+              </mc:Fallback>
+            </mc:AlternateContent>
           </a:graphicData>
         </a:graphic>
       </p:graphicFrame>
@@ -12437,9 +11336,59 @@
         </p:xfrm>
         <a:graphic>
           <a:graphicData uri="http://schemas.openxmlformats.org/presentationml/2006/ole">
-            <p:oleObj spid="_x0000_s43026" name="Equation" r:id="rId15" imgW="634680" imgH="164880" progId="Equation.DSMT4">
-              <p:embed/>
-            </p:oleObj>
+            <mc:AlternateContent xmlns:mc="http://schemas.openxmlformats.org/markup-compatibility/2006">
+              <mc:Choice xmlns:v="urn:schemas-microsoft-com:vml" Requires="v">
+                <p:oleObj spid="_x0000_s43146" name="Equation" r:id="rId26" imgW="634680" imgH="164880" progId="Equation.DSMT4">
+                  <p:embed/>
+                </p:oleObj>
+              </mc:Choice>
+              <mc:Fallback>
+                <p:oleObj name="Equation" r:id="rId26" imgW="634680" imgH="164880" progId="Equation.DSMT4">
+                  <p:embed/>
+                  <p:pic>
+                    <p:nvPicPr>
+                      <p:cNvPr id="0" name="Picture 18"/>
+                      <p:cNvPicPr>
+                        <a:picLocks noChangeAspect="1" noChangeArrowheads="1"/>
+                      </p:cNvPicPr>
+                      <p:nvPr/>
+                    </p:nvPicPr>
+                    <p:blipFill>
+                      <a:blip r:embed="rId27">
+                        <a:extLst>
+                          <a:ext uri="{28A0092B-C50C-407E-A947-70E740481C1C}">
+                            <a14:useLocalDpi xmlns:a14="http://schemas.microsoft.com/office/drawing/2010/main" val="0"/>
+                          </a:ext>
+                        </a:extLst>
+                      </a:blip>
+                      <a:srcRect/>
+                      <a:stretch>
+                        <a:fillRect/>
+                      </a:stretch>
+                    </p:blipFill>
+                    <p:spPr bwMode="auto">
+                      <a:xfrm>
+                        <a:off x="2428860" y="5643578"/>
+                        <a:ext cx="1492250" cy="420687"/>
+                      </a:xfrm>
+                      <a:prstGeom prst="rect">
+                        <a:avLst/>
+                      </a:prstGeom>
+                      <a:noFill/>
+                      <a:extLst>
+                        <a:ext uri="{909E8E84-426E-40DD-AFC4-6F175D3DCCD1}">
+                          <a14:hiddenFill xmlns:a14="http://schemas.microsoft.com/office/drawing/2010/main">
+                            <a:solidFill>
+                              <a:srgbClr val="FFFFFF"/>
+                            </a:solidFill>
+                          </a14:hiddenFill>
+                        </a:ext>
+                      </a:extLst>
+                    </p:spPr>
+                  </p:pic>
+                </p:oleObj>
+              </mc:Fallback>
+            </mc:AlternateContent>
           </a:graphicData>
         </a:graphic>
       </p:graphicFrame>
@@ -12457,9 +11406,59 @@
         </p:xfrm>
         <a:graphic>
           <a:graphicData uri="http://schemas.openxmlformats.org/presentationml/2006/ole">
-            <p:oleObj spid="_x0000_s43027" name="Equation" r:id="rId16" imgW="634680" imgH="164880" progId="Equation.DSMT4">
-              <p:embed/>
-            </p:oleObj>
+            <mc:AlternateContent xmlns:mc="http://schemas.openxmlformats.org/markup-compatibility/2006">
+              <mc:Choice xmlns:v="urn:schemas-microsoft-com:vml" Requires="v">
+                <p:oleObj spid="_x0000_s43147" name="Equation" r:id="rId28" imgW="634680" imgH="164880" progId="Equation.DSMT4">
+                  <p:embed/>
+                </p:oleObj>
+              </mc:Choice>
+              <mc:Fallback>
+                <p:oleObj name="Equation" r:id="rId28" imgW="634680" imgH="164880" progId="Equation.DSMT4">
+                  <p:embed/>
+                  <p:pic>
+                    <p:nvPicPr>
+                      <p:cNvPr id="0" name="Picture 19"/>
+                      <p:cNvPicPr>
+                        <a:picLocks noChangeAspect="1" noChangeArrowheads="1"/>
+                      </p:cNvPicPr>
+                      <p:nvPr/>
+                    </p:nvPicPr>
+                    <p:blipFill>
+                      <a:blip r:embed="rId29">
+                        <a:extLst>
+                          <a:ext uri="{28A0092B-C50C-407E-A947-70E740481C1C}">
+                            <a14:useLocalDpi xmlns:a14="http://schemas.microsoft.com/office/drawing/2010/main" val="0"/>
+                          </a:ext>
+                        </a:extLst>
+                      </a:blip>
+                      <a:srcRect/>
+                      <a:stretch>
+                        <a:fillRect/>
+                      </a:stretch>
+                    </p:blipFill>
+                    <p:spPr bwMode="auto">
+                      <a:xfrm>
+                        <a:off x="5072066" y="5643578"/>
+                        <a:ext cx="1492250" cy="420687"/>
+                      </a:xfrm>
+                      <a:prstGeom prst="rect">
+                        <a:avLst/>
+                      </a:prstGeom>
+                      <a:noFill/>
+                      <a:extLst>
+                        <a:ext uri="{909E8E84-426E-40DD-AFC4-6F175D3DCCD1}">
+                          <a14:hiddenFill xmlns:a14="http://schemas.microsoft.com/office/drawing/2010/main">
+                            <a:solidFill>
+                              <a:srgbClr val="FFFFFF"/>
+                            </a:solidFill>
+                          </a14:hiddenFill>
+                        </a:ext>
+                      </a:extLst>
+                    </p:spPr>
+                  </p:pic>
+                </p:oleObj>
+              </mc:Fallback>
+            </mc:AlternateContent>
           </a:graphicData>
         </a:graphic>
       </p:graphicFrame>
@@ -12477,9 +11476,59 @@
         </p:xfrm>
         <a:graphic>
           <a:graphicData uri="http://schemas.openxmlformats.org/presentationml/2006/ole">
-            <p:oleObj spid="_x0000_s43028" name="Equation" r:id="rId17" imgW="583920" imgH="203040" progId="Equation.DSMT4">
-              <p:embed/>
-            </p:oleObj>
+            <mc:AlternateContent xmlns:mc="http://schemas.openxmlformats.org/markup-compatibility/2006">
+              <mc:Choice xmlns:v="urn:schemas-microsoft-com:vml" Requires="v">
+                <p:oleObj spid="_x0000_s43148" name="Equation" r:id="rId30" imgW="583920" imgH="203040" progId="Equation.DSMT4">
+                  <p:embed/>
+                </p:oleObj>
+              </mc:Choice>
+              <mc:Fallback>
+                <p:oleObj name="Equation" r:id="rId30" imgW="583920" imgH="203040" progId="Equation.DSMT4">
+                  <p:embed/>
+                  <p:pic>
+                    <p:nvPicPr>
+                      <p:cNvPr id="0" name="Picture 20"/>
+                      <p:cNvPicPr>
+                        <a:picLocks noChangeAspect="1" noChangeArrowheads="1"/>
+                      </p:cNvPicPr>
+                      <p:nvPr/>
+                    </p:nvPicPr>
+                    <p:blipFill>
+                      <a:blip r:embed="rId8">
+                        <a:extLst>
+                          <a:ext uri="{28A0092B-C50C-407E-A947-70E740481C1C}">
+                            <a14:useLocalDpi xmlns:a14="http://schemas.microsoft.com/office/drawing/2010/main" val="0"/>
+                          </a:ext>
+                        </a:extLst>
+                      </a:blip>
+                      <a:srcRect/>
+                      <a:stretch>
+                        <a:fillRect/>
+                      </a:stretch>
+                    </p:blipFill>
+                    <p:spPr bwMode="auto">
+                      <a:xfrm>
+                        <a:off x="5143500" y="4338638"/>
+                        <a:ext cx="1500188" cy="519112"/>
+                      </a:xfrm>
+                      <a:prstGeom prst="rect">
+                        <a:avLst/>
+                      </a:prstGeom>
+                      <a:noFill/>
+                      <a:extLst>
+                        <a:ext uri="{909E8E84-426E-40DD-AFC4-6F175D3DCCD1}">
+                          <a14:hiddenFill xmlns:a14="http://schemas.microsoft.com/office/drawing/2010/main">
+                            <a:solidFill>
+                              <a:srgbClr val="FFFFFF"/>
+                            </a:solidFill>
+                          </a14:hiddenFill>
+                        </a:ext>
+                      </a:extLst>
+                    </p:spPr>
+                  </p:pic>
+                </p:oleObj>
+              </mc:Fallback>
+            </mc:AlternateContent>
           </a:graphicData>
         </a:graphic>
       </p:graphicFrame>
@@ -12767,9 +11816,59 @@
         </p:xfrm>
         <a:graphic>
           <a:graphicData uri="http://schemas.openxmlformats.org/presentationml/2006/ole">
-            <p:oleObj spid="_x0000_s23554" name="Equation" r:id="rId3" imgW="126835" imgH="139518" progId="Equation.DSMT4">
-              <p:embed/>
-            </p:oleObj>
+            <mc:AlternateContent xmlns:mc="http://schemas.openxmlformats.org/markup-compatibility/2006">
+              <mc:Choice xmlns:v="urn:schemas-microsoft-com:vml" Requires="v">
+                <p:oleObj spid="_x0000_s23637" name="Equation" r:id="rId3" imgW="126835" imgH="139518" progId="Equation.DSMT4">
+                  <p:embed/>
+                </p:oleObj>
+              </mc:Choice>
+              <mc:Fallback>
+                <p:oleObj name="Equation" r:id="rId3" imgW="126835" imgH="139518" progId="Equation.DSMT4">
+                  <p:embed/>
+                  <p:pic>
+                    <p:nvPicPr>
+                      <p:cNvPr id="0" name="Object 3"/>
+                      <p:cNvPicPr>
+                        <a:picLocks noChangeAspect="1" noChangeArrowheads="1"/>
+                      </p:cNvPicPr>
+                      <p:nvPr/>
+                    </p:nvPicPr>
+                    <p:blipFill>
+                      <a:blip r:embed="rId4">
+                        <a:extLst>
+                          <a:ext uri="{28A0092B-C50C-407E-A947-70E740481C1C}">
+                            <a14:useLocalDpi xmlns:a14="http://schemas.microsoft.com/office/drawing/2010/main" val="0"/>
+                          </a:ext>
+                        </a:extLst>
+                      </a:blip>
+                      <a:srcRect/>
+                      <a:stretch>
+                        <a:fillRect/>
+                      </a:stretch>
+                    </p:blipFill>
+                    <p:spPr bwMode="auto">
+                      <a:xfrm>
+                        <a:off x="5143504" y="2786058"/>
+                        <a:ext cx="357190" cy="357190"/>
+                      </a:xfrm>
+                      <a:prstGeom prst="rect">
+                        <a:avLst/>
+                      </a:prstGeom>
+                      <a:noFill/>
+                      <a:extLst>
+                        <a:ext uri="{909E8E84-426E-40DD-AFC4-6F175D3DCCD1}">
+                          <a14:hiddenFill xmlns:a14="http://schemas.microsoft.com/office/drawing/2010/main">
+                            <a:solidFill>
+                              <a:srgbClr val="FFFFFF"/>
+                            </a:solidFill>
+                          </a14:hiddenFill>
+                        </a:ext>
+                      </a:extLst>
+                    </p:spPr>
+                  </p:pic>
+                </p:oleObj>
+              </mc:Fallback>
+            </mc:AlternateContent>
           </a:graphicData>
         </a:graphic>
       </p:graphicFrame>
@@ -12787,9 +11886,59 @@
         </p:xfrm>
         <a:graphic>
           <a:graphicData uri="http://schemas.openxmlformats.org/presentationml/2006/ole">
-            <p:oleObj spid="_x0000_s23555" name="Equation" r:id="rId4" imgW="126720" imgH="177480" progId="Equation.DSMT4">
-              <p:embed/>
-            </p:oleObj>
+            <mc:AlternateContent xmlns:mc="http://schemas.openxmlformats.org/markup-compatibility/2006">
+              <mc:Choice xmlns:v="urn:schemas-microsoft-com:vml" Requires="v">
+                <p:oleObj spid="_x0000_s23638" name="Equation" r:id="rId5" imgW="126720" imgH="177480" progId="Equation.DSMT4">
+                  <p:embed/>
+                </p:oleObj>
+              </mc:Choice>
+              <mc:Fallback>
+                <p:oleObj name="Equation" r:id="rId5" imgW="126720" imgH="177480" progId="Equation.DSMT4">
+                  <p:embed/>
+                  <p:pic>
+                    <p:nvPicPr>
+                      <p:cNvPr id="0" name="Object 5"/>
+                      <p:cNvPicPr>
+                        <a:picLocks noChangeAspect="1" noChangeArrowheads="1"/>
+                      </p:cNvPicPr>
+                      <p:nvPr/>
+                    </p:nvPicPr>
+                    <p:blipFill>
+                      <a:blip r:embed="rId6">
+                        <a:extLst>
+                          <a:ext uri="{28A0092B-C50C-407E-A947-70E740481C1C}">
+                            <a14:useLocalDpi xmlns:a14="http://schemas.microsoft.com/office/drawing/2010/main" val="0"/>
+                          </a:ext>
+                        </a:extLst>
+                      </a:blip>
+                      <a:srcRect/>
+                      <a:stretch>
+                        <a:fillRect/>
+                      </a:stretch>
+                    </p:blipFill>
+                    <p:spPr bwMode="auto">
+                      <a:xfrm>
+                        <a:off x="5857886" y="2714620"/>
+                        <a:ext cx="357188" cy="454025"/>
+                      </a:xfrm>
+                      <a:prstGeom prst="rect">
+                        <a:avLst/>
+                      </a:prstGeom>
+                      <a:noFill/>
+                      <a:extLst>
+                        <a:ext uri="{909E8E84-426E-40DD-AFC4-6F175D3DCCD1}">
+                          <a14:hiddenFill xmlns:a14="http://schemas.microsoft.com/office/drawing/2010/main">
+                            <a:solidFill>
+                              <a:srgbClr val="FFFFFF"/>
+                            </a:solidFill>
+                          </a14:hiddenFill>
+                        </a:ext>
+                      </a:extLst>
+                    </p:spPr>
+                  </p:pic>
+                </p:oleObj>
+              </mc:Fallback>
+            </mc:AlternateContent>
           </a:graphicData>
         </a:graphic>
       </p:graphicFrame>
@@ -12807,9 +11956,59 @@
         </p:xfrm>
         <a:graphic>
           <a:graphicData uri="http://schemas.openxmlformats.org/presentationml/2006/ole">
-            <p:oleObj spid="_x0000_s23556" name="Equation" r:id="rId5" imgW="583920" imgH="203040" progId="Equation.DSMT4">
-              <p:embed/>
-            </p:oleObj>
+            <mc:AlternateContent xmlns:mc="http://schemas.openxmlformats.org/markup-compatibility/2006">
+              <mc:Choice xmlns:v="urn:schemas-microsoft-com:vml" Requires="v">
+                <p:oleObj spid="_x0000_s23639" name="Equation" r:id="rId7" imgW="583920" imgH="203040" progId="Equation.DSMT4">
+                  <p:embed/>
+                </p:oleObj>
+              </mc:Choice>
+              <mc:Fallback>
+                <p:oleObj name="Equation" r:id="rId7" imgW="583920" imgH="203040" progId="Equation.DSMT4">
+                  <p:embed/>
+                  <p:pic>
+                    <p:nvPicPr>
+                      <p:cNvPr id="0" name="Object 6"/>
+                      <p:cNvPicPr>
+                        <a:picLocks noChangeAspect="1" noChangeArrowheads="1"/>
+                      </p:cNvPicPr>
+                      <p:nvPr/>
+                    </p:nvPicPr>
+                    <p:blipFill>
+                      <a:blip r:embed="rId8">
+                        <a:extLst>
+                          <a:ext uri="{28A0092B-C50C-407E-A947-70E740481C1C}">
+                            <a14:useLocalDpi xmlns:a14="http://schemas.microsoft.com/office/drawing/2010/main" val="0"/>
+                          </a:ext>
+                        </a:extLst>
+                      </a:blip>
+                      <a:srcRect/>
+                      <a:stretch>
+                        <a:fillRect/>
+                      </a:stretch>
+                    </p:blipFill>
+                    <p:spPr bwMode="auto">
+                      <a:xfrm>
+                        <a:off x="4000508" y="1285860"/>
+                        <a:ext cx="1571624" cy="519113"/>
+                      </a:xfrm>
+                      <a:prstGeom prst="rect">
+                        <a:avLst/>
+                      </a:prstGeom>
+                      <a:noFill/>
+                      <a:extLst>
+                        <a:ext uri="{909E8E84-426E-40DD-AFC4-6F175D3DCCD1}">
+                          <a14:hiddenFill xmlns:a14="http://schemas.microsoft.com/office/drawing/2010/main">
+                            <a:solidFill>
+                              <a:srgbClr val="FFFFFF"/>
+                            </a:solidFill>
+                          </a14:hiddenFill>
+                        </a:ext>
+                      </a:extLst>
+                    </p:spPr>
+                  </p:pic>
+                </p:oleObj>
+              </mc:Fallback>
+            </mc:AlternateContent>
           </a:graphicData>
         </a:graphic>
       </p:graphicFrame>
@@ -12827,9 +12026,59 @@
         </p:xfrm>
         <a:graphic>
           <a:graphicData uri="http://schemas.openxmlformats.org/presentationml/2006/ole">
-            <p:oleObj spid="_x0000_s23557" name="Equation" r:id="rId6" imgW="583920" imgH="203040" progId="Equation.DSMT4">
-              <p:embed/>
-            </p:oleObj>
+            <mc:AlternateContent xmlns:mc="http://schemas.openxmlformats.org/markup-compatibility/2006">
+              <mc:Choice xmlns:v="urn:schemas-microsoft-com:vml" Requires="v">
+                <p:oleObj spid="_x0000_s23640" name="Equation" r:id="rId9" imgW="583920" imgH="203040" progId="Equation.DSMT4">
+                  <p:embed/>
+                </p:oleObj>
+              </mc:Choice>
+              <mc:Fallback>
+                <p:oleObj name="Equation" r:id="rId9" imgW="583920" imgH="203040" progId="Equation.DSMT4">
+                  <p:embed/>
+                  <p:pic>
+                    <p:nvPicPr>
+                      <p:cNvPr id="0" name="Object 7"/>
+                      <p:cNvPicPr>
+                        <a:picLocks noChangeAspect="1" noChangeArrowheads="1"/>
+                      </p:cNvPicPr>
+                      <p:nvPr/>
+                    </p:nvPicPr>
+                    <p:blipFill>
+                      <a:blip r:embed="rId8">
+                        <a:extLst>
+                          <a:ext uri="{28A0092B-C50C-407E-A947-70E740481C1C}">
+                            <a14:useLocalDpi xmlns:a14="http://schemas.microsoft.com/office/drawing/2010/main" val="0"/>
+                          </a:ext>
+                        </a:extLst>
+                      </a:blip>
+                      <a:srcRect/>
+                      <a:stretch>
+                        <a:fillRect/>
+                      </a:stretch>
+                    </p:blipFill>
+                    <p:spPr bwMode="auto">
+                      <a:xfrm>
+                        <a:off x="2357433" y="3429000"/>
+                        <a:ext cx="1500187" cy="519113"/>
+                      </a:xfrm>
+                      <a:prstGeom prst="rect">
+                        <a:avLst/>
+                      </a:prstGeom>
+                      <a:noFill/>
+                      <a:extLst>
+                        <a:ext uri="{909E8E84-426E-40DD-AFC4-6F175D3DCCD1}">
+                          <a14:hiddenFill xmlns:a14="http://schemas.microsoft.com/office/drawing/2010/main">
+                            <a:solidFill>
+                              <a:srgbClr val="FFFFFF"/>
+                            </a:solidFill>
+                          </a14:hiddenFill>
+                        </a:ext>
+                      </a:extLst>
+                    </p:spPr>
+                  </p:pic>
+                </p:oleObj>
+              </mc:Fallback>
+            </mc:AlternateContent>
           </a:graphicData>
         </a:graphic>
       </p:graphicFrame>
@@ -12847,9 +12096,59 @@
         </p:xfrm>
         <a:graphic>
           <a:graphicData uri="http://schemas.openxmlformats.org/presentationml/2006/ole">
-            <p:oleObj spid="_x0000_s23558" name="Equation" r:id="rId7" imgW="736560" imgH="177480" progId="Equation.DSMT4">
-              <p:embed/>
-            </p:oleObj>
+            <mc:AlternateContent xmlns:mc="http://schemas.openxmlformats.org/markup-compatibility/2006">
+              <mc:Choice xmlns:v="urn:schemas-microsoft-com:vml" Requires="v">
+                <p:oleObj spid="_x0000_s23641" name="Equation" r:id="rId10" imgW="736560" imgH="177480" progId="Equation.DSMT4">
+                  <p:embed/>
+                </p:oleObj>
+              </mc:Choice>
+              <mc:Fallback>
+                <p:oleObj name="Equation" r:id="rId10" imgW="736560" imgH="177480" progId="Equation.DSMT4">
+                  <p:embed/>
+                  <p:pic>
+                    <p:nvPicPr>
+                      <p:cNvPr id="0" name="Object 10"/>
+                      <p:cNvPicPr>
+                        <a:picLocks noChangeAspect="1" noChangeArrowheads="1"/>
+                      </p:cNvPicPr>
+                      <p:nvPr/>
+                    </p:nvPicPr>
+                    <p:blipFill>
+                      <a:blip r:embed="rId11">
+                        <a:extLst>
+                          <a:ext uri="{28A0092B-C50C-407E-A947-70E740481C1C}">
+                            <a14:useLocalDpi xmlns:a14="http://schemas.microsoft.com/office/drawing/2010/main" val="0"/>
+                          </a:ext>
+                        </a:extLst>
+                      </a:blip>
+                      <a:srcRect/>
+                      <a:stretch>
+                        <a:fillRect/>
+                      </a:stretch>
+                    </p:blipFill>
+                    <p:spPr bwMode="auto">
+                      <a:xfrm>
+                        <a:off x="3857620" y="3857628"/>
+                        <a:ext cx="1785950" cy="454025"/>
+                      </a:xfrm>
+                      <a:prstGeom prst="rect">
+                        <a:avLst/>
+                      </a:prstGeom>
+                      <a:noFill/>
+                      <a:extLst>
+                        <a:ext uri="{909E8E84-426E-40DD-AFC4-6F175D3DCCD1}">
+                          <a14:hiddenFill xmlns:a14="http://schemas.microsoft.com/office/drawing/2010/main">
+                            <a:solidFill>
+                              <a:srgbClr val="FFFFFF"/>
+                            </a:solidFill>
+                          </a14:hiddenFill>
+                        </a:ext>
+                      </a:extLst>
+                    </p:spPr>
+                  </p:pic>
+                </p:oleObj>
+              </mc:Fallback>
+            </mc:AlternateContent>
           </a:graphicData>
         </a:graphic>
       </p:graphicFrame>
@@ -12867,9 +12166,59 @@
         </p:xfrm>
         <a:graphic>
           <a:graphicData uri="http://schemas.openxmlformats.org/presentationml/2006/ole">
-            <p:oleObj spid="_x0000_s23559" name="Equation" r:id="rId8" imgW="812520" imgH="203040" progId="Equation.DSMT4">
-              <p:embed/>
-            </p:oleObj>
+            <mc:AlternateContent xmlns:mc="http://schemas.openxmlformats.org/markup-compatibility/2006">
+              <mc:Choice xmlns:v="urn:schemas-microsoft-com:vml" Requires="v">
+                <p:oleObj spid="_x0000_s23642" name="Equation" r:id="rId12" imgW="812520" imgH="203040" progId="Equation.DSMT4">
+                  <p:embed/>
+                </p:oleObj>
+              </mc:Choice>
+              <mc:Fallback>
+                <p:oleObj name="Equation" r:id="rId12" imgW="812520" imgH="203040" progId="Equation.DSMT4">
+                  <p:embed/>
+                  <p:pic>
+                    <p:nvPicPr>
+                      <p:cNvPr id="0" name="Object 11"/>
+                      <p:cNvPicPr>
+                        <a:picLocks noChangeAspect="1" noChangeArrowheads="1"/>
+                      </p:cNvPicPr>
+                      <p:nvPr/>
+                    </p:nvPicPr>
+                    <p:blipFill>
+                      <a:blip r:embed="rId13">
+                        <a:extLst>
+                          <a:ext uri="{28A0092B-C50C-407E-A947-70E740481C1C}">
+                            <a14:useLocalDpi xmlns:a14="http://schemas.microsoft.com/office/drawing/2010/main" val="0"/>
+                          </a:ext>
+                        </a:extLst>
+                      </a:blip>
+                      <a:srcRect/>
+                      <a:stretch>
+                        <a:fillRect/>
+                      </a:stretch>
+                    </p:blipFill>
+                    <p:spPr bwMode="auto">
+                      <a:xfrm>
+                        <a:off x="6286512" y="3838581"/>
+                        <a:ext cx="2000264" cy="519113"/>
+                      </a:xfrm>
+                      <a:prstGeom prst="rect">
+                        <a:avLst/>
+                      </a:prstGeom>
+                      <a:noFill/>
+                      <a:extLst>
+                        <a:ext uri="{909E8E84-426E-40DD-AFC4-6F175D3DCCD1}">
+                          <a14:hiddenFill xmlns:a14="http://schemas.microsoft.com/office/drawing/2010/main">
+                            <a:solidFill>
+                              <a:srgbClr val="FFFFFF"/>
+                            </a:solidFill>
+                          </a14:hiddenFill>
+                        </a:ext>
+                      </a:extLst>
+                    </p:spPr>
+                  </p:pic>
+                </p:oleObj>
+              </mc:Fallback>
+            </mc:AlternateContent>
           </a:graphicData>
         </a:graphic>
       </p:graphicFrame>
@@ -12887,9 +12236,59 @@
         </p:xfrm>
         <a:graphic>
           <a:graphicData uri="http://schemas.openxmlformats.org/presentationml/2006/ole">
-            <p:oleObj spid="_x0000_s23561" name="Equation" r:id="rId9" imgW="126835" imgH="139518" progId="Equation.DSMT4">
-              <p:embed/>
-            </p:oleObj>
+            <mc:AlternateContent xmlns:mc="http://schemas.openxmlformats.org/markup-compatibility/2006">
+              <mc:Choice xmlns:v="urn:schemas-microsoft-com:vml" Requires="v">
+                <p:oleObj spid="_x0000_s23643" name="Equation" r:id="rId14" imgW="126835" imgH="139518" progId="Equation.DSMT4">
+                  <p:embed/>
+                </p:oleObj>
+              </mc:Choice>
+              <mc:Fallback>
+                <p:oleObj name="Equation" r:id="rId14" imgW="126835" imgH="139518" progId="Equation.DSMT4">
+                  <p:embed/>
+                  <p:pic>
+                    <p:nvPicPr>
+                      <p:cNvPr id="0" name="Object 13"/>
+                      <p:cNvPicPr>
+                        <a:picLocks noChangeAspect="1" noChangeArrowheads="1"/>
+                      </p:cNvPicPr>
+                      <p:nvPr/>
+                    </p:nvPicPr>
+                    <p:blipFill>
+                      <a:blip r:embed="rId4">
+                        <a:extLst>
+                          <a:ext uri="{28A0092B-C50C-407E-A947-70E740481C1C}">
+                            <a14:useLocalDpi xmlns:a14="http://schemas.microsoft.com/office/drawing/2010/main" val="0"/>
+                          </a:ext>
+                        </a:extLst>
+                      </a:blip>
+                      <a:srcRect/>
+                      <a:stretch>
+                        <a:fillRect/>
+                      </a:stretch>
+                    </p:blipFill>
+                    <p:spPr bwMode="auto">
+                      <a:xfrm>
+                        <a:off x="3929060" y="4857763"/>
+                        <a:ext cx="357188" cy="357187"/>
+                      </a:xfrm>
+                      <a:prstGeom prst="rect">
+                        <a:avLst/>
+                      </a:prstGeom>
+                      <a:noFill/>
+                      <a:extLst>
+                        <a:ext uri="{909E8E84-426E-40DD-AFC4-6F175D3DCCD1}">
+                          <a14:hiddenFill xmlns:a14="http://schemas.microsoft.com/office/drawing/2010/main">
+                            <a:solidFill>
+                              <a:srgbClr val="FFFFFF"/>
+                            </a:solidFill>
+                          </a14:hiddenFill>
+                        </a:ext>
+                      </a:extLst>
+                    </p:spPr>
+                  </p:pic>
+                </p:oleObj>
+              </mc:Fallback>
+            </mc:AlternateContent>
           </a:graphicData>
         </a:graphic>
       </p:graphicFrame>
@@ -12907,9 +12306,59 @@
         </p:xfrm>
         <a:graphic>
           <a:graphicData uri="http://schemas.openxmlformats.org/presentationml/2006/ole">
-            <p:oleObj spid="_x0000_s23562" name="Equation" r:id="rId10" imgW="126720" imgH="177480" progId="Equation.DSMT4">
-              <p:embed/>
-            </p:oleObj>
+            <mc:AlternateContent xmlns:mc="http://schemas.openxmlformats.org/markup-compatibility/2006">
+              <mc:Choice xmlns:v="urn:schemas-microsoft-com:vml" Requires="v">
+                <p:oleObj spid="_x0000_s23644" name="Equation" r:id="rId15" imgW="126720" imgH="177480" progId="Equation.DSMT4">
+                  <p:embed/>
+                </p:oleObj>
+              </mc:Choice>
+              <mc:Fallback>
+                <p:oleObj name="Equation" r:id="rId15" imgW="126720" imgH="177480" progId="Equation.DSMT4">
+                  <p:embed/>
+                  <p:pic>
+                    <p:nvPicPr>
+                      <p:cNvPr id="0" name="Object 14"/>
+                      <p:cNvPicPr>
+                        <a:picLocks noChangeAspect="1" noChangeArrowheads="1"/>
+                      </p:cNvPicPr>
+                      <p:nvPr/>
+                    </p:nvPicPr>
+                    <p:blipFill>
+                      <a:blip r:embed="rId6">
+                        <a:extLst>
+                          <a:ext uri="{28A0092B-C50C-407E-A947-70E740481C1C}">
+                            <a14:useLocalDpi xmlns:a14="http://schemas.microsoft.com/office/drawing/2010/main" val="0"/>
+                          </a:ext>
+                        </a:extLst>
+                      </a:blip>
+                      <a:srcRect/>
+                      <a:stretch>
+                        <a:fillRect/>
+                      </a:stretch>
+                    </p:blipFill>
+                    <p:spPr bwMode="auto">
+                      <a:xfrm>
+                        <a:off x="4572000" y="4760925"/>
+                        <a:ext cx="357187" cy="454025"/>
+                      </a:xfrm>
+                      <a:prstGeom prst="rect">
+                        <a:avLst/>
+                      </a:prstGeom>
+                      <a:noFill/>
+                      <a:extLst>
+                        <a:ext uri="{909E8E84-426E-40DD-AFC4-6F175D3DCCD1}">
+                          <a14:hiddenFill xmlns:a14="http://schemas.microsoft.com/office/drawing/2010/main">
+                            <a:solidFill>
+                              <a:srgbClr val="FFFFFF"/>
+                            </a:solidFill>
+                          </a14:hiddenFill>
+                        </a:ext>
+                      </a:extLst>
+                    </p:spPr>
+                  </p:pic>
+                </p:oleObj>
+              </mc:Fallback>
+            </mc:AlternateContent>
           </a:graphicData>
         </a:graphic>
       </p:graphicFrame>
@@ -12927,9 +12376,59 @@
         </p:xfrm>
         <a:graphic>
           <a:graphicData uri="http://schemas.openxmlformats.org/presentationml/2006/ole">
-            <p:oleObj spid="_x0000_s23563" name="Equation" r:id="rId11" imgW="583920" imgH="203040" progId="Equation.DSMT4">
-              <p:embed/>
-            </p:oleObj>
+            <mc:AlternateContent xmlns:mc="http://schemas.openxmlformats.org/markup-compatibility/2006">
+              <mc:Choice xmlns:v="urn:schemas-microsoft-com:vml" Requires="v">
+                <p:oleObj spid="_x0000_s23645" name="Equation" r:id="rId16" imgW="583920" imgH="203040" progId="Equation.DSMT4">
+                  <p:embed/>
+                </p:oleObj>
+              </mc:Choice>
+              <mc:Fallback>
+                <p:oleObj name="Equation" r:id="rId16" imgW="583920" imgH="203040" progId="Equation.DSMT4">
+                  <p:embed/>
+                  <p:pic>
+                    <p:nvPicPr>
+                      <p:cNvPr id="0" name="Object 15"/>
+                      <p:cNvPicPr>
+                        <a:picLocks noChangeAspect="1" noChangeArrowheads="1"/>
+                      </p:cNvPicPr>
+                      <p:nvPr/>
+                    </p:nvPicPr>
+                    <p:blipFill>
+                      <a:blip r:embed="rId8">
+                        <a:extLst>
+                          <a:ext uri="{28A0092B-C50C-407E-A947-70E740481C1C}">
+                            <a14:useLocalDpi xmlns:a14="http://schemas.microsoft.com/office/drawing/2010/main" val="0"/>
+                          </a:ext>
+                        </a:extLst>
+                      </a:blip>
+                      <a:srcRect/>
+                      <a:stretch>
+                        <a:fillRect/>
+                      </a:stretch>
+                    </p:blipFill>
+                    <p:spPr bwMode="auto">
+                      <a:xfrm>
+                        <a:off x="6643713" y="5124465"/>
+                        <a:ext cx="1500187" cy="519113"/>
+                      </a:xfrm>
+                      <a:prstGeom prst="rect">
+                        <a:avLst/>
+                      </a:prstGeom>
+                      <a:noFill/>
+                      <a:extLst>
+                        <a:ext uri="{909E8E84-426E-40DD-AFC4-6F175D3DCCD1}">
+                          <a14:hiddenFill xmlns:a14="http://schemas.microsoft.com/office/drawing/2010/main">
+                            <a:solidFill>
+                              <a:srgbClr val="FFFFFF"/>
+                            </a:solidFill>
+                          </a14:hiddenFill>
+                        </a:ext>
+                      </a:extLst>
+                    </p:spPr>
+                  </p:pic>
+                </p:oleObj>
+              </mc:Fallback>
+            </mc:AlternateContent>
           </a:graphicData>
         </a:graphic>
       </p:graphicFrame>
@@ -12947,9 +12446,59 @@
         </p:xfrm>
         <a:graphic>
           <a:graphicData uri="http://schemas.openxmlformats.org/presentationml/2006/ole">
-            <p:oleObj spid="_x0000_s23566" name="Equation" r:id="rId12" imgW="583920" imgH="203040" progId="Equation.DSMT4">
-              <p:embed/>
-            </p:oleObj>
+            <mc:AlternateContent xmlns:mc="http://schemas.openxmlformats.org/markup-compatibility/2006">
+              <mc:Choice xmlns:v="urn:schemas-microsoft-com:vml" Requires="v">
+                <p:oleObj spid="_x0000_s23646" name="Equation" r:id="rId17" imgW="583920" imgH="203040" progId="Equation.DSMT4">
+                  <p:embed/>
+                </p:oleObj>
+              </mc:Choice>
+              <mc:Fallback>
+                <p:oleObj name="Equation" r:id="rId17" imgW="583920" imgH="203040" progId="Equation.DSMT4">
+                  <p:embed/>
+                  <p:pic>
+                    <p:nvPicPr>
+                      <p:cNvPr id="0" name="Picture 14"/>
+                      <p:cNvPicPr>
+                        <a:picLocks noChangeAspect="1" noChangeArrowheads="1"/>
+                      </p:cNvPicPr>
+                      <p:nvPr/>
+                    </p:nvPicPr>
+                    <p:blipFill>
+                      <a:blip r:embed="rId8">
+                        <a:extLst>
+                          <a:ext uri="{28A0092B-C50C-407E-A947-70E740481C1C}">
+                            <a14:useLocalDpi xmlns:a14="http://schemas.microsoft.com/office/drawing/2010/main" val="0"/>
+                          </a:ext>
+                        </a:extLst>
+                      </a:blip>
+                      <a:srcRect/>
+                      <a:stretch>
+                        <a:fillRect/>
+                      </a:stretch>
+                    </p:blipFill>
+                    <p:spPr bwMode="auto">
+                      <a:xfrm>
+                        <a:off x="5143504" y="4338647"/>
+                        <a:ext cx="1500187" cy="519113"/>
+                      </a:xfrm>
+                      <a:prstGeom prst="rect">
+                        <a:avLst/>
+                      </a:prstGeom>
+                      <a:noFill/>
+                      <a:extLst>
+                        <a:ext uri="{909E8E84-426E-40DD-AFC4-6F175D3DCCD1}">
+                          <a14:hiddenFill xmlns:a14="http://schemas.microsoft.com/office/drawing/2010/main">
+                            <a:solidFill>
+                              <a:srgbClr val="FFFFFF"/>
+                            </a:solidFill>
+                          </a14:hiddenFill>
+                        </a:ext>
+                      </a:extLst>
+                    </p:spPr>
+                  </p:pic>
+                </p:oleObj>
+              </mc:Fallback>
+            </mc:AlternateContent>
           </a:graphicData>
         </a:graphic>
       </p:graphicFrame>
@@ -13319,9 +12868,59 @@
         </p:xfrm>
         <a:graphic>
           <a:graphicData uri="http://schemas.openxmlformats.org/presentationml/2006/ole">
-            <p:oleObj spid="_x0000_s40962" name="Equation" r:id="rId3" imgW="126835" imgH="139518" progId="Equation.DSMT4">
-              <p:embed/>
-            </p:oleObj>
+            <mc:AlternateContent xmlns:mc="http://schemas.openxmlformats.org/markup-compatibility/2006">
+              <mc:Choice xmlns:v="urn:schemas-microsoft-com:vml" Requires="v">
+                <p:oleObj spid="_x0000_s41077" name="Equation" r:id="rId3" imgW="126835" imgH="139518" progId="Equation.DSMT4">
+                  <p:embed/>
+                </p:oleObj>
+              </mc:Choice>
+              <mc:Fallback>
+                <p:oleObj name="Equation" r:id="rId3" imgW="126835" imgH="139518" progId="Equation.DSMT4">
+                  <p:embed/>
+                  <p:pic>
+                    <p:nvPicPr>
+                      <p:cNvPr id="0" name="Object 3"/>
+                      <p:cNvPicPr>
+                        <a:picLocks noChangeAspect="1" noChangeArrowheads="1"/>
+                      </p:cNvPicPr>
+                      <p:nvPr/>
+                    </p:nvPicPr>
+                    <p:blipFill>
+                      <a:blip r:embed="rId4">
+                        <a:extLst>
+                          <a:ext uri="{28A0092B-C50C-407E-A947-70E740481C1C}">
+                            <a14:useLocalDpi xmlns:a14="http://schemas.microsoft.com/office/drawing/2010/main" val="0"/>
+                          </a:ext>
+                        </a:extLst>
+                      </a:blip>
+                      <a:srcRect/>
+                      <a:stretch>
+                        <a:fillRect/>
+                      </a:stretch>
+                    </p:blipFill>
+                    <p:spPr bwMode="auto">
+                      <a:xfrm>
+                        <a:off x="5143504" y="2786058"/>
+                        <a:ext cx="357190" cy="357190"/>
+                      </a:xfrm>
+                      <a:prstGeom prst="rect">
+                        <a:avLst/>
+                      </a:prstGeom>
+                      <a:noFill/>
+                      <a:extLst>
+                        <a:ext uri="{909E8E84-426E-40DD-AFC4-6F175D3DCCD1}">
+                          <a14:hiddenFill xmlns:a14="http://schemas.microsoft.com/office/drawing/2010/main">
+                            <a:solidFill>
+                              <a:srgbClr val="FFFFFF"/>
+                            </a:solidFill>
+                          </a14:hiddenFill>
+                        </a:ext>
+                      </a:extLst>
+                    </p:spPr>
+                  </p:pic>
+                </p:oleObj>
+              </mc:Fallback>
+            </mc:AlternateContent>
           </a:graphicData>
         </a:graphic>
       </p:graphicFrame>
@@ -13339,9 +12938,59 @@
         </p:xfrm>
         <a:graphic>
           <a:graphicData uri="http://schemas.openxmlformats.org/presentationml/2006/ole">
-            <p:oleObj spid="_x0000_s40963" name="Equation" r:id="rId4" imgW="126720" imgH="177480" progId="Equation.DSMT4">
-              <p:embed/>
-            </p:oleObj>
+            <mc:AlternateContent xmlns:mc="http://schemas.openxmlformats.org/markup-compatibility/2006">
+              <mc:Choice xmlns:v="urn:schemas-microsoft-com:vml" Requires="v">
+                <p:oleObj spid="_x0000_s41078" name="Equation" r:id="rId5" imgW="126720" imgH="177480" progId="Equation.DSMT4">
+                  <p:embed/>
+                </p:oleObj>
+              </mc:Choice>
+              <mc:Fallback>
+                <p:oleObj name="Equation" r:id="rId5" imgW="126720" imgH="177480" progId="Equation.DSMT4">
+                  <p:embed/>
+                  <p:pic>
+                    <p:nvPicPr>
+                      <p:cNvPr id="0" name="Object 5"/>
+                      <p:cNvPicPr>
+                        <a:picLocks noChangeAspect="1" noChangeArrowheads="1"/>
+                      </p:cNvPicPr>
+                      <p:nvPr/>
+                    </p:nvPicPr>
+                    <p:blipFill>
+                      <a:blip r:embed="rId6">
+                        <a:extLst>
+                          <a:ext uri="{28A0092B-C50C-407E-A947-70E740481C1C}">
+                            <a14:useLocalDpi xmlns:a14="http://schemas.microsoft.com/office/drawing/2010/main" val="0"/>
+                          </a:ext>
+                        </a:extLst>
+                      </a:blip>
+                      <a:srcRect/>
+                      <a:stretch>
+                        <a:fillRect/>
+                      </a:stretch>
+                    </p:blipFill>
+                    <p:spPr bwMode="auto">
+                      <a:xfrm>
+                        <a:off x="5857886" y="2714620"/>
+                        <a:ext cx="357188" cy="454025"/>
+                      </a:xfrm>
+                      <a:prstGeom prst="rect">
+                        <a:avLst/>
+                      </a:prstGeom>
+                      <a:noFill/>
+                      <a:extLst>
+                        <a:ext uri="{909E8E84-426E-40DD-AFC4-6F175D3DCCD1}">
+                          <a14:hiddenFill xmlns:a14="http://schemas.microsoft.com/office/drawing/2010/main">
+                            <a:solidFill>
+                              <a:srgbClr val="FFFFFF"/>
+                            </a:solidFill>
+                          </a14:hiddenFill>
+                        </a:ext>
+                      </a:extLst>
+                    </p:spPr>
+                  </p:pic>
+                </p:oleObj>
+              </mc:Fallback>
+            </mc:AlternateContent>
           </a:graphicData>
         </a:graphic>
       </p:graphicFrame>
@@ -13359,9 +13008,59 @@
         </p:xfrm>
         <a:graphic>
           <a:graphicData uri="http://schemas.openxmlformats.org/presentationml/2006/ole">
-            <p:oleObj spid="_x0000_s40964" name="Equation" r:id="rId5" imgW="583920" imgH="203040" progId="Equation.DSMT4">
-              <p:embed/>
-            </p:oleObj>
+            <mc:AlternateContent xmlns:mc="http://schemas.openxmlformats.org/markup-compatibility/2006">
+              <mc:Choice xmlns:v="urn:schemas-microsoft-com:vml" Requires="v">
+                <p:oleObj spid="_x0000_s41079" name="Equation" r:id="rId7" imgW="583920" imgH="203040" progId="Equation.DSMT4">
+                  <p:embed/>
+                </p:oleObj>
+              </mc:Choice>
+              <mc:Fallback>
+                <p:oleObj name="Equation" r:id="rId7" imgW="583920" imgH="203040" progId="Equation.DSMT4">
+                  <p:embed/>
+                  <p:pic>
+                    <p:nvPicPr>
+                      <p:cNvPr id="0" name="Object 6"/>
+                      <p:cNvPicPr>
+                        <a:picLocks noChangeAspect="1" noChangeArrowheads="1"/>
+                      </p:cNvPicPr>
+                      <p:nvPr/>
+                    </p:nvPicPr>
+                    <p:blipFill>
+                      <a:blip r:embed="rId8">
+                        <a:extLst>
+                          <a:ext uri="{28A0092B-C50C-407E-A947-70E740481C1C}">
+                            <a14:useLocalDpi xmlns:a14="http://schemas.microsoft.com/office/drawing/2010/main" val="0"/>
+                          </a:ext>
+                        </a:extLst>
+                      </a:blip>
+                      <a:srcRect/>
+                      <a:stretch>
+                        <a:fillRect/>
+                      </a:stretch>
+                    </p:blipFill>
+                    <p:spPr bwMode="auto">
+                      <a:xfrm>
+                        <a:off x="4000508" y="1285860"/>
+                        <a:ext cx="1571624" cy="519113"/>
+                      </a:xfrm>
+                      <a:prstGeom prst="rect">
+                        <a:avLst/>
+                      </a:prstGeom>
+                      <a:noFill/>
+                      <a:extLst>
+                        <a:ext uri="{909E8E84-426E-40DD-AFC4-6F175D3DCCD1}">
+                          <a14:hiddenFill xmlns:a14="http://schemas.microsoft.com/office/drawing/2010/main">
+                            <a:solidFill>
+                              <a:srgbClr val="FFFFFF"/>
+                            </a:solidFill>
+                          </a14:hiddenFill>
+                        </a:ext>
+                      </a:extLst>
+                    </p:spPr>
+                  </p:pic>
+                </p:oleObj>
+              </mc:Fallback>
+            </mc:AlternateContent>
           </a:graphicData>
         </a:graphic>
       </p:graphicFrame>
@@ -13379,9 +13078,59 @@
         </p:xfrm>
         <a:graphic>
           <a:graphicData uri="http://schemas.openxmlformats.org/presentationml/2006/ole">
-            <p:oleObj spid="_x0000_s40965" name="Equation" r:id="rId6" imgW="583920" imgH="203040" progId="Equation.DSMT4">
-              <p:embed/>
-            </p:oleObj>
+            <mc:AlternateContent xmlns:mc="http://schemas.openxmlformats.org/markup-compatibility/2006">
+              <mc:Choice xmlns:v="urn:schemas-microsoft-com:vml" Requires="v">
+                <p:oleObj spid="_x0000_s41080" name="Equation" r:id="rId9" imgW="583920" imgH="203040" progId="Equation.DSMT4">
+                  <p:embed/>
+                </p:oleObj>
+              </mc:Choice>
+              <mc:Fallback>
+                <p:oleObj name="Equation" r:id="rId9" imgW="583920" imgH="203040" progId="Equation.DSMT4">
+                  <p:embed/>
+                  <p:pic>
+                    <p:nvPicPr>
+                      <p:cNvPr id="0" name="Object 7"/>
+                      <p:cNvPicPr>
+                        <a:picLocks noChangeAspect="1" noChangeArrowheads="1"/>
+                      </p:cNvPicPr>
+                      <p:nvPr/>
+                    </p:nvPicPr>
+                    <p:blipFill>
+                      <a:blip r:embed="rId8">
+                        <a:extLst>
+                          <a:ext uri="{28A0092B-C50C-407E-A947-70E740481C1C}">
+                            <a14:useLocalDpi xmlns:a14="http://schemas.microsoft.com/office/drawing/2010/main" val="0"/>
+                          </a:ext>
+                        </a:extLst>
+                      </a:blip>
+                      <a:srcRect/>
+                      <a:stretch>
+                        <a:fillRect/>
+                      </a:stretch>
+                    </p:blipFill>
+                    <p:spPr bwMode="auto">
+                      <a:xfrm>
+                        <a:off x="2357433" y="3429000"/>
+                        <a:ext cx="1500187" cy="519113"/>
+                      </a:xfrm>
+                      <a:prstGeom prst="rect">
+                        <a:avLst/>
+                      </a:prstGeom>
+                      <a:noFill/>
+                      <a:extLst>
+                        <a:ext uri="{909E8E84-426E-40DD-AFC4-6F175D3DCCD1}">
+                          <a14:hiddenFill xmlns:a14="http://schemas.microsoft.com/office/drawing/2010/main">
+                            <a:solidFill>
+                              <a:srgbClr val="FFFFFF"/>
+                            </a:solidFill>
+                          </a14:hiddenFill>
+                        </a:ext>
+                      </a:extLst>
+                    </p:spPr>
+                  </p:pic>
+                </p:oleObj>
+              </mc:Fallback>
+            </mc:AlternateContent>
           </a:graphicData>
         </a:graphic>
       </p:graphicFrame>
@@ -13399,9 +13148,59 @@
         </p:xfrm>
         <a:graphic>
           <a:graphicData uri="http://schemas.openxmlformats.org/presentationml/2006/ole">
-            <p:oleObj spid="_x0000_s40966" name="Equation" r:id="rId7" imgW="736560" imgH="177480" progId="Equation.DSMT4">
-              <p:embed/>
-            </p:oleObj>
+            <mc:AlternateContent xmlns:mc="http://schemas.openxmlformats.org/markup-compatibility/2006">
+              <mc:Choice xmlns:v="urn:schemas-microsoft-com:vml" Requires="v">
+                <p:oleObj spid="_x0000_s41081" name="Equation" r:id="rId10" imgW="736560" imgH="177480" progId="Equation.DSMT4">
+                  <p:embed/>
+                </p:oleObj>
+              </mc:Choice>
+              <mc:Fallback>
+                <p:oleObj name="Equation" r:id="rId10" imgW="736560" imgH="177480" progId="Equation.DSMT4">
+                  <p:embed/>
+                  <p:pic>
+                    <p:nvPicPr>
+                      <p:cNvPr id="0" name="Object 10"/>
+                      <p:cNvPicPr>
+                        <a:picLocks noChangeAspect="1" noChangeArrowheads="1"/>
+                      </p:cNvPicPr>
+                      <p:nvPr/>
+                    </p:nvPicPr>
+                    <p:blipFill>
+                      <a:blip r:embed="rId11">
+                        <a:extLst>
+                          <a:ext uri="{28A0092B-C50C-407E-A947-70E740481C1C}">
+                            <a14:useLocalDpi xmlns:a14="http://schemas.microsoft.com/office/drawing/2010/main" val="0"/>
+                          </a:ext>
+                        </a:extLst>
+                      </a:blip>
+                      <a:srcRect/>
+                      <a:stretch>
+                        <a:fillRect/>
+                      </a:stretch>
+                    </p:blipFill>
+                    <p:spPr bwMode="auto">
+                      <a:xfrm>
+                        <a:off x="3857620" y="3857628"/>
+                        <a:ext cx="1785950" cy="454025"/>
+                      </a:xfrm>
+                      <a:prstGeom prst="rect">
+                        <a:avLst/>
+                      </a:prstGeom>
+                      <a:noFill/>
+                      <a:extLst>
+                        <a:ext uri="{909E8E84-426E-40DD-AFC4-6F175D3DCCD1}">
+                          <a14:hiddenFill xmlns:a14="http://schemas.microsoft.com/office/drawing/2010/main">
+                            <a:solidFill>
+                              <a:srgbClr val="FFFFFF"/>
+                            </a:solidFill>
+                          </a14:hiddenFill>
+                        </a:ext>
+                      </a:extLst>
+                    </p:spPr>
+                  </p:pic>
+                </p:oleObj>
+              </mc:Fallback>
+            </mc:AlternateContent>
           </a:graphicData>
         </a:graphic>
       </p:graphicFrame>
@@ -13419,9 +13218,59 @@
         </p:xfrm>
         <a:graphic>
           <a:graphicData uri="http://schemas.openxmlformats.org/presentationml/2006/ole">
-            <p:oleObj spid="_x0000_s40967" name="Equation" r:id="rId8" imgW="812520" imgH="203040" progId="Equation.DSMT4">
-              <p:embed/>
-            </p:oleObj>
+            <mc:AlternateContent xmlns:mc="http://schemas.openxmlformats.org/markup-compatibility/2006">
+              <mc:Choice xmlns:v="urn:schemas-microsoft-com:vml" Requires="v">
+                <p:oleObj spid="_x0000_s41082" name="Equation" r:id="rId12" imgW="812520" imgH="203040" progId="Equation.DSMT4">
+                  <p:embed/>
+                </p:oleObj>
+              </mc:Choice>
+              <mc:Fallback>
+                <p:oleObj name="Equation" r:id="rId12" imgW="812520" imgH="203040" progId="Equation.DSMT4">
+                  <p:embed/>
+                  <p:pic>
+                    <p:nvPicPr>
+                      <p:cNvPr id="0" name="Object 11"/>
+                      <p:cNvPicPr>
+                        <a:picLocks noChangeAspect="1" noChangeArrowheads="1"/>
+                      </p:cNvPicPr>
+                      <p:nvPr/>
+                    </p:nvPicPr>
+                    <p:blipFill>
+                      <a:blip r:embed="rId13">
+                        <a:extLst>
+                          <a:ext uri="{28A0092B-C50C-407E-A947-70E740481C1C}">
+                            <a14:useLocalDpi xmlns:a14="http://schemas.microsoft.com/office/drawing/2010/main" val="0"/>
+                          </a:ext>
+                        </a:extLst>
+                      </a:blip>
+                      <a:srcRect/>
+                      <a:stretch>
+                        <a:fillRect/>
+                      </a:stretch>
+                    </p:blipFill>
+                    <p:spPr bwMode="auto">
+                      <a:xfrm>
+                        <a:off x="6286512" y="3838581"/>
+                        <a:ext cx="2000264" cy="519113"/>
+                      </a:xfrm>
+                      <a:prstGeom prst="rect">
+                        <a:avLst/>
+                      </a:prstGeom>
+                      <a:noFill/>
+                      <a:extLst>
+                        <a:ext uri="{909E8E84-426E-40DD-AFC4-6F175D3DCCD1}">
+                          <a14:hiddenFill xmlns:a14="http://schemas.microsoft.com/office/drawing/2010/main">
+                            <a:solidFill>
+                              <a:srgbClr val="FFFFFF"/>
+                            </a:solidFill>
+                          </a14:hiddenFill>
+                        </a:ext>
+                      </a:extLst>
+                    </p:spPr>
+                  </p:pic>
+                </p:oleObj>
+              </mc:Fallback>
+            </mc:AlternateContent>
           </a:graphicData>
         </a:graphic>
       </p:graphicFrame>
@@ -13439,9 +13288,59 @@
         </p:xfrm>
         <a:graphic>
           <a:graphicData uri="http://schemas.openxmlformats.org/presentationml/2006/ole">
-            <p:oleObj spid="_x0000_s40968" name="Equation" r:id="rId9" imgW="965160" imgH="203040" progId="Equation.DSMT4">
-              <p:embed/>
-            </p:oleObj>
+            <mc:AlternateContent xmlns:mc="http://schemas.openxmlformats.org/markup-compatibility/2006">
+              <mc:Choice xmlns:v="urn:schemas-microsoft-com:vml" Requires="v">
+                <p:oleObj spid="_x0000_s41083" name="Equation" r:id="rId14" imgW="965160" imgH="203040" progId="Equation.DSMT4">
+                  <p:embed/>
+                </p:oleObj>
+              </mc:Choice>
+              <mc:Fallback>
+                <p:oleObj name="Equation" r:id="rId14" imgW="965160" imgH="203040" progId="Equation.DSMT4">
+                  <p:embed/>
+                  <p:pic>
+                    <p:nvPicPr>
+                      <p:cNvPr id="0" name="Object 12"/>
+                      <p:cNvPicPr>
+                        <a:picLocks noChangeAspect="1" noChangeArrowheads="1"/>
+                      </p:cNvPicPr>
+                      <p:nvPr/>
+                    </p:nvPicPr>
+                    <p:blipFill>
+                      <a:blip r:embed="rId15">
+                        <a:extLst>
+                          <a:ext uri="{28A0092B-C50C-407E-A947-70E740481C1C}">
+                            <a14:useLocalDpi xmlns:a14="http://schemas.microsoft.com/office/drawing/2010/main" val="0"/>
+                          </a:ext>
+                        </a:extLst>
+                      </a:blip>
+                      <a:srcRect/>
+                      <a:stretch>
+                        <a:fillRect/>
+                      </a:stretch>
+                    </p:blipFill>
+                    <p:spPr bwMode="auto">
+                      <a:xfrm>
+                        <a:off x="3917961" y="4338638"/>
+                        <a:ext cx="2297113" cy="519112"/>
+                      </a:xfrm>
+                      <a:prstGeom prst="rect">
+                        <a:avLst/>
+                      </a:prstGeom>
+                      <a:noFill/>
+                      <a:extLst>
+                        <a:ext uri="{909E8E84-426E-40DD-AFC4-6F175D3DCCD1}">
+                          <a14:hiddenFill xmlns:a14="http://schemas.microsoft.com/office/drawing/2010/main">
+                            <a:solidFill>
+                              <a:srgbClr val="FFFFFF"/>
+                            </a:solidFill>
+                          </a14:hiddenFill>
+                        </a:ext>
+                      </a:extLst>
+                    </p:spPr>
+                  </p:pic>
+                </p:oleObj>
+              </mc:Fallback>
+            </mc:AlternateContent>
           </a:graphicData>
         </a:graphic>
       </p:graphicFrame>
@@ -13459,9 +13358,59 @@
         </p:xfrm>
         <a:graphic>
           <a:graphicData uri="http://schemas.openxmlformats.org/presentationml/2006/ole">
-            <p:oleObj spid="_x0000_s40969" name="Equation" r:id="rId10" imgW="126835" imgH="139518" progId="Equation.DSMT4">
-              <p:embed/>
-            </p:oleObj>
+            <mc:AlternateContent xmlns:mc="http://schemas.openxmlformats.org/markup-compatibility/2006">
+              <mc:Choice xmlns:v="urn:schemas-microsoft-com:vml" Requires="v">
+                <p:oleObj spid="_x0000_s41084" name="Equation" r:id="rId16" imgW="126835" imgH="139518" progId="Equation.DSMT4">
+                  <p:embed/>
+                </p:oleObj>
+              </mc:Choice>
+              <mc:Fallback>
+                <p:oleObj name="Equation" r:id="rId16" imgW="126835" imgH="139518" progId="Equation.DSMT4">
+                  <p:embed/>
+                  <p:pic>
+                    <p:nvPicPr>
+                      <p:cNvPr id="0" name="Object 13"/>
+                      <p:cNvPicPr>
+                        <a:picLocks noChangeAspect="1" noChangeArrowheads="1"/>
+                      </p:cNvPicPr>
+                      <p:nvPr/>
+                    </p:nvPicPr>
+                    <p:blipFill>
+                      <a:blip r:embed="rId4">
+                        <a:extLst>
+                          <a:ext uri="{28A0092B-C50C-407E-A947-70E740481C1C}">
+                            <a14:useLocalDpi xmlns:a14="http://schemas.microsoft.com/office/drawing/2010/main" val="0"/>
+                          </a:ext>
+                        </a:extLst>
+                      </a:blip>
+                      <a:srcRect/>
+                      <a:stretch>
+                        <a:fillRect/>
+                      </a:stretch>
+                    </p:blipFill>
+                    <p:spPr bwMode="auto">
+                      <a:xfrm>
+                        <a:off x="3929060" y="4857763"/>
+                        <a:ext cx="357188" cy="357187"/>
+                      </a:xfrm>
+                      <a:prstGeom prst="rect">
+                        <a:avLst/>
+                      </a:prstGeom>
+                      <a:noFill/>
+                      <a:extLst>
+                        <a:ext uri="{909E8E84-426E-40DD-AFC4-6F175D3DCCD1}">
+                          <a14:hiddenFill xmlns:a14="http://schemas.microsoft.com/office/drawing/2010/main">
+                            <a:solidFill>
+                              <a:srgbClr val="FFFFFF"/>
+                            </a:solidFill>
+                          </a14:hiddenFill>
+                        </a:ext>
+                      </a:extLst>
+                    </p:spPr>
+                  </p:pic>
+                </p:oleObj>
+              </mc:Fallback>
+            </mc:AlternateContent>
           </a:graphicData>
         </a:graphic>
       </p:graphicFrame>
@@ -13479,9 +13428,59 @@
         </p:xfrm>
         <a:graphic>
           <a:graphicData uri="http://schemas.openxmlformats.org/presentationml/2006/ole">
-            <p:oleObj spid="_x0000_s40970" name="Equation" r:id="rId11" imgW="126720" imgH="177480" progId="Equation.DSMT4">
-              <p:embed/>
-            </p:oleObj>
+            <mc:AlternateContent xmlns:mc="http://schemas.openxmlformats.org/markup-compatibility/2006">
+              <mc:Choice xmlns:v="urn:schemas-microsoft-com:vml" Requires="v">
+                <p:oleObj spid="_x0000_s41085" name="Equation" r:id="rId17" imgW="126720" imgH="177480" progId="Equation.DSMT4">
+                  <p:embed/>
+                </p:oleObj>
+              </mc:Choice>
+              <mc:Fallback>
+                <p:oleObj name="Equation" r:id="rId17" imgW="126720" imgH="177480" progId="Equation.DSMT4">
+                  <p:embed/>
+                  <p:pic>
+                    <p:nvPicPr>
+                      <p:cNvPr id="0" name="Object 14"/>
+                      <p:cNvPicPr>
+                        <a:picLocks noChangeAspect="1" noChangeArrowheads="1"/>
+                      </p:cNvPicPr>
+                      <p:nvPr/>
+                    </p:nvPicPr>
+                    <p:blipFill>
+                      <a:blip r:embed="rId6">
+                        <a:extLst>
+                          <a:ext uri="{28A0092B-C50C-407E-A947-70E740481C1C}">
+                            <a14:useLocalDpi xmlns:a14="http://schemas.microsoft.com/office/drawing/2010/main" val="0"/>
+                          </a:ext>
+                        </a:extLst>
+                      </a:blip>
+                      <a:srcRect/>
+                      <a:stretch>
+                        <a:fillRect/>
+                      </a:stretch>
+                    </p:blipFill>
+                    <p:spPr bwMode="auto">
+                      <a:xfrm>
+                        <a:off x="4572000" y="4760925"/>
+                        <a:ext cx="357187" cy="454025"/>
+                      </a:xfrm>
+                      <a:prstGeom prst="rect">
+                        <a:avLst/>
+                      </a:prstGeom>
+                      <a:noFill/>
+                      <a:extLst>
+                        <a:ext uri="{909E8E84-426E-40DD-AFC4-6F175D3DCCD1}">
+                          <a14:hiddenFill xmlns:a14="http://schemas.microsoft.com/office/drawing/2010/main">
+                            <a:solidFill>
+                              <a:srgbClr val="FFFFFF"/>
+                            </a:solidFill>
+                          </a14:hiddenFill>
+                        </a:ext>
+                      </a:extLst>
+                    </p:spPr>
+                  </p:pic>
+                </p:oleObj>
+              </mc:Fallback>
+            </mc:AlternateContent>
           </a:graphicData>
         </a:graphic>
       </p:graphicFrame>
@@ -13499,9 +13498,59 @@
         </p:xfrm>
         <a:graphic>
           <a:graphicData uri="http://schemas.openxmlformats.org/presentationml/2006/ole">
-            <p:oleObj spid="_x0000_s40971" name="Equation" r:id="rId12" imgW="583920" imgH="203040" progId="Equation.DSMT4">
-              <p:embed/>
-            </p:oleObj>
+            <mc:AlternateContent xmlns:mc="http://schemas.openxmlformats.org/markup-compatibility/2006">
+              <mc:Choice xmlns:v="urn:schemas-microsoft-com:vml" Requires="v">
+                <p:oleObj spid="_x0000_s41086" name="Equation" r:id="rId18" imgW="583920" imgH="203040" progId="Equation.DSMT4">
+                  <p:embed/>
+                </p:oleObj>
+              </mc:Choice>
+              <mc:Fallback>
+                <p:oleObj name="Equation" r:id="rId18" imgW="583920" imgH="203040" progId="Equation.DSMT4">
+                  <p:embed/>
+                  <p:pic>
+                    <p:nvPicPr>
+                      <p:cNvPr id="0" name="Object 15"/>
+                      <p:cNvPicPr>
+                        <a:picLocks noChangeAspect="1" noChangeArrowheads="1"/>
+                      </p:cNvPicPr>
+                      <p:nvPr/>
+                    </p:nvPicPr>
+                    <p:blipFill>
+                      <a:blip r:embed="rId8">
+                        <a:extLst>
+                          <a:ext uri="{28A0092B-C50C-407E-A947-70E740481C1C}">
+                            <a14:useLocalDpi xmlns:a14="http://schemas.microsoft.com/office/drawing/2010/main" val="0"/>
+                          </a:ext>
+                        </a:extLst>
+                      </a:blip>
+                      <a:srcRect/>
+                      <a:stretch>
+                        <a:fillRect/>
+                      </a:stretch>
+                    </p:blipFill>
+                    <p:spPr bwMode="auto">
+                      <a:xfrm>
+                        <a:off x="6643713" y="5124465"/>
+                        <a:ext cx="1500187" cy="519113"/>
+                      </a:xfrm>
+                      <a:prstGeom prst="rect">
+                        <a:avLst/>
+                      </a:prstGeom>
+                      <a:noFill/>
+                      <a:extLst>
+                        <a:ext uri="{909E8E84-426E-40DD-AFC4-6F175D3DCCD1}">
+                          <a14:hiddenFill xmlns:a14="http://schemas.microsoft.com/office/drawing/2010/main">
+                            <a:solidFill>
+                              <a:srgbClr val="FFFFFF"/>
+                            </a:solidFill>
+                          </a14:hiddenFill>
+                        </a:ext>
+                      </a:extLst>
+                    </p:spPr>
+                  </p:pic>
+                </p:oleObj>
+              </mc:Fallback>
+            </mc:AlternateContent>
           </a:graphicData>
         </a:graphic>
       </p:graphicFrame>
@@ -13519,9 +13568,59 @@
         </p:xfrm>
         <a:graphic>
           <a:graphicData uri="http://schemas.openxmlformats.org/presentationml/2006/ole">
-            <p:oleObj spid="_x0000_s40974" name="Equation" r:id="rId13" imgW="583920" imgH="203040" progId="Equation.DSMT4">
-              <p:embed/>
-            </p:oleObj>
+            <mc:AlternateContent xmlns:mc="http://schemas.openxmlformats.org/markup-compatibility/2006">
+              <mc:Choice xmlns:v="urn:schemas-microsoft-com:vml" Requires="v">
+                <p:oleObj spid="_x0000_s41087" name="Equation" r:id="rId19" imgW="583920" imgH="203040" progId="Equation.DSMT4">
+                  <p:embed/>
+                </p:oleObj>
+              </mc:Choice>
+              <mc:Fallback>
+                <p:oleObj name="Equation" r:id="rId19" imgW="583920" imgH="203040" progId="Equation.DSMT4">
+                  <p:embed/>
+                  <p:pic>
+                    <p:nvPicPr>
+                      <p:cNvPr id="0" name="Picture 14"/>
+                      <p:cNvPicPr>
+                        <a:picLocks noChangeAspect="1" noChangeArrowheads="1"/>
+                      </p:cNvPicPr>
+                      <p:nvPr/>
+                    </p:nvPicPr>
+                    <p:blipFill>
+                      <a:blip r:embed="rId8">
+                        <a:extLst>
+                          <a:ext uri="{28A0092B-C50C-407E-A947-70E740481C1C}">
+                            <a14:useLocalDpi xmlns:a14="http://schemas.microsoft.com/office/drawing/2010/main" val="0"/>
+                          </a:ext>
+                        </a:extLst>
+                      </a:blip>
+                      <a:srcRect/>
+                      <a:stretch>
+                        <a:fillRect/>
+                      </a:stretch>
+                    </p:blipFill>
+                    <p:spPr bwMode="auto">
+                      <a:xfrm>
+                        <a:off x="6786589" y="4338647"/>
+                        <a:ext cx="1500187" cy="519113"/>
+                      </a:xfrm>
+                      <a:prstGeom prst="rect">
+                        <a:avLst/>
+                      </a:prstGeom>
+                      <a:noFill/>
+                      <a:extLst>
+                        <a:ext uri="{909E8E84-426E-40DD-AFC4-6F175D3DCCD1}">
+                          <a14:hiddenFill xmlns:a14="http://schemas.microsoft.com/office/drawing/2010/main">
+                            <a:solidFill>
+                              <a:srgbClr val="FFFFFF"/>
+                            </a:solidFill>
+                          </a14:hiddenFill>
+                        </a:ext>
+                      </a:extLst>
+                    </p:spPr>
+                  </p:pic>
+                </p:oleObj>
+              </mc:Fallback>
+            </mc:AlternateContent>
           </a:graphicData>
         </a:graphic>
       </p:graphicFrame>
@@ -13539,9 +13638,59 @@
         </p:xfrm>
         <a:graphic>
           <a:graphicData uri="http://schemas.openxmlformats.org/presentationml/2006/ole">
-            <p:oleObj spid="_x0000_s40976" name="Equation" r:id="rId14" imgW="965160" imgH="190440" progId="Equation.DSMT4">
-              <p:embed/>
-            </p:oleObj>
+            <mc:AlternateContent xmlns:mc="http://schemas.openxmlformats.org/markup-compatibility/2006">
+              <mc:Choice xmlns:v="urn:schemas-microsoft-com:vml" Requires="v">
+                <p:oleObj spid="_x0000_s41088" name="Equation" r:id="rId20" imgW="965160" imgH="190440" progId="Equation.DSMT4">
+                  <p:embed/>
+                </p:oleObj>
+              </mc:Choice>
+              <mc:Fallback>
+                <p:oleObj name="Equation" r:id="rId20" imgW="965160" imgH="190440" progId="Equation.DSMT4">
+                  <p:embed/>
+                  <p:pic>
+                    <p:nvPicPr>
+                      <p:cNvPr id="0" name="Picture 16"/>
+                      <p:cNvPicPr>
+                        <a:picLocks noChangeAspect="1" noChangeArrowheads="1"/>
+                      </p:cNvPicPr>
+                      <p:nvPr/>
+                    </p:nvPicPr>
+                    <p:blipFill>
+                      <a:blip r:embed="rId21">
+                        <a:extLst>
+                          <a:ext uri="{28A0092B-C50C-407E-A947-70E740481C1C}">
+                            <a14:useLocalDpi xmlns:a14="http://schemas.microsoft.com/office/drawing/2010/main" val="0"/>
+                          </a:ext>
+                        </a:extLst>
+                      </a:blip>
+                      <a:srcRect/>
+                      <a:stretch>
+                        <a:fillRect/>
+                      </a:stretch>
+                    </p:blipFill>
+                    <p:spPr bwMode="auto">
+                      <a:xfrm>
+                        <a:off x="6072214" y="6000768"/>
+                        <a:ext cx="2286000" cy="485775"/>
+                      </a:xfrm>
+                      <a:prstGeom prst="rect">
+                        <a:avLst/>
+                      </a:prstGeom>
+                      <a:noFill/>
+                      <a:extLst>
+                        <a:ext uri="{909E8E84-426E-40DD-AFC4-6F175D3DCCD1}">
+                          <a14:hiddenFill xmlns:a14="http://schemas.microsoft.com/office/drawing/2010/main">
+                            <a:solidFill>
+                              <a:srgbClr val="FFFFFF"/>
+                            </a:solidFill>
+                          </a14:hiddenFill>
+                        </a:ext>
+                      </a:extLst>
+                    </p:spPr>
+                  </p:pic>
+                </p:oleObj>
+              </mc:Fallback>
+            </mc:AlternateContent>
           </a:graphicData>
         </a:graphic>
       </p:graphicFrame>
@@ -13559,9 +13708,59 @@
         </p:xfrm>
         <a:graphic>
           <a:graphicData uri="http://schemas.openxmlformats.org/presentationml/2006/ole">
-            <p:oleObj spid="_x0000_s40977" name="Equation" r:id="rId15" imgW="380880" imgH="152280" progId="Equation.DSMT4">
-              <p:embed/>
-            </p:oleObj>
+            <mc:AlternateContent xmlns:mc="http://schemas.openxmlformats.org/markup-compatibility/2006">
+              <mc:Choice xmlns:v="urn:schemas-microsoft-com:vml" Requires="v">
+                <p:oleObj spid="_x0000_s41089" name="Equation" r:id="rId22" imgW="380880" imgH="152280" progId="Equation.DSMT4">
+                  <p:embed/>
+                </p:oleObj>
+              </mc:Choice>
+              <mc:Fallback>
+                <p:oleObj name="Equation" r:id="rId22" imgW="380880" imgH="152280" progId="Equation.DSMT4">
+                  <p:embed/>
+                  <p:pic>
+                    <p:nvPicPr>
+                      <p:cNvPr id="0" name="Picture 17"/>
+                      <p:cNvPicPr>
+                        <a:picLocks noChangeAspect="1" noChangeArrowheads="1"/>
+                      </p:cNvPicPr>
+                      <p:nvPr/>
+                    </p:nvPicPr>
+                    <p:blipFill>
+                      <a:blip r:embed="rId23">
+                        <a:extLst>
+                          <a:ext uri="{28A0092B-C50C-407E-A947-70E740481C1C}">
+                            <a14:useLocalDpi xmlns:a14="http://schemas.microsoft.com/office/drawing/2010/main" val="0"/>
+                          </a:ext>
+                        </a:extLst>
+                      </a:blip>
+                      <a:srcRect/>
+                      <a:stretch>
+                        <a:fillRect/>
+                      </a:stretch>
+                    </p:blipFill>
+                    <p:spPr bwMode="auto">
+                      <a:xfrm>
+                        <a:off x="2676538" y="5572140"/>
+                        <a:ext cx="895350" cy="388937"/>
+                      </a:xfrm>
+                      <a:prstGeom prst="rect">
+                        <a:avLst/>
+                      </a:prstGeom>
+                      <a:noFill/>
+                      <a:extLst>
+                        <a:ext uri="{909E8E84-426E-40DD-AFC4-6F175D3DCCD1}">
+                          <a14:hiddenFill xmlns:a14="http://schemas.microsoft.com/office/drawing/2010/main">
+                            <a:solidFill>
+                              <a:srgbClr val="FFFFFF"/>
+                            </a:solidFill>
+                          </a14:hiddenFill>
+                        </a:ext>
+                      </a:extLst>
+                    </p:spPr>
+                  </p:pic>
+                </p:oleObj>
+              </mc:Fallback>
+            </mc:AlternateContent>
           </a:graphicData>
         </a:graphic>
       </p:graphicFrame>
@@ -13579,9 +13778,59 @@
         </p:xfrm>
         <a:graphic>
           <a:graphicData uri="http://schemas.openxmlformats.org/presentationml/2006/ole">
-            <p:oleObj spid="_x0000_s40978" name="Equation" r:id="rId16" imgW="368280" imgH="164880" progId="Equation.DSMT4">
-              <p:embed/>
-            </p:oleObj>
+            <mc:AlternateContent xmlns:mc="http://schemas.openxmlformats.org/markup-compatibility/2006">
+              <mc:Choice xmlns:v="urn:schemas-microsoft-com:vml" Requires="v">
+                <p:oleObj spid="_x0000_s41090" name="Equation" r:id="rId24" imgW="368280" imgH="164880" progId="Equation.DSMT4">
+                  <p:embed/>
+                </p:oleObj>
+              </mc:Choice>
+              <mc:Fallback>
+                <p:oleObj name="Equation" r:id="rId24" imgW="368280" imgH="164880" progId="Equation.DSMT4">
+                  <p:embed/>
+                  <p:pic>
+                    <p:nvPicPr>
+                      <p:cNvPr id="0" name="Picture 18"/>
+                      <p:cNvPicPr>
+                        <a:picLocks noChangeAspect="1" noChangeArrowheads="1"/>
+                      </p:cNvPicPr>
+                      <p:nvPr/>
+                    </p:nvPicPr>
+                    <p:blipFill>
+                      <a:blip r:embed="rId25">
+                        <a:extLst>
+                          <a:ext uri="{28A0092B-C50C-407E-A947-70E740481C1C}">
+                            <a14:useLocalDpi xmlns:a14="http://schemas.microsoft.com/office/drawing/2010/main" val="0"/>
+                          </a:ext>
+                        </a:extLst>
+                      </a:blip>
+                      <a:srcRect/>
+                      <a:stretch>
+                        <a:fillRect/>
+                      </a:stretch>
+                    </p:blipFill>
+                    <p:spPr bwMode="auto">
+                      <a:xfrm>
+                        <a:off x="3778263" y="5580077"/>
+                        <a:ext cx="865188" cy="420688"/>
+                      </a:xfrm>
+                      <a:prstGeom prst="rect">
+                        <a:avLst/>
+                      </a:prstGeom>
+                      <a:noFill/>
+                      <a:extLst>
+                        <a:ext uri="{909E8E84-426E-40DD-AFC4-6F175D3DCCD1}">
+                          <a14:hiddenFill xmlns:a14="http://schemas.microsoft.com/office/drawing/2010/main">
+                            <a:solidFill>
+                              <a:srgbClr val="FFFFFF"/>
+                            </a:solidFill>
+                          </a14:hiddenFill>
+                        </a:ext>
+                      </a:extLst>
+                    </p:spPr>
+                  </p:pic>
+                </p:oleObj>
+              </mc:Fallback>
+            </mc:AlternateContent>
           </a:graphicData>
         </a:graphic>
       </p:graphicFrame>
@@ -13811,9 +14060,59 @@
         </p:xfrm>
         <a:graphic>
           <a:graphicData uri="http://schemas.openxmlformats.org/presentationml/2006/ole">
-            <p:oleObj spid="_x0000_s22542" name="Equation" r:id="rId3" imgW="164880" imgH="203040" progId="Equation.DSMT4">
-              <p:embed/>
-            </p:oleObj>
+            <mc:AlternateContent xmlns:mc="http://schemas.openxmlformats.org/markup-compatibility/2006">
+              <mc:Choice xmlns:v="urn:schemas-microsoft-com:vml" Requires="v">
+                <p:oleObj spid="_x0000_s22566" name="Equation" r:id="rId3" imgW="164880" imgH="203040" progId="Equation.DSMT4">
+                  <p:embed/>
+                </p:oleObj>
+              </mc:Choice>
+              <mc:Fallback>
+                <p:oleObj name="Equation" r:id="rId3" imgW="164880" imgH="203040" progId="Equation.DSMT4">
+                  <p:embed/>
+                  <p:pic>
+                    <p:nvPicPr>
+                      <p:cNvPr id="0" name="Object 6"/>
+                      <p:cNvPicPr>
+                        <a:picLocks noChangeAspect="1" noChangeArrowheads="1"/>
+                      </p:cNvPicPr>
+                      <p:nvPr/>
+                    </p:nvPicPr>
+                    <p:blipFill>
+                      <a:blip r:embed="rId4">
+                        <a:extLst>
+                          <a:ext uri="{28A0092B-C50C-407E-A947-70E740481C1C}">
+                            <a14:useLocalDpi xmlns:a14="http://schemas.microsoft.com/office/drawing/2010/main" val="0"/>
+                          </a:ext>
+                        </a:extLst>
+                      </a:blip>
+                      <a:srcRect/>
+                      <a:stretch>
+                        <a:fillRect/>
+                      </a:stretch>
+                    </p:blipFill>
+                    <p:spPr bwMode="auto">
+                      <a:xfrm>
+                        <a:off x="2714612" y="1266813"/>
+                        <a:ext cx="444500" cy="519113"/>
+                      </a:xfrm>
+                      <a:prstGeom prst="rect">
+                        <a:avLst/>
+                      </a:prstGeom>
+                      <a:noFill/>
+                      <a:extLst>
+                        <a:ext uri="{909E8E84-426E-40DD-AFC4-6F175D3DCCD1}">
+                          <a14:hiddenFill xmlns:a14="http://schemas.microsoft.com/office/drawing/2010/main">
+                            <a:solidFill>
+                              <a:srgbClr val="FFFFFF"/>
+                            </a:solidFill>
+                          </a14:hiddenFill>
+                        </a:ext>
+                      </a:extLst>
+                    </p:spPr>
+                  </p:pic>
+                </p:oleObj>
+              </mc:Fallback>
+            </mc:AlternateContent>
           </a:graphicData>
         </a:graphic>
       </p:graphicFrame>
@@ -13831,9 +14130,59 @@
         </p:xfrm>
         <a:graphic>
           <a:graphicData uri="http://schemas.openxmlformats.org/presentationml/2006/ole">
-            <p:oleObj spid="_x0000_s22543" name="Equation" r:id="rId4" imgW="1054080" imgH="368280" progId="Equation.DSMT4">
-              <p:embed/>
-            </p:oleObj>
+            <mc:AlternateContent xmlns:mc="http://schemas.openxmlformats.org/markup-compatibility/2006">
+              <mc:Choice xmlns:v="urn:schemas-microsoft-com:vml" Requires="v">
+                <p:oleObj spid="_x0000_s22567" name="Equation" r:id="rId5" imgW="1054080" imgH="368280" progId="Equation.DSMT4">
+                  <p:embed/>
+                </p:oleObj>
+              </mc:Choice>
+              <mc:Fallback>
+                <p:oleObj name="Equation" r:id="rId5" imgW="1054080" imgH="368280" progId="Equation.DSMT4">
+                  <p:embed/>
+                  <p:pic>
+                    <p:nvPicPr>
+                      <p:cNvPr id="0" name="Picture 15"/>
+                      <p:cNvPicPr>
+                        <a:picLocks noChangeAspect="1" noChangeArrowheads="1"/>
+                      </p:cNvPicPr>
+                      <p:nvPr/>
+                    </p:nvPicPr>
+                    <p:blipFill>
+                      <a:blip r:embed="rId6">
+                        <a:extLst>
+                          <a:ext uri="{28A0092B-C50C-407E-A947-70E740481C1C}">
+                            <a14:useLocalDpi xmlns:a14="http://schemas.microsoft.com/office/drawing/2010/main" val="0"/>
+                          </a:ext>
+                        </a:extLst>
+                      </a:blip>
+                      <a:srcRect/>
+                      <a:stretch>
+                        <a:fillRect/>
+                      </a:stretch>
+                    </p:blipFill>
+                    <p:spPr bwMode="auto">
+                      <a:xfrm>
+                        <a:off x="3143241" y="2170476"/>
+                        <a:ext cx="2714644" cy="901334"/>
+                      </a:xfrm>
+                      <a:prstGeom prst="rect">
+                        <a:avLst/>
+                      </a:prstGeom>
+                      <a:noFill/>
+                      <a:extLst>
+                        <a:ext uri="{909E8E84-426E-40DD-AFC4-6F175D3DCCD1}">
+                          <a14:hiddenFill xmlns:a14="http://schemas.microsoft.com/office/drawing/2010/main">
+                            <a:solidFill>
+                              <a:srgbClr val="FFFFFF"/>
+                            </a:solidFill>
+                          </a14:hiddenFill>
+                        </a:ext>
+                      </a:extLst>
+                    </p:spPr>
+                  </p:pic>
+                </p:oleObj>
+              </mc:Fallback>
+            </mc:AlternateContent>
           </a:graphicData>
         </a:graphic>
       </p:graphicFrame>
@@ -13851,9 +14200,59 @@
         </p:xfrm>
         <a:graphic>
           <a:graphicData uri="http://schemas.openxmlformats.org/presentationml/2006/ole">
-            <p:oleObj spid="_x0000_s22544" name="Equation" r:id="rId5" imgW="1168200" imgH="266400" progId="Equation.DSMT4">
-              <p:embed/>
-            </p:oleObj>
+            <mc:AlternateContent xmlns:mc="http://schemas.openxmlformats.org/markup-compatibility/2006">
+              <mc:Choice xmlns:v="urn:schemas-microsoft-com:vml" Requires="v">
+                <p:oleObj spid="_x0000_s22568" name="Equation" r:id="rId7" imgW="1168200" imgH="266400" progId="Equation.DSMT4">
+                  <p:embed/>
+                </p:oleObj>
+              </mc:Choice>
+              <mc:Fallback>
+                <p:oleObj name="Equation" r:id="rId7" imgW="1168200" imgH="266400" progId="Equation.DSMT4">
+                  <p:embed/>
+                  <p:pic>
+                    <p:nvPicPr>
+                      <p:cNvPr id="0" name="Picture 16"/>
+                      <p:cNvPicPr>
+                        <a:picLocks noChangeAspect="1" noChangeArrowheads="1"/>
+                      </p:cNvPicPr>
+                      <p:nvPr/>
+                    </p:nvPicPr>
+                    <p:blipFill>
+                      <a:blip r:embed="rId8">
+                        <a:extLst>
+                          <a:ext uri="{28A0092B-C50C-407E-A947-70E740481C1C}">
+                            <a14:useLocalDpi xmlns:a14="http://schemas.microsoft.com/office/drawing/2010/main" val="0"/>
+                          </a:ext>
+                        </a:extLst>
+                      </a:blip>
+                      <a:srcRect/>
+                      <a:stretch>
+                        <a:fillRect/>
+                      </a:stretch>
+                    </p:blipFill>
+                    <p:spPr bwMode="auto">
+                      <a:xfrm>
+                        <a:off x="3063885" y="2919414"/>
+                        <a:ext cx="3008313" cy="652462"/>
+                      </a:xfrm>
+                      <a:prstGeom prst="rect">
+                        <a:avLst/>
+                      </a:prstGeom>
+                      <a:noFill/>
+                      <a:extLst>
+                        <a:ext uri="{909E8E84-426E-40DD-AFC4-6F175D3DCCD1}">
+                          <a14:hiddenFill xmlns:a14="http://schemas.microsoft.com/office/drawing/2010/main">
+                            <a:solidFill>
+                              <a:srgbClr val="FFFFFF"/>
+                            </a:solidFill>
+                          </a14:hiddenFill>
+                        </a:ext>
+                      </a:extLst>
+                    </p:spPr>
+                  </p:pic>
+                </p:oleObj>
+              </mc:Fallback>
+            </mc:AlternateContent>
           </a:graphicData>
         </a:graphic>
       </p:graphicFrame>
@@ -14122,7 +14521,7 @@
         <a:effectLst/>
         <a:extLst>
           <a:ext uri="{AF507438-7753-43E0-B8FC-AC1667EBCBE1}">
-            <a14:hiddenEffects xmlns:a14="http://schemas.microsoft.com/office/drawing/2010/main" xmlns="">
+            <a14:hiddenEffects xmlns:a14="http://schemas.microsoft.com/office/drawing/2010/main">
               <a:effectLst>
                 <a:outerShdw dist="35921" dir="2700000" algn="ctr" rotWithShape="0">
                   <a:schemeClr val="bg2"/>
@@ -14195,7 +14594,7 @@
         <a:effectLst/>
         <a:extLst>
           <a:ext uri="{AF507438-7753-43E0-B8FC-AC1667EBCBE1}">
-            <a14:hiddenEffects xmlns:a14="http://schemas.microsoft.com/office/drawing/2010/main" xmlns="">
+            <a14:hiddenEffects xmlns:a14="http://schemas.microsoft.com/office/drawing/2010/main">
               <a:effectLst>
                 <a:outerShdw dist="35921" dir="2700000" algn="ctr" rotWithShape="0">
                   <a:schemeClr val="bg2"/>
